--- a/PathFinding Simulator.pptx
+++ b/PathFinding Simulator.pptx
@@ -5,20 +5,18 @@
     <p:sldMasterId id="2147483660" r:id="rId1"/>
   </p:sldMasterIdLst>
   <p:notesMasterIdLst>
-    <p:notesMasterId r:id="rId13"/>
+    <p:notesMasterId r:id="rId11"/>
   </p:notesMasterIdLst>
   <p:sldIdLst>
     <p:sldId id="256" r:id="rId2"/>
     <p:sldId id="257" r:id="rId3"/>
     <p:sldId id="258" r:id="rId4"/>
-    <p:sldId id="259" r:id="rId5"/>
-    <p:sldId id="260" r:id="rId6"/>
+    <p:sldId id="269" r:id="rId5"/>
+    <p:sldId id="270" r:id="rId6"/>
     <p:sldId id="261" r:id="rId7"/>
     <p:sldId id="262" r:id="rId8"/>
-    <p:sldId id="263" r:id="rId9"/>
-    <p:sldId id="266" r:id="rId10"/>
-    <p:sldId id="264" r:id="rId11"/>
-    <p:sldId id="267" r:id="rId12"/>
+    <p:sldId id="271" r:id="rId9"/>
+    <p:sldId id="263" r:id="rId10"/>
   </p:sldIdLst>
   <p:sldSz cx="9144000" cy="6858000" type="screen4x3"/>
   <p:notesSz cx="6858000" cy="9144000"/>
@@ -117,6 +115,22 @@
       </a:defRPr>
     </a:lvl9pPr>
   </p:defaultTextStyle>
+  <p:extLst>
+    <p:ext uri="{EFAFB233-063F-42B5-8137-9DF3F51BA10A}">
+      <p15:sldGuideLst xmlns:p15="http://schemas.microsoft.com/office/powerpoint/2012/main" xmlns="">
+        <p15:guide id="1" orient="horz" pos="2160">
+          <p15:clr>
+            <a:srgbClr val="A4A3A4"/>
+          </p15:clr>
+        </p15:guide>
+        <p15:guide id="2" pos="2880">
+          <p15:clr>
+            <a:srgbClr val="A4A3A4"/>
+          </p15:clr>
+        </p15:guide>
+      </p15:sldGuideLst>
+    </p:ext>
+  </p:extLst>
 </p:presentation>
 </file>
 
@@ -202,7 +216,7 @@
           <a:p>
             <a:fld id="{956D5623-F9F6-471A-90EF-3FB64118A9E5}" type="datetimeFigureOut">
               <a:rPr lang="ko-KR" altLang="en-US" smtClean="0"/>
-              <a:t>2017-09-09</a:t>
+              <a:t>2017-09-15</a:t>
             </a:fld>
             <a:endParaRPr lang="ko-KR" altLang="en-US"/>
           </a:p>
@@ -691,7 +705,7 @@
           <a:p>
             <a:fld id="{70858D89-F3E0-4064-A95E-A0472DD2388B}" type="datetime1">
               <a:rPr lang="ko-KR" altLang="en-US" smtClean="0"/>
-              <a:t>2017-09-09</a:t>
+              <a:t>2017-09-15</a:t>
             </a:fld>
             <a:endParaRPr lang="ko-KR" altLang="en-US"/>
           </a:p>
@@ -1448,6 +1462,13 @@
   <p:clrMapOvr>
     <a:overrideClrMapping bg1="lt1" tx1="dk1" bg2="lt2" tx2="dk2" accent1="accent1" accent2="accent2" accent3="accent3" accent4="accent4" accent5="accent5" accent6="accent6" hlink="hlink" folHlink="folHlink"/>
   </p:clrMapOvr>
+  <p:timing>
+    <p:tnLst>
+      <p:par>
+        <p:cTn id="1" dur="indefinite" restart="never" nodeType="tmRoot"/>
+      </p:par>
+    </p:tnLst>
+  </p:timing>
 </p:sldLayout>
 </file>
 
@@ -1560,7 +1581,7 @@
           <a:p>
             <a:fld id="{B838DBD8-D062-48E0-B92C-1270695DF223}" type="datetime1">
               <a:rPr lang="ko-KR" altLang="en-US" smtClean="0"/>
-              <a:t>2017-09-09</a:t>
+              <a:t>2017-09-15</a:t>
             </a:fld>
             <a:endParaRPr lang="ko-KR" altLang="en-US"/>
           </a:p>
@@ -1613,6 +1634,13 @@
   <p:clrMapOvr>
     <a:masterClrMapping/>
   </p:clrMapOvr>
+  <p:timing>
+    <p:tnLst>
+      <p:par>
+        <p:cTn id="1" dur="indefinite" restart="never" nodeType="tmRoot"/>
+      </p:par>
+    </p:tnLst>
+  </p:timing>
 </p:sldLayout>
 </file>
 
@@ -1735,7 +1763,7 @@
           <a:p>
             <a:fld id="{63416FDA-A0B1-4BFD-A76D-F4824543A2C4}" type="datetime1">
               <a:rPr lang="ko-KR" altLang="en-US" smtClean="0"/>
-              <a:t>2017-09-09</a:t>
+              <a:t>2017-09-15</a:t>
             </a:fld>
             <a:endParaRPr lang="ko-KR" altLang="en-US"/>
           </a:p>
@@ -1818,7 +1846,12 @@
             <p:ph type="title"/>
           </p:nvPr>
         </p:nvSpPr>
-        <p:spPr/>
+        <p:spPr>
+          <a:xfrm>
+            <a:off x="457200" y="257818"/>
+            <a:ext cx="7467600" cy="1143000"/>
+          </a:xfrm>
+        </p:spPr>
         <p:txBody>
           <a:bodyPr/>
           <a:lstStyle/>
@@ -1905,7 +1938,7 @@
           <a:p>
             <a:fld id="{C5F816D5-8C55-451E-91D3-0FF94EB55D59}" type="datetime1">
               <a:rPr lang="ko-KR" altLang="en-US" smtClean="0"/>
-              <a:t>2017-09-09</a:t>
+              <a:t>2017-09-15</a:t>
             </a:fld>
             <a:endParaRPr lang="ko-KR" altLang="en-US"/>
           </a:p>
@@ -1958,6 +1991,13 @@
   <p:clrMapOvr>
     <a:masterClrMapping/>
   </p:clrMapOvr>
+  <p:timing>
+    <p:tnLst>
+      <p:par>
+        <p:cTn id="1" dur="indefinite" restart="never" nodeType="tmRoot"/>
+      </p:par>
+    </p:tnLst>
+  </p:timing>
 </p:sldLayout>
 </file>
 
@@ -2115,7 +2155,7 @@
           <a:p>
             <a:fld id="{FB5C2398-EDD6-4913-BBFB-8A55C5E7F8BB}" type="datetime1">
               <a:rPr lang="ko-KR" altLang="en-US" smtClean="0"/>
-              <a:t>2017-09-09</a:t>
+              <a:t>2017-09-15</a:t>
             </a:fld>
             <a:endParaRPr lang="ko-KR" altLang="en-US"/>
           </a:p>
@@ -2869,6 +2909,13 @@
   <p:clrMapOvr>
     <a:overrideClrMapping bg1="dk1" tx1="lt1" bg2="dk2" tx2="lt2" accent1="accent1" accent2="accent2" accent3="accent3" accent4="accent4" accent5="accent5" accent6="accent6" hlink="hlink" folHlink="folHlink"/>
   </p:clrMapOvr>
+  <p:timing>
+    <p:tnLst>
+      <p:par>
+        <p:cTn id="1" dur="indefinite" restart="never" nodeType="tmRoot"/>
+      </p:par>
+    </p:tnLst>
+  </p:timing>
 </p:sldLayout>
 </file>
 
@@ -2929,7 +2976,7 @@
           <a:p>
             <a:fld id="{E1512F55-89B0-4FFD-A898-8527FA61D425}" type="datetime1">
               <a:rPr lang="ko-KR" altLang="en-US" smtClean="0"/>
-              <a:t>2017-09-09</a:t>
+              <a:t>2017-09-15</a:t>
             </a:fld>
             <a:endParaRPr lang="ko-KR" altLang="en-US"/>
           </a:p>
@@ -3096,6 +3143,13 @@
   <p:clrMapOvr>
     <a:masterClrMapping/>
   </p:clrMapOvr>
+  <p:timing>
+    <p:tnLst>
+      <p:par>
+        <p:cTn id="1" dur="indefinite" restart="never" nodeType="tmRoot"/>
+      </p:par>
+    </p:tnLst>
+  </p:timing>
 </p:sldLayout>
 </file>
 
@@ -3165,7 +3219,7 @@
           <a:p>
             <a:fld id="{9F9DE589-F646-486B-AFB5-35A72A3F5A79}" type="datetime1">
               <a:rPr lang="ko-KR" altLang="en-US" smtClean="0"/>
-              <a:t>2017-09-09</a:t>
+              <a:t>2017-09-15</a:t>
             </a:fld>
             <a:endParaRPr lang="ko-KR" altLang="en-US"/>
           </a:p>
@@ -3428,6 +3482,13 @@
   <p:clrMapOvr>
     <a:masterClrMapping/>
   </p:clrMapOvr>
+  <p:timing>
+    <p:tnLst>
+      <p:par>
+        <p:cTn id="1" dur="indefinite" restart="never" nodeType="tmRoot"/>
+      </p:par>
+    </p:tnLst>
+  </p:timing>
 </p:sldLayout>
 </file>
 
@@ -3488,7 +3549,7 @@
           <a:p>
             <a:fld id="{96941B95-51FB-4B22-824F-B8788E5F51E2}" type="datetime1">
               <a:rPr lang="ko-KR" altLang="en-US" smtClean="0"/>
-              <a:t>2017-09-09</a:t>
+              <a:t>2017-09-15</a:t>
             </a:fld>
             <a:endParaRPr lang="ko-KR" altLang="en-US"/>
           </a:p>
@@ -3541,6 +3602,13 @@
   <p:clrMapOvr>
     <a:masterClrMapping/>
   </p:clrMapOvr>
+  <p:timing>
+    <p:tnLst>
+      <p:par>
+        <p:cTn id="1" dur="indefinite" restart="never" nodeType="tmRoot"/>
+      </p:par>
+    </p:tnLst>
+  </p:timing>
 </p:sldLayout>
 </file>
 
@@ -3578,7 +3646,7 @@
           <a:p>
             <a:fld id="{3D82C4C4-B3EE-4922-9014-15AC68D97A05}" type="datetime1">
               <a:rPr lang="ko-KR" altLang="en-US" smtClean="0"/>
-              <a:t>2017-09-09</a:t>
+              <a:t>2017-09-15</a:t>
             </a:fld>
             <a:endParaRPr lang="ko-KR" altLang="en-US"/>
           </a:p>
@@ -3631,6 +3699,13 @@
   <p:clrMapOvr>
     <a:masterClrMapping/>
   </p:clrMapOvr>
+  <p:timing>
+    <p:tnLst>
+      <p:par>
+        <p:cTn id="1" dur="indefinite" restart="never" nodeType="tmRoot"/>
+      </p:par>
+    </p:tnLst>
+  </p:timing>
 </p:sldLayout>
 </file>
 
@@ -4095,7 +4170,7 @@
           <a:p>
             <a:fld id="{7FA02EBD-51CE-4E08-BA6D-9656FD7E13DA}" type="datetime1">
               <a:rPr lang="ko-KR" altLang="en-US" smtClean="0"/>
-              <a:t>2017-09-09</a:t>
+              <a:t>2017-09-15</a:t>
             </a:fld>
             <a:endParaRPr lang="ko-KR" altLang="en-US"/>
           </a:p>
@@ -4148,6 +4223,13 @@
   <p:clrMapOvr>
     <a:overrideClrMapping bg1="lt1" tx1="dk1" bg2="lt2" tx2="dk2" accent1="accent1" accent2="accent2" accent3="accent3" accent4="accent4" accent5="accent5" accent6="accent6" hlink="hlink" folHlink="folHlink"/>
   </p:clrMapOvr>
+  <p:timing>
+    <p:tnLst>
+      <p:par>
+        <p:cTn id="1" dur="indefinite" restart="never" nodeType="tmRoot"/>
+      </p:par>
+    </p:tnLst>
+  </p:timing>
 </p:sldLayout>
 </file>
 
@@ -4606,7 +4688,7 @@
           <a:p>
             <a:fld id="{E9EB5813-18DD-449A-B177-99476D768E10}" type="datetime1">
               <a:rPr lang="ko-KR" altLang="en-US" smtClean="0"/>
-              <a:t>2017-09-09</a:t>
+              <a:t>2017-09-15</a:t>
             </a:fld>
             <a:endParaRPr lang="ko-KR" altLang="en-US"/>
           </a:p>
@@ -4659,6 +4741,13 @@
   <p:clrMapOvr>
     <a:masterClrMapping/>
   </p:clrMapOvr>
+  <p:timing>
+    <p:tnLst>
+      <p:par>
+        <p:cTn id="1" dur="indefinite" restart="never" nodeType="tmRoot"/>
+      </p:par>
+    </p:tnLst>
+  </p:timing>
 </p:sldLayout>
 </file>
 
@@ -4686,6 +4775,55 @@
       </p:grpSpPr>
       <p:sp>
         <p:nvSpPr>
+          <p:cNvPr id="2" name="직사각형 1"/>
+          <p:cNvSpPr/>
+          <p:nvPr userDrawn="1"/>
+        </p:nvSpPr>
+        <p:spPr>
+          <a:xfrm>
+            <a:off x="0" y="0"/>
+            <a:ext cx="9144000" cy="6858000"/>
+          </a:xfrm>
+          <a:prstGeom prst="rect">
+            <a:avLst/>
+          </a:prstGeom>
+          <a:solidFill>
+            <a:schemeClr val="tx2">
+              <a:lumMod val="40000"/>
+              <a:lumOff val="60000"/>
+            </a:schemeClr>
+          </a:solidFill>
+          <a:ln>
+            <a:noFill/>
+          </a:ln>
+        </p:spPr>
+        <p:style>
+          <a:lnRef idx="2">
+            <a:schemeClr val="accent1">
+              <a:shade val="50000"/>
+            </a:schemeClr>
+          </a:lnRef>
+          <a:fillRef idx="1">
+            <a:schemeClr val="accent1"/>
+          </a:fillRef>
+          <a:effectRef idx="0">
+            <a:schemeClr val="accent1"/>
+          </a:effectRef>
+          <a:fontRef idx="minor">
+            <a:schemeClr val="lt1"/>
+          </a:fontRef>
+        </p:style>
+        <p:txBody>
+          <a:bodyPr rtlCol="0" anchor="ctr"/>
+          <a:lstStyle/>
+          <a:p>
+            <a:pPr algn="ctr"/>
+            <a:endParaRPr lang="ko-KR" altLang="en-US"/>
+          </a:p>
+        </p:txBody>
+      </p:sp>
+      <p:sp>
+        <p:nvSpPr>
           <p:cNvPr id="16" name="직선 연결선 15"/>
           <p:cNvSpPr>
             <a:spLocks noChangeShapeType="1"/>
@@ -4851,7 +4989,7 @@
           <a:p>
             <a:fld id="{1AB65155-7274-47BB-B1E3-83E658E1210C}" type="datetime1">
               <a:rPr lang="ko-KR" altLang="en-US" smtClean="0"/>
-              <a:t>2017-09-09</a:t>
+              <a:t>2017-09-15</a:t>
             </a:fld>
             <a:endParaRPr lang="ko-KR" altLang="en-US"/>
           </a:p>
@@ -5149,6 +5287,13 @@
     <p:sldLayoutId id="2147483670" r:id="rId10"/>
     <p:sldLayoutId id="2147483671" r:id="rId11"/>
   </p:sldLayoutIdLst>
+  <p:timing>
+    <p:tnLst>
+      <p:par>
+        <p:cTn id="1" dur="indefinite" restart="never" nodeType="tmRoot"/>
+      </p:par>
+    </p:tnLst>
+  </p:timing>
   <p:hf hdr="0" ftr="0" dt="0"/>
   <p:txStyles>
     <p:titleStyle>
@@ -5552,199 +5697,6 @@
 </p:sld>
 </file>
 
-<file path=ppt/slides/slide10.xml><?xml version="1.0" encoding="utf-8"?>
-<p:sld xmlns:a="http://schemas.openxmlformats.org/drawingml/2006/main" xmlns:r="http://schemas.openxmlformats.org/officeDocument/2006/relationships" xmlns:p="http://schemas.openxmlformats.org/presentationml/2006/main">
-  <p:cSld>
-    <p:spTree>
-      <p:nvGrpSpPr>
-        <p:cNvPr id="1" name=""/>
-        <p:cNvGrpSpPr/>
-        <p:nvPr/>
-      </p:nvGrpSpPr>
-      <p:grpSpPr>
-        <a:xfrm>
-          <a:off x="0" y="0"/>
-          <a:ext cx="0" cy="0"/>
-          <a:chOff x="0" y="0"/>
-          <a:chExt cx="0" cy="0"/>
-        </a:xfrm>
-      </p:grpSpPr>
-      <p:sp>
-        <p:nvSpPr>
-          <p:cNvPr id="2" name="제목 1"/>
-          <p:cNvSpPr>
-            <a:spLocks noGrp="1"/>
-          </p:cNvSpPr>
-          <p:nvPr>
-            <p:ph type="title"/>
-          </p:nvPr>
-        </p:nvSpPr>
-        <p:spPr/>
-        <p:txBody>
-          <a:bodyPr/>
-          <a:lstStyle/>
-          <a:p>
-            <a:r>
-              <a:rPr lang="ko-KR" altLang="en-US" dirty="0" smtClean="0"/>
-              <a:t>프로그램의 활용 방안</a:t>
-            </a:r>
-            <a:endParaRPr lang="ko-KR" altLang="en-US" dirty="0"/>
-          </a:p>
-        </p:txBody>
-      </p:sp>
-      <p:sp>
-        <p:nvSpPr>
-          <p:cNvPr id="3" name="내용 개체 틀 2"/>
-          <p:cNvSpPr>
-            <a:spLocks noGrp="1"/>
-          </p:cNvSpPr>
-          <p:nvPr>
-            <p:ph sz="quarter" idx="1"/>
-          </p:nvPr>
-        </p:nvSpPr>
-        <p:spPr/>
-        <p:txBody>
-          <a:bodyPr/>
-          <a:lstStyle/>
-          <a:p>
-            <a:endParaRPr lang="ko-KR" altLang="en-US"/>
-          </a:p>
-        </p:txBody>
-      </p:sp>
-      <p:sp>
-        <p:nvSpPr>
-          <p:cNvPr id="4" name="슬라이드 번호 개체 틀 3"/>
-          <p:cNvSpPr>
-            <a:spLocks noGrp="1"/>
-          </p:cNvSpPr>
-          <p:nvPr>
-            <p:ph type="sldNum" sz="quarter" idx="15"/>
-          </p:nvPr>
-        </p:nvSpPr>
-        <p:spPr/>
-        <p:txBody>
-          <a:bodyPr/>
-          <a:lstStyle/>
-          <a:p>
-            <a:fld id="{F2CE8EE2-2D56-40A1-A81D-C3BBE45A223E}" type="slidenum">
-              <a:rPr lang="ko-KR" altLang="en-US" smtClean="0"/>
-              <a:t>10</a:t>
-            </a:fld>
-            <a:endParaRPr lang="ko-KR" altLang="en-US"/>
-          </a:p>
-        </p:txBody>
-      </p:sp>
-    </p:spTree>
-    <p:extLst>
-      <p:ext uri="{BB962C8B-B14F-4D97-AF65-F5344CB8AC3E}">
-        <p14:creationId xmlns:p14="http://schemas.microsoft.com/office/powerpoint/2010/main" val="3453493423"/>
-      </p:ext>
-    </p:extLst>
-  </p:cSld>
-  <p:clrMapOvr>
-    <a:masterClrMapping/>
-  </p:clrMapOvr>
-</p:sld>
-</file>
-
-<file path=ppt/slides/slide11.xml><?xml version="1.0" encoding="utf-8"?>
-<p:sld xmlns:a="http://schemas.openxmlformats.org/drawingml/2006/main" xmlns:r="http://schemas.openxmlformats.org/officeDocument/2006/relationships" xmlns:p="http://schemas.openxmlformats.org/presentationml/2006/main">
-  <p:cSld>
-    <p:spTree>
-      <p:nvGrpSpPr>
-        <p:cNvPr id="1" name=""/>
-        <p:cNvGrpSpPr/>
-        <p:nvPr/>
-      </p:nvGrpSpPr>
-      <p:grpSpPr>
-        <a:xfrm>
-          <a:off x="0" y="0"/>
-          <a:ext cx="0" cy="0"/>
-          <a:chOff x="0" y="0"/>
-          <a:chExt cx="0" cy="0"/>
-        </a:xfrm>
-      </p:grpSpPr>
-      <p:sp>
-        <p:nvSpPr>
-          <p:cNvPr id="2" name="제목 1"/>
-          <p:cNvSpPr>
-            <a:spLocks noGrp="1"/>
-          </p:cNvSpPr>
-          <p:nvPr>
-            <p:ph type="title"/>
-          </p:nvPr>
-        </p:nvSpPr>
-        <p:spPr/>
-        <p:txBody>
-          <a:bodyPr/>
-          <a:lstStyle/>
-          <a:p>
-            <a:r>
-              <a:rPr lang="ko-KR" altLang="en-US" dirty="0" smtClean="0"/>
-              <a:t>출</a:t>
-            </a:r>
-            <a:r>
-              <a:rPr lang="ko-KR" altLang="en-US" dirty="0"/>
-              <a:t>처</a:t>
-            </a:r>
-          </a:p>
-        </p:txBody>
-      </p:sp>
-      <p:sp>
-        <p:nvSpPr>
-          <p:cNvPr id="3" name="내용 개체 틀 2"/>
-          <p:cNvSpPr>
-            <a:spLocks noGrp="1"/>
-          </p:cNvSpPr>
-          <p:nvPr>
-            <p:ph sz="quarter" idx="1"/>
-          </p:nvPr>
-        </p:nvSpPr>
-        <p:spPr/>
-        <p:txBody>
-          <a:bodyPr/>
-          <a:lstStyle/>
-          <a:p>
-            <a:endParaRPr lang="ko-KR" altLang="en-US" dirty="0"/>
-          </a:p>
-        </p:txBody>
-      </p:sp>
-      <p:sp>
-        <p:nvSpPr>
-          <p:cNvPr id="4" name="슬라이드 번호 개체 틀 3"/>
-          <p:cNvSpPr>
-            <a:spLocks noGrp="1"/>
-          </p:cNvSpPr>
-          <p:nvPr>
-            <p:ph type="sldNum" sz="quarter" idx="15"/>
-          </p:nvPr>
-        </p:nvSpPr>
-        <p:spPr/>
-        <p:txBody>
-          <a:bodyPr/>
-          <a:lstStyle/>
-          <a:p>
-            <a:fld id="{F2CE8EE2-2D56-40A1-A81D-C3BBE45A223E}" type="slidenum">
-              <a:rPr lang="ko-KR" altLang="en-US" smtClean="0"/>
-              <a:t>11</a:t>
-            </a:fld>
-            <a:endParaRPr lang="ko-KR" altLang="en-US"/>
-          </a:p>
-        </p:txBody>
-      </p:sp>
-    </p:spTree>
-    <p:extLst>
-      <p:ext uri="{BB962C8B-B14F-4D97-AF65-F5344CB8AC3E}">
-        <p14:creationId xmlns:p14="http://schemas.microsoft.com/office/powerpoint/2010/main" val="2783566838"/>
-      </p:ext>
-    </p:extLst>
-  </p:cSld>
-  <p:clrMapOvr>
-    <a:masterClrMapping/>
-  </p:clrMapOvr>
-</p:sld>
-</file>
-
 <file path=ppt/slides/slide2.xml><?xml version="1.0" encoding="utf-8"?>
 <p:sld xmlns:a="http://schemas.openxmlformats.org/drawingml/2006/main" xmlns:r="http://schemas.openxmlformats.org/officeDocument/2006/relationships" xmlns:p="http://schemas.openxmlformats.org/presentationml/2006/main">
   <p:cSld>
@@ -5778,10 +5730,18 @@
           <a:lstStyle/>
           <a:p>
             <a:r>
-              <a:rPr lang="en-US" altLang="ko-KR" dirty="0" smtClean="0"/>
+              <a:rPr lang="en-US" altLang="ko-KR" dirty="0" smtClean="0">
+                <a:solidFill>
+                  <a:schemeClr val="bg1"/>
+                </a:solidFill>
+              </a:rPr>
               <a:t>Contents</a:t>
             </a:r>
-            <a:endParaRPr lang="ko-KR" altLang="en-US" dirty="0"/>
+            <a:endParaRPr lang="ko-KR" altLang="en-US" dirty="0">
+              <a:solidFill>
+                <a:schemeClr val="bg1"/>
+              </a:solidFill>
+            </a:endParaRPr>
           </a:p>
         </p:txBody>
       </p:sp>
@@ -5843,12 +5803,16 @@
               </a:lnSpc>
             </a:pPr>
             <a:r>
-              <a:rPr lang="en-US" altLang="ko-KR" dirty="0" err="1" smtClean="0"/>
+              <a:rPr lang="en-US" altLang="ko-KR" err="1" smtClean="0"/>
               <a:t>Dijkstra</a:t>
             </a:r>
             <a:r>
-              <a:rPr lang="en-US" altLang="ko-KR" dirty="0" smtClean="0"/>
-              <a:t> Algorithm</a:t>
+              <a:rPr lang="en-US" altLang="ko-KR" smtClean="0"/>
+              <a:t> </a:t>
+            </a:r>
+            <a:r>
+              <a:rPr lang="ko-KR" altLang="en-US" smtClean="0"/>
+              <a:t>알고리즘</a:t>
             </a:r>
             <a:endParaRPr lang="en-US" altLang="ko-KR" dirty="0"/>
           </a:p>
@@ -5860,7 +5824,15 @@
             </a:pPr>
             <a:r>
               <a:rPr lang="en-US" altLang="ko-KR" dirty="0" smtClean="0"/>
-              <a:t>A* Algorithm </a:t>
+              <a:t>A</a:t>
+            </a:r>
+            <a:r>
+              <a:rPr lang="en-US" altLang="ko-KR" smtClean="0"/>
+              <a:t>* </a:t>
+            </a:r>
+            <a:r>
+              <a:rPr lang="ko-KR" altLang="en-US" smtClean="0"/>
+              <a:t>알고리즘</a:t>
             </a:r>
             <a:endParaRPr lang="en-US" altLang="ko-KR" dirty="0"/>
           </a:p>
@@ -5873,13 +5845,14 @@
               <a:buAutoNum type="arabicPeriod"/>
             </a:pPr>
             <a:r>
-              <a:rPr lang="en-US" altLang="ko-KR" dirty="0" smtClean="0"/>
+              <a:rPr lang="en-US" altLang="ko-KR" smtClean="0"/>
               <a:t>UI </a:t>
             </a:r>
             <a:r>
-              <a:rPr lang="ko-KR" altLang="en-US" dirty="0" smtClean="0"/>
+              <a:rPr lang="ko-KR" altLang="en-US" smtClean="0"/>
               <a:t>소개</a:t>
             </a:r>
+            <a:endParaRPr lang="ko-KR" altLang="en-US" dirty="0" smtClean="0"/>
           </a:p>
           <a:p>
             <a:pPr lvl="1">
@@ -5888,24 +5861,14 @@
               </a:lnSpc>
             </a:pPr>
             <a:r>
-              <a:rPr lang="ko-KR" altLang="en-US" dirty="0" smtClean="0"/>
-              <a:t>순서도</a:t>
-            </a:r>
-          </a:p>
-          <a:p>
-            <a:pPr lvl="1">
-              <a:lnSpc>
-                <a:spcPct val="150000"/>
-              </a:lnSpc>
-            </a:pPr>
-            <a:r>
-              <a:rPr lang="ko-KR" altLang="en-US" dirty="0" smtClean="0"/>
-              <a:t>개발 </a:t>
-            </a:r>
-            <a:r>
-              <a:rPr lang="ko-KR" altLang="en-US" dirty="0"/>
-              <a:t>현황</a:t>
-            </a:r>
+              <a:rPr lang="en-US" altLang="ko-KR" smtClean="0"/>
+              <a:t>Github</a:t>
+            </a:r>
+            <a:r>
+              <a:rPr lang="ko-KR" altLang="en-US" smtClean="0"/>
+              <a:t>를 이용한 공동작업</a:t>
+            </a:r>
+            <a:endParaRPr lang="ko-KR" altLang="en-US" dirty="0"/>
           </a:p>
           <a:p>
             <a:pPr marL="457200" indent="-457200">
@@ -5916,13 +5879,10 @@
               <a:buAutoNum type="arabicPeriod"/>
             </a:pPr>
             <a:r>
-              <a:rPr lang="ko-KR" altLang="en-US" dirty="0" smtClean="0"/>
-              <a:t>앞으로의 </a:t>
-            </a:r>
-            <a:r>
-              <a:rPr lang="ko-KR" altLang="en-US" dirty="0"/>
-              <a:t>목표</a:t>
-            </a:r>
+              <a:rPr lang="ko-KR" altLang="en-US" smtClean="0"/>
+              <a:t>앞으로의 개발 방향</a:t>
+            </a:r>
+            <a:endParaRPr lang="ko-KR" altLang="en-US" dirty="0"/>
           </a:p>
           <a:p>
             <a:pPr marL="457200" indent="-457200">
@@ -5998,215 +5958,6 @@
       </p:grpSpPr>
       <p:sp>
         <p:nvSpPr>
-          <p:cNvPr id="2" name="제목 1"/>
-          <p:cNvSpPr>
-            <a:spLocks noGrp="1"/>
-          </p:cNvSpPr>
-          <p:nvPr>
-            <p:ph type="title"/>
-          </p:nvPr>
-        </p:nvSpPr>
-        <p:spPr/>
-        <p:txBody>
-          <a:bodyPr/>
-          <a:lstStyle/>
-          <a:p>
-            <a:r>
-              <a:rPr lang="ko-KR" altLang="en-US" dirty="0" smtClean="0"/>
-              <a:t>작품 개요</a:t>
-            </a:r>
-            <a:endParaRPr lang="ko-KR" altLang="en-US" dirty="0"/>
-          </a:p>
-        </p:txBody>
-      </p:sp>
-      <p:sp>
-        <p:nvSpPr>
-          <p:cNvPr id="3" name="내용 개체 틀 2"/>
-          <p:cNvSpPr>
-            <a:spLocks noGrp="1"/>
-          </p:cNvSpPr>
-          <p:nvPr>
-            <p:ph sz="quarter" idx="1"/>
-          </p:nvPr>
-        </p:nvSpPr>
-        <p:spPr/>
-        <p:txBody>
-          <a:bodyPr/>
-          <a:lstStyle/>
-          <a:p>
-            <a:r>
-              <a:rPr lang="en-US" altLang="ko-KR" dirty="0" err="1" smtClean="0"/>
-              <a:t>PathFinding</a:t>
-            </a:r>
-            <a:r>
-              <a:rPr lang="en-US" altLang="ko-KR" dirty="0" smtClean="0"/>
-              <a:t> Simulator</a:t>
-            </a:r>
-            <a:r>
-              <a:rPr lang="ko-KR" altLang="en-US" dirty="0" smtClean="0"/>
-              <a:t>가 무엇인가</a:t>
-            </a:r>
-            <a:r>
-              <a:rPr lang="en-US" altLang="ko-KR" dirty="0" smtClean="0"/>
-              <a:t>?</a:t>
-            </a:r>
-          </a:p>
-          <a:p>
-            <a:pPr lvl="1">
-              <a:buFontTx/>
-              <a:buChar char="-"/>
-            </a:pPr>
-            <a:r>
-              <a:rPr lang="en-US" altLang="ko-KR" dirty="0" err="1" smtClean="0"/>
-              <a:t>PathFinding</a:t>
-            </a:r>
-            <a:r>
-              <a:rPr lang="en-US" altLang="ko-KR" dirty="0" smtClean="0"/>
-              <a:t> </a:t>
-            </a:r>
-            <a:r>
-              <a:rPr lang="ko-KR" altLang="en-US" dirty="0" smtClean="0"/>
-              <a:t>관련 알고리즘의 작동 과정을 시각적으로 보여주는 </a:t>
-            </a:r>
-            <a:r>
-              <a:rPr lang="en-US" altLang="ko-KR" dirty="0" smtClean="0"/>
-              <a:t>UI </a:t>
-            </a:r>
-            <a:r>
-              <a:rPr lang="ko-KR" altLang="en-US" dirty="0" smtClean="0"/>
-              <a:t>프로그램이다</a:t>
-            </a:r>
-            <a:r>
-              <a:rPr lang="en-US" altLang="ko-KR" dirty="0" smtClean="0"/>
-              <a:t>.</a:t>
-            </a:r>
-          </a:p>
-          <a:p>
-            <a:pPr lvl="1">
-              <a:buFontTx/>
-              <a:buChar char="-"/>
-            </a:pPr>
-            <a:r>
-              <a:rPr lang="ko-KR" altLang="en-US" dirty="0" smtClean="0"/>
-              <a:t>사용자는 주어진 </a:t>
-            </a:r>
-            <a:r>
-              <a:rPr lang="ko-KR" altLang="en-US" dirty="0" err="1" smtClean="0"/>
-              <a:t>맵에서</a:t>
-            </a:r>
-            <a:r>
-              <a:rPr lang="ko-KR" altLang="en-US" dirty="0" smtClean="0"/>
-              <a:t> </a:t>
-            </a:r>
-            <a:r>
-              <a:rPr lang="en-US" altLang="ko-KR" dirty="0" smtClean="0"/>
-              <a:t>A*, </a:t>
-            </a:r>
-            <a:r>
-              <a:rPr lang="en-US" altLang="ko-KR" dirty="0" err="1" smtClean="0"/>
-              <a:t>Dijkstra</a:t>
-            </a:r>
-            <a:r>
-              <a:rPr lang="en-US" altLang="ko-KR" dirty="0" smtClean="0"/>
-              <a:t>, BFS </a:t>
-            </a:r>
-            <a:r>
-              <a:rPr lang="ko-KR" altLang="en-US" dirty="0" smtClean="0"/>
-              <a:t>알고리즘의 탐색 과정과 최종 경로를 확인할 수 있다</a:t>
-            </a:r>
-            <a:r>
-              <a:rPr lang="en-US" altLang="ko-KR" dirty="0" smtClean="0"/>
-              <a:t>.</a:t>
-            </a:r>
-            <a:br>
-              <a:rPr lang="en-US" altLang="ko-KR" dirty="0" smtClean="0"/>
-            </a:br>
-            <a:endParaRPr lang="en-US" altLang="ko-KR" dirty="0" smtClean="0"/>
-          </a:p>
-          <a:p>
-            <a:r>
-              <a:rPr lang="en-US" altLang="ko-KR" dirty="0" smtClean="0"/>
-              <a:t> </a:t>
-            </a:r>
-            <a:r>
-              <a:rPr lang="ko-KR" altLang="en-US" dirty="0" smtClean="0"/>
-              <a:t>기존에 존재하는 시뮬레이터와 무슨 차이점이 있는가</a:t>
-            </a:r>
-            <a:r>
-              <a:rPr lang="en-US" altLang="ko-KR" dirty="0" smtClean="0"/>
-              <a:t>?</a:t>
-            </a:r>
-          </a:p>
-          <a:p>
-            <a:pPr lvl="1">
-              <a:buFontTx/>
-              <a:buChar char="-"/>
-            </a:pPr>
-            <a:r>
-              <a:rPr lang="ko-KR" altLang="en-US" dirty="0" smtClean="0"/>
-              <a:t>소스코드 형태가 아닌 배포된 프로그램으로 제공함으로써 </a:t>
-            </a:r>
-            <a:r>
-              <a:rPr lang="ko-KR" altLang="en-US" dirty="0" err="1" smtClean="0"/>
-              <a:t>범용성이</a:t>
-            </a:r>
-            <a:r>
-              <a:rPr lang="ko-KR" altLang="en-US" dirty="0" smtClean="0"/>
-              <a:t> 높아진다</a:t>
-            </a:r>
-            <a:r>
-              <a:rPr lang="en-US" altLang="ko-KR" dirty="0" smtClean="0"/>
-              <a:t>.</a:t>
-            </a:r>
-          </a:p>
-          <a:p>
-            <a:pPr lvl="1">
-              <a:buFontTx/>
-              <a:buChar char="-"/>
-            </a:pPr>
-            <a:r>
-              <a:rPr lang="ko-KR" altLang="en-US" dirty="0" smtClean="0"/>
-              <a:t>로봇의 부피 설정 기능</a:t>
-            </a:r>
-            <a:r>
-              <a:rPr lang="en-US" altLang="ko-KR" dirty="0" smtClean="0"/>
-              <a:t>, 3D</a:t>
-            </a:r>
-            <a:r>
-              <a:rPr lang="ko-KR" altLang="en-US" dirty="0" smtClean="0"/>
-              <a:t>그래픽 변환 기능을 제공한다</a:t>
-            </a:r>
-            <a:r>
-              <a:rPr lang="en-US" altLang="ko-KR" dirty="0" smtClean="0"/>
-              <a:t>.</a:t>
-            </a:r>
-          </a:p>
-          <a:p>
-            <a:pPr lvl="1">
-              <a:buFontTx/>
-              <a:buChar char="-"/>
-            </a:pPr>
-            <a:r>
-              <a:rPr lang="ko-KR" altLang="en-US" dirty="0" smtClean="0"/>
-              <a:t>사용자가 직접 알고리즘을 추가할 수 있도록 </a:t>
-            </a:r>
-            <a:r>
-              <a:rPr lang="en-US" altLang="ko-KR" dirty="0" smtClean="0"/>
-              <a:t>API</a:t>
-            </a:r>
-            <a:r>
-              <a:rPr lang="ko-KR" altLang="en-US" dirty="0" smtClean="0"/>
-              <a:t>를 제공한다</a:t>
-            </a:r>
-            <a:r>
-              <a:rPr lang="en-US" altLang="ko-KR" dirty="0" smtClean="0"/>
-              <a:t>.</a:t>
-            </a:r>
-          </a:p>
-        </p:txBody>
-      </p:sp>
-      <p:sp>
-        <p:nvSpPr>
           <p:cNvPr id="4" name="슬라이드 번호 개체 틀 3"/>
           <p:cNvSpPr>
             <a:spLocks noGrp="1"/>
@@ -6225,6 +5976,311 @@
               <a:t>3</a:t>
             </a:fld>
             <a:endParaRPr lang="ko-KR" altLang="en-US"/>
+          </a:p>
+        </p:txBody>
+      </p:sp>
+      <p:sp>
+        <p:nvSpPr>
+          <p:cNvPr id="6" name="제목 1"/>
+          <p:cNvSpPr txBox="1">
+            <a:spLocks/>
+          </p:cNvSpPr>
+          <p:nvPr/>
+        </p:nvSpPr>
+        <p:spPr>
+          <a:xfrm>
+            <a:off x="467544" y="188640"/>
+            <a:ext cx="7467600" cy="648072"/>
+          </a:xfrm>
+          <a:prstGeom prst="rect">
+            <a:avLst/>
+          </a:prstGeom>
+        </p:spPr>
+        <p:txBody>
+          <a:bodyPr vert="horz" anchor="b">
+            <a:normAutofit/>
+          </a:bodyPr>
+          <a:lstStyle>
+            <a:lvl1pPr algn="l" rtl="0" eaLnBrk="1" latinLnBrk="1" hangingPunct="1">
+              <a:spcBef>
+                <a:spcPct val="0"/>
+              </a:spcBef>
+              <a:buNone/>
+              <a:defRPr kumimoji="0" sz="3000" b="0" kern="1200" cap="small" baseline="0">
+                <a:solidFill>
+                  <a:schemeClr val="tx2"/>
+                </a:solidFill>
+                <a:latin typeface="+mj-lt"/>
+                <a:ea typeface="+mj-ea"/>
+                <a:cs typeface="+mj-cs"/>
+              </a:defRPr>
+            </a:lvl1pPr>
+          </a:lstStyle>
+          <a:p>
+            <a:endParaRPr lang="ko-KR" altLang="en-US" dirty="0"/>
+          </a:p>
+        </p:txBody>
+      </p:sp>
+      <p:sp>
+        <p:nvSpPr>
+          <p:cNvPr id="7" name="제목 1"/>
+          <p:cNvSpPr txBox="1">
+            <a:spLocks/>
+          </p:cNvSpPr>
+          <p:nvPr/>
+        </p:nvSpPr>
+        <p:spPr>
+          <a:xfrm>
+            <a:off x="619944" y="341040"/>
+            <a:ext cx="7467600" cy="648072"/>
+          </a:xfrm>
+          <a:prstGeom prst="rect">
+            <a:avLst/>
+          </a:prstGeom>
+        </p:spPr>
+        <p:txBody>
+          <a:bodyPr vert="horz" anchor="b">
+            <a:normAutofit/>
+          </a:bodyPr>
+          <a:lstStyle>
+            <a:lvl1pPr algn="l" rtl="0" eaLnBrk="1" latinLnBrk="1" hangingPunct="1">
+              <a:spcBef>
+                <a:spcPct val="0"/>
+              </a:spcBef>
+              <a:buNone/>
+              <a:defRPr kumimoji="0" sz="3000" b="0" kern="1200" cap="small" baseline="0">
+                <a:solidFill>
+                  <a:schemeClr val="tx2"/>
+                </a:solidFill>
+                <a:latin typeface="+mj-lt"/>
+                <a:ea typeface="+mj-ea"/>
+                <a:cs typeface="+mj-cs"/>
+              </a:defRPr>
+            </a:lvl1pPr>
+          </a:lstStyle>
+          <a:p>
+            <a:r>
+              <a:rPr lang="en-US" altLang="ko-KR" smtClean="0"/>
+              <a:t>1) </a:t>
+            </a:r>
+            <a:r>
+              <a:rPr lang="ko-KR" altLang="en-US" smtClean="0"/>
+              <a:t>작품 </a:t>
+            </a:r>
+            <a:r>
+              <a:rPr lang="ko-KR" altLang="en-US"/>
+              <a:t>개요</a:t>
+            </a:r>
+            <a:endParaRPr lang="ko-KR" altLang="en-US" dirty="0"/>
+          </a:p>
+        </p:txBody>
+      </p:sp>
+      <p:pic>
+        <p:nvPicPr>
+          <p:cNvPr id="8" name="bandicam 2017-09-14 23-06-13-861">
+            <a:hlinkClick r:id="" action="ppaction://media"/>
+          </p:cNvPr>
+          <p:cNvPicPr>
+            <a:picLocks noChangeAspect="1"/>
+          </p:cNvPicPr>
+          <p:nvPr>
+            <a:videoFile r:link="rId2"/>
+            <p:extLst>
+              <p:ext uri="{DAA4B4D4-6D71-4841-9C94-3DE7FCFB9230}">
+                <p14:media xmlns:p14="http://schemas.microsoft.com/office/powerpoint/2010/main" r:embed="rId1"/>
+              </p:ext>
+            </p:extLst>
+          </p:nvPr>
+        </p:nvPicPr>
+        <p:blipFill>
+          <a:blip r:embed="rId5"/>
+          <a:stretch>
+            <a:fillRect/>
+          </a:stretch>
+        </p:blipFill>
+        <p:spPr>
+          <a:xfrm>
+            <a:off x="619944" y="1525656"/>
+            <a:ext cx="3880048" cy="3057798"/>
+          </a:xfrm>
+          <a:prstGeom prst="rect">
+            <a:avLst/>
+          </a:prstGeom>
+        </p:spPr>
+      </p:pic>
+      <p:pic>
+        <p:nvPicPr>
+          <p:cNvPr id="9" name="그림 8"/>
+          <p:cNvPicPr>
+            <a:picLocks noChangeAspect="1"/>
+          </p:cNvPicPr>
+          <p:nvPr/>
+        </p:nvPicPr>
+        <p:blipFill rotWithShape="1">
+          <a:blip r:embed="rId6"/>
+          <a:srcRect l="22437" t="10781" r="22439" b="976"/>
+          <a:stretch/>
+        </p:blipFill>
+        <p:spPr>
+          <a:xfrm>
+            <a:off x="4651919" y="1033118"/>
+            <a:ext cx="3880521" cy="4042874"/>
+          </a:xfrm>
+          <a:prstGeom prst="rect">
+            <a:avLst/>
+          </a:prstGeom>
+        </p:spPr>
+      </p:pic>
+      <p:sp>
+        <p:nvSpPr>
+          <p:cNvPr id="11" name="TextBox 10"/>
+          <p:cNvSpPr txBox="1"/>
+          <p:nvPr/>
+        </p:nvSpPr>
+        <p:spPr>
+          <a:xfrm>
+            <a:off x="619944" y="5133938"/>
+            <a:ext cx="7696472" cy="707886"/>
+          </a:xfrm>
+          <a:prstGeom prst="rect">
+            <a:avLst/>
+          </a:prstGeom>
+          <a:noFill/>
+        </p:spPr>
+        <p:txBody>
+          <a:bodyPr wrap="square" rtlCol="0">
+            <a:spAutoFit/>
+          </a:bodyPr>
+          <a:lstStyle/>
+          <a:p>
+            <a:r>
+              <a:rPr lang="ko-KR" altLang="en-US" sz="2000" smtClean="0">
+                <a:latin typeface="나눔고딕 ExtraBold" panose="020D0904000000000000" pitchFamily="50" charset="-127"/>
+                <a:ea typeface="나눔고딕 ExtraBold" panose="020D0904000000000000" pitchFamily="50" charset="-127"/>
+              </a:rPr>
+              <a:t>깃허브이용</a:t>
+            </a:r>
+            <a:r>
+              <a:rPr lang="en-US" altLang="ko-KR" sz="2000" smtClean="0">
+                <a:latin typeface="나눔고딕 ExtraBold" panose="020D0904000000000000" pitchFamily="50" charset="-127"/>
+                <a:ea typeface="나눔고딕 ExtraBold" panose="020D0904000000000000" pitchFamily="50" charset="-127"/>
+              </a:rPr>
+              <a:t>/</a:t>
+            </a:r>
+            <a:r>
+              <a:rPr lang="ko-KR" altLang="en-US" sz="2000" smtClean="0">
+                <a:latin typeface="나눔고딕 ExtraBold" panose="020D0904000000000000" pitchFamily="50" charset="-127"/>
+                <a:ea typeface="나눔고딕 ExtraBold" panose="020D0904000000000000" pitchFamily="50" charset="-127"/>
+              </a:rPr>
+              <a:t>생소한 언어</a:t>
+            </a:r>
+            <a:r>
+              <a:rPr lang="en-US" altLang="ko-KR" sz="2000" smtClean="0">
+                <a:latin typeface="나눔고딕 ExtraBold" panose="020D0904000000000000" pitchFamily="50" charset="-127"/>
+                <a:ea typeface="나눔고딕 ExtraBold" panose="020D0904000000000000" pitchFamily="50" charset="-127"/>
+              </a:rPr>
+              <a:t>/</a:t>
+            </a:r>
+            <a:r>
+              <a:rPr lang="ko-KR" altLang="en-US" sz="2000" smtClean="0">
+                <a:latin typeface="나눔고딕 ExtraBold" panose="020D0904000000000000" pitchFamily="50" charset="-127"/>
+                <a:ea typeface="나눔고딕 ExtraBold" panose="020D0904000000000000" pitchFamily="50" charset="-127"/>
+              </a:rPr>
+              <a:t>전문지식 등 시뮬레이션 프로그램사용에 진입장벽이 높음</a:t>
+            </a:r>
+            <a:r>
+              <a:rPr lang="en-US" altLang="ko-KR" sz="2000" smtClean="0">
+                <a:latin typeface="나눔고딕 ExtraBold" panose="020D0904000000000000" pitchFamily="50" charset="-127"/>
+                <a:ea typeface="나눔고딕 ExtraBold" panose="020D0904000000000000" pitchFamily="50" charset="-127"/>
+              </a:rPr>
+              <a:t>!</a:t>
+            </a:r>
+            <a:endParaRPr lang="ko-KR" altLang="en-US" sz="2000">
+              <a:latin typeface="나눔고딕 ExtraBold" panose="020D0904000000000000" pitchFamily="50" charset="-127"/>
+              <a:ea typeface="나눔고딕 ExtraBold" panose="020D0904000000000000" pitchFamily="50" charset="-127"/>
+            </a:endParaRPr>
+          </a:p>
+        </p:txBody>
+      </p:sp>
+      <p:sp>
+        <p:nvSpPr>
+          <p:cNvPr id="12" name="TextBox 11"/>
+          <p:cNvSpPr txBox="1"/>
+          <p:nvPr/>
+        </p:nvSpPr>
+        <p:spPr>
+          <a:xfrm>
+            <a:off x="619944" y="5517489"/>
+            <a:ext cx="7696472" cy="1015663"/>
+          </a:xfrm>
+          <a:prstGeom prst="rect">
+            <a:avLst/>
+          </a:prstGeom>
+          <a:noFill/>
+        </p:spPr>
+        <p:txBody>
+          <a:bodyPr wrap="square" rtlCol="0">
+            <a:spAutoFit/>
+          </a:bodyPr>
+          <a:lstStyle/>
+          <a:p>
+            <a:r>
+              <a:rPr lang="en-US" altLang="ko-KR" sz="2000" smtClean="0">
+                <a:latin typeface="나눔고딕 ExtraBold" panose="020D0904000000000000" pitchFamily="50" charset="-127"/>
+                <a:ea typeface="나눔고딕 ExtraBold" panose="020D0904000000000000" pitchFamily="50" charset="-127"/>
+              </a:rPr>
+              <a:t/>
+            </a:r>
+            <a:br>
+              <a:rPr lang="en-US" altLang="ko-KR" sz="2000" smtClean="0">
+                <a:latin typeface="나눔고딕 ExtraBold" panose="020D0904000000000000" pitchFamily="50" charset="-127"/>
+                <a:ea typeface="나눔고딕 ExtraBold" panose="020D0904000000000000" pitchFamily="50" charset="-127"/>
+              </a:rPr>
+            </a:br>
+            <a:r>
+              <a:rPr lang="en-US" altLang="ko-KR" sz="2000" smtClean="0">
+                <a:latin typeface="나눔고딕 ExtraBold" panose="020D0904000000000000" pitchFamily="50" charset="-127"/>
+                <a:ea typeface="나눔고딕 ExtraBold" panose="020D0904000000000000" pitchFamily="50" charset="-127"/>
+                <a:sym typeface="Wingdings" panose="05000000000000000000" pitchFamily="2" charset="2"/>
+              </a:rPr>
+              <a:t>PathFinding</a:t>
+            </a:r>
+            <a:r>
+              <a:rPr lang="ko-KR" altLang="en-US" sz="2000" smtClean="0">
+                <a:latin typeface="나눔고딕 ExtraBold" panose="020D0904000000000000" pitchFamily="50" charset="-127"/>
+                <a:ea typeface="나눔고딕 ExtraBold" panose="020D0904000000000000" pitchFamily="50" charset="-127"/>
+                <a:sym typeface="Wingdings" panose="05000000000000000000" pitchFamily="2" charset="2"/>
+              </a:rPr>
+              <a:t>알고리즘의 교육만을 목표로 </a:t>
+            </a:r>
+            <a:r>
+              <a:rPr lang="en-US" altLang="ko-KR" sz="2000" smtClean="0">
+                <a:latin typeface="나눔고딕 ExtraBold" panose="020D0904000000000000" pitchFamily="50" charset="-127"/>
+                <a:ea typeface="나눔고딕 ExtraBold" panose="020D0904000000000000" pitchFamily="50" charset="-127"/>
+                <a:sym typeface="Wingdings" panose="05000000000000000000" pitchFamily="2" charset="2"/>
+              </a:rPr>
+              <a:t>Desktop Application</a:t>
+            </a:r>
+            <a:r>
+              <a:rPr lang="ko-KR" altLang="en-US" sz="2000" smtClean="0">
+                <a:latin typeface="나눔고딕 ExtraBold" panose="020D0904000000000000" pitchFamily="50" charset="-127"/>
+                <a:ea typeface="나눔고딕 ExtraBold" panose="020D0904000000000000" pitchFamily="50" charset="-127"/>
+                <a:sym typeface="Wingdings" panose="05000000000000000000" pitchFamily="2" charset="2"/>
+              </a:rPr>
+              <a:t>을 제작함</a:t>
+            </a:r>
+            <a:r>
+              <a:rPr lang="en-US" altLang="ko-KR" sz="2000" smtClean="0">
+                <a:latin typeface="나눔고딕 ExtraBold" panose="020D0904000000000000" pitchFamily="50" charset="-127"/>
+                <a:ea typeface="나눔고딕 ExtraBold" panose="020D0904000000000000" pitchFamily="50" charset="-127"/>
+                <a:sym typeface="Wingdings" panose="05000000000000000000" pitchFamily="2" charset="2"/>
+              </a:rPr>
+              <a:t>!</a:t>
+            </a:r>
+            <a:endParaRPr lang="ko-KR" altLang="en-US" sz="2000">
+              <a:latin typeface="나눔고딕 ExtraBold" panose="020D0904000000000000" pitchFamily="50" charset="-127"/>
+              <a:ea typeface="나눔고딕 ExtraBold" panose="020D0904000000000000" pitchFamily="50" charset="-127"/>
+            </a:endParaRPr>
           </a:p>
         </p:txBody>
       </p:sp>
@@ -6241,7 +6297,275 @@
   <p:timing>
     <p:tnLst>
       <p:par>
-        <p:cTn id="1" dur="indefinite" restart="never" nodeType="tmRoot"/>
+        <p:cTn id="1" dur="indefinite" restart="never" nodeType="tmRoot">
+          <p:childTnLst>
+            <p:seq concurrent="1" nextAc="seek">
+              <p:cTn id="2" dur="indefinite" nodeType="mainSeq">
+                <p:childTnLst>
+                  <p:par>
+                    <p:cTn id="3" fill="hold">
+                      <p:stCondLst>
+                        <p:cond delay="indefinite"/>
+                      </p:stCondLst>
+                      <p:childTnLst>
+                        <p:par>
+                          <p:cTn id="4" fill="hold">
+                            <p:stCondLst>
+                              <p:cond delay="0"/>
+                            </p:stCondLst>
+                            <p:childTnLst>
+                              <p:par>
+                                <p:cTn id="5" presetID="10" presetClass="entr" presetSubtype="0" fill="hold" nodeType="clickEffect">
+                                  <p:stCondLst>
+                                    <p:cond delay="0"/>
+                                  </p:stCondLst>
+                                  <p:childTnLst>
+                                    <p:set>
+                                      <p:cBhvr>
+                                        <p:cTn id="6" dur="1" fill="hold">
+                                          <p:stCondLst>
+                                            <p:cond delay="0"/>
+                                          </p:stCondLst>
+                                        </p:cTn>
+                                        <p:tgtEl>
+                                          <p:spTgt spid="9"/>
+                                        </p:tgtEl>
+                                        <p:attrNameLst>
+                                          <p:attrName>style.visibility</p:attrName>
+                                        </p:attrNameLst>
+                                      </p:cBhvr>
+                                      <p:to>
+                                        <p:strVal val="visible"/>
+                                      </p:to>
+                                    </p:set>
+                                    <p:animEffect transition="in" filter="fade">
+                                      <p:cBhvr>
+                                        <p:cTn id="7" dur="500"/>
+                                        <p:tgtEl>
+                                          <p:spTgt spid="9"/>
+                                        </p:tgtEl>
+                                      </p:cBhvr>
+                                    </p:animEffect>
+                                  </p:childTnLst>
+                                </p:cTn>
+                              </p:par>
+                            </p:childTnLst>
+                          </p:cTn>
+                        </p:par>
+                      </p:childTnLst>
+                    </p:cTn>
+                  </p:par>
+                  <p:par>
+                    <p:cTn id="8" fill="hold">
+                      <p:stCondLst>
+                        <p:cond delay="indefinite"/>
+                      </p:stCondLst>
+                      <p:childTnLst>
+                        <p:par>
+                          <p:cTn id="9" fill="hold">
+                            <p:stCondLst>
+                              <p:cond delay="0"/>
+                            </p:stCondLst>
+                            <p:childTnLst>
+                              <p:par>
+                                <p:cTn id="10" presetID="10" presetClass="entr" presetSubtype="0" fill="hold" nodeType="clickEffect">
+                                  <p:stCondLst>
+                                    <p:cond delay="0"/>
+                                  </p:stCondLst>
+                                  <p:childTnLst>
+                                    <p:set>
+                                      <p:cBhvr>
+                                        <p:cTn id="11" dur="1" fill="hold">
+                                          <p:stCondLst>
+                                            <p:cond delay="0"/>
+                                          </p:stCondLst>
+                                        </p:cTn>
+                                        <p:tgtEl>
+                                          <p:spTgt spid="11">
+                                            <p:txEl>
+                                              <p:pRg st="0" end="0"/>
+                                            </p:txEl>
+                                          </p:spTgt>
+                                        </p:tgtEl>
+                                        <p:attrNameLst>
+                                          <p:attrName>style.visibility</p:attrName>
+                                        </p:attrNameLst>
+                                      </p:cBhvr>
+                                      <p:to>
+                                        <p:strVal val="visible"/>
+                                      </p:to>
+                                    </p:set>
+                                    <p:animEffect transition="in" filter="fade">
+                                      <p:cBhvr>
+                                        <p:cTn id="12" dur="500"/>
+                                        <p:tgtEl>
+                                          <p:spTgt spid="11">
+                                            <p:txEl>
+                                              <p:pRg st="0" end="0"/>
+                                            </p:txEl>
+                                          </p:spTgt>
+                                        </p:tgtEl>
+                                      </p:cBhvr>
+                                    </p:animEffect>
+                                  </p:childTnLst>
+                                </p:cTn>
+                              </p:par>
+                            </p:childTnLst>
+                          </p:cTn>
+                        </p:par>
+                      </p:childTnLst>
+                    </p:cTn>
+                  </p:par>
+                  <p:par>
+                    <p:cTn id="13" fill="hold">
+                      <p:stCondLst>
+                        <p:cond delay="indefinite"/>
+                      </p:stCondLst>
+                      <p:childTnLst>
+                        <p:par>
+                          <p:cTn id="14" fill="hold">
+                            <p:stCondLst>
+                              <p:cond delay="0"/>
+                            </p:stCondLst>
+                            <p:childTnLst>
+                              <p:par>
+                                <p:cTn id="15" presetID="10" presetClass="entr" presetSubtype="0" fill="hold" nodeType="clickEffect">
+                                  <p:stCondLst>
+                                    <p:cond delay="0"/>
+                                  </p:stCondLst>
+                                  <p:childTnLst>
+                                    <p:set>
+                                      <p:cBhvr>
+                                        <p:cTn id="16" dur="1" fill="hold">
+                                          <p:stCondLst>
+                                            <p:cond delay="0"/>
+                                          </p:stCondLst>
+                                        </p:cTn>
+                                        <p:tgtEl>
+                                          <p:spTgt spid="12">
+                                            <p:txEl>
+                                              <p:pRg st="0" end="0"/>
+                                            </p:txEl>
+                                          </p:spTgt>
+                                        </p:tgtEl>
+                                        <p:attrNameLst>
+                                          <p:attrName>style.visibility</p:attrName>
+                                        </p:attrNameLst>
+                                      </p:cBhvr>
+                                      <p:to>
+                                        <p:strVal val="visible"/>
+                                      </p:to>
+                                    </p:set>
+                                    <p:animEffect transition="in" filter="fade">
+                                      <p:cBhvr>
+                                        <p:cTn id="17" dur="500"/>
+                                        <p:tgtEl>
+                                          <p:spTgt spid="12">
+                                            <p:txEl>
+                                              <p:pRg st="0" end="0"/>
+                                            </p:txEl>
+                                          </p:spTgt>
+                                        </p:tgtEl>
+                                      </p:cBhvr>
+                                    </p:animEffect>
+                                  </p:childTnLst>
+                                </p:cTn>
+                              </p:par>
+                            </p:childTnLst>
+                          </p:cTn>
+                        </p:par>
+                      </p:childTnLst>
+                    </p:cTn>
+                  </p:par>
+                </p:childTnLst>
+              </p:cTn>
+              <p:prevCondLst>
+                <p:cond evt="onPrev" delay="0">
+                  <p:tgtEl>
+                    <p:sldTgt/>
+                  </p:tgtEl>
+                </p:cond>
+              </p:prevCondLst>
+              <p:nextCondLst>
+                <p:cond evt="onNext" delay="0">
+                  <p:tgtEl>
+                    <p:sldTgt/>
+                  </p:tgtEl>
+                </p:cond>
+              </p:nextCondLst>
+            </p:seq>
+            <p:seq concurrent="1" nextAc="seek">
+              <p:cTn id="18" restart="whenNotActive" fill="hold" evtFilter="cancelBubble" nodeType="interactiveSeq">
+                <p:stCondLst>
+                  <p:cond evt="onClick" delay="0">
+                    <p:tgtEl>
+                      <p:spTgt spid="8"/>
+                    </p:tgtEl>
+                  </p:cond>
+                </p:stCondLst>
+                <p:endSync evt="end" delay="0">
+                  <p:rtn val="all"/>
+                </p:endSync>
+                <p:childTnLst>
+                  <p:par>
+                    <p:cTn id="19" fill="hold">
+                      <p:stCondLst>
+                        <p:cond delay="0"/>
+                      </p:stCondLst>
+                      <p:childTnLst>
+                        <p:par>
+                          <p:cTn id="20" fill="hold">
+                            <p:stCondLst>
+                              <p:cond delay="0"/>
+                            </p:stCondLst>
+                            <p:childTnLst>
+                              <p:par>
+                                <p:cTn id="21" presetID="2" presetClass="mediacall" presetSubtype="0" fill="hold" nodeType="clickEffect">
+                                  <p:stCondLst>
+                                    <p:cond delay="0"/>
+                                  </p:stCondLst>
+                                  <p:childTnLst>
+                                    <p:cmd type="call" cmd="togglePause">
+                                      <p:cBhvr>
+                                        <p:cTn id="22" dur="1" fill="hold"/>
+                                        <p:tgtEl>
+                                          <p:spTgt spid="8"/>
+                                        </p:tgtEl>
+                                      </p:cBhvr>
+                                    </p:cmd>
+                                  </p:childTnLst>
+                                </p:cTn>
+                              </p:par>
+                            </p:childTnLst>
+                          </p:cTn>
+                        </p:par>
+                      </p:childTnLst>
+                    </p:cTn>
+                  </p:par>
+                </p:childTnLst>
+              </p:cTn>
+              <p:nextCondLst>
+                <p:cond evt="onClick" delay="0">
+                  <p:tgtEl>
+                    <p:spTgt spid="8"/>
+                  </p:tgtEl>
+                </p:cond>
+              </p:nextCondLst>
+            </p:seq>
+            <p:video>
+              <p:cMediaNode vol="80000">
+                <p:cTn id="23" fill="hold" display="0">
+                  <p:stCondLst>
+                    <p:cond delay="indefinite"/>
+                  </p:stCondLst>
+                </p:cTn>
+                <p:tgtEl>
+                  <p:spTgt spid="8"/>
+                </p:tgtEl>
+              </p:cMediaNode>
+            </p:video>
+          </p:childTnLst>
+        </p:cTn>
       </p:par>
     </p:tnLst>
   </p:timing>
@@ -6275,35 +6599,25 @@
             <p:ph type="title"/>
           </p:nvPr>
         </p:nvSpPr>
-        <p:spPr/>
+        <p:spPr>
+          <a:xfrm>
+            <a:off x="467544" y="188640"/>
+            <a:ext cx="7467600" cy="648072"/>
+          </a:xfrm>
+        </p:spPr>
         <p:txBody>
           <a:bodyPr/>
           <a:lstStyle/>
           <a:p>
             <a:r>
-              <a:rPr lang="en-US" altLang="ko-KR" dirty="0" err="1" smtClean="0"/>
-              <a:t>PathFinding</a:t>
+              <a:rPr lang="en-US" altLang="ko-KR" smtClean="0"/>
+              <a:t>2-1) Dijkstra </a:t>
+            </a:r>
+            <a:r>
+              <a:rPr lang="ko-KR" altLang="en-US"/>
+              <a:t>알고리즘</a:t>
             </a:r>
             <a:endParaRPr lang="ko-KR" altLang="en-US" dirty="0"/>
-          </a:p>
-        </p:txBody>
-      </p:sp>
-      <p:sp>
-        <p:nvSpPr>
-          <p:cNvPr id="3" name="내용 개체 틀 2"/>
-          <p:cNvSpPr>
-            <a:spLocks noGrp="1"/>
-          </p:cNvSpPr>
-          <p:nvPr>
-            <p:ph sz="quarter" idx="1"/>
-          </p:nvPr>
-        </p:nvSpPr>
-        <p:spPr/>
-        <p:txBody>
-          <a:bodyPr/>
-          <a:lstStyle/>
-          <a:p>
-            <a:endParaRPr lang="ko-KR" altLang="en-US"/>
           </a:p>
         </p:txBody>
       </p:sp>
@@ -6330,10 +6644,557 @@
           </a:p>
         </p:txBody>
       </p:sp>
+      <p:pic>
+        <p:nvPicPr>
+          <p:cNvPr id="13" name="내용 개체 틀 12"/>
+          <p:cNvPicPr>
+            <a:picLocks noGrp="1" noChangeAspect="1"/>
+          </p:cNvPicPr>
+          <p:nvPr>
+            <p:ph sz="quarter" idx="1"/>
+          </p:nvPr>
+        </p:nvPicPr>
+        <p:blipFill>
+          <a:blip r:embed="rId2">
+            <a:extLst>
+              <a:ext uri="{28A0092B-C50C-407E-A947-70E740481C1C}">
+                <a14:useLocalDpi xmlns:a14="http://schemas.microsoft.com/office/drawing/2010/main" val="0"/>
+              </a:ext>
+            </a:extLst>
+          </a:blip>
+          <a:stretch>
+            <a:fillRect/>
+          </a:stretch>
+        </p:blipFill>
+        <p:spPr>
+          <a:xfrm>
+            <a:off x="601691" y="1509942"/>
+            <a:ext cx="4191000" cy="4221480"/>
+          </a:xfrm>
+        </p:spPr>
+      </p:pic>
+      <p:pic>
+        <p:nvPicPr>
+          <p:cNvPr id="14" name="그림 13"/>
+          <p:cNvPicPr>
+            <a:picLocks noChangeAspect="1"/>
+          </p:cNvPicPr>
+          <p:nvPr/>
+        </p:nvPicPr>
+        <p:blipFill>
+          <a:blip r:embed="rId3">
+            <a:extLst>
+              <a:ext uri="{28A0092B-C50C-407E-A947-70E740481C1C}">
+                <a14:useLocalDpi xmlns:a14="http://schemas.microsoft.com/office/drawing/2010/main" val="0"/>
+              </a:ext>
+            </a:extLst>
+          </a:blip>
+          <a:stretch>
+            <a:fillRect/>
+          </a:stretch>
+        </p:blipFill>
+        <p:spPr>
+          <a:xfrm>
+            <a:off x="611560" y="1516424"/>
+            <a:ext cx="4191000" cy="4221480"/>
+          </a:xfrm>
+          <a:prstGeom prst="rect">
+            <a:avLst/>
+          </a:prstGeom>
+        </p:spPr>
+      </p:pic>
+      <p:pic>
+        <p:nvPicPr>
+          <p:cNvPr id="15" name="그림 14"/>
+          <p:cNvPicPr>
+            <a:picLocks noChangeAspect="1"/>
+          </p:cNvPicPr>
+          <p:nvPr/>
+        </p:nvPicPr>
+        <p:blipFill>
+          <a:blip r:embed="rId4">
+            <a:extLst>
+              <a:ext uri="{28A0092B-C50C-407E-A947-70E740481C1C}">
+                <a14:useLocalDpi xmlns:a14="http://schemas.microsoft.com/office/drawing/2010/main" val="0"/>
+              </a:ext>
+            </a:extLst>
+          </a:blip>
+          <a:stretch>
+            <a:fillRect/>
+          </a:stretch>
+        </p:blipFill>
+        <p:spPr>
+          <a:xfrm>
+            <a:off x="611560" y="1516424"/>
+            <a:ext cx="4191000" cy="4221480"/>
+          </a:xfrm>
+          <a:prstGeom prst="rect">
+            <a:avLst/>
+          </a:prstGeom>
+        </p:spPr>
+      </p:pic>
+      <p:pic>
+        <p:nvPicPr>
+          <p:cNvPr id="19" name="그림 18"/>
+          <p:cNvPicPr>
+            <a:picLocks noChangeAspect="1"/>
+          </p:cNvPicPr>
+          <p:nvPr/>
+        </p:nvPicPr>
+        <p:blipFill>
+          <a:blip r:embed="rId5">
+            <a:extLst>
+              <a:ext uri="{28A0092B-C50C-407E-A947-70E740481C1C}">
+                <a14:useLocalDpi xmlns:a14="http://schemas.microsoft.com/office/drawing/2010/main" val="0"/>
+              </a:ext>
+            </a:extLst>
+          </a:blip>
+          <a:stretch>
+            <a:fillRect/>
+          </a:stretch>
+        </p:blipFill>
+        <p:spPr>
+          <a:xfrm>
+            <a:off x="611560" y="1516424"/>
+            <a:ext cx="4191000" cy="4221480"/>
+          </a:xfrm>
+          <a:prstGeom prst="rect">
+            <a:avLst/>
+          </a:prstGeom>
+        </p:spPr>
+      </p:pic>
+      <p:pic>
+        <p:nvPicPr>
+          <p:cNvPr id="17" name="그림 16"/>
+          <p:cNvPicPr>
+            <a:picLocks noChangeAspect="1"/>
+          </p:cNvPicPr>
+          <p:nvPr/>
+        </p:nvPicPr>
+        <p:blipFill>
+          <a:blip r:embed="rId6">
+            <a:extLst>
+              <a:ext uri="{28A0092B-C50C-407E-A947-70E740481C1C}">
+                <a14:useLocalDpi xmlns:a14="http://schemas.microsoft.com/office/drawing/2010/main" val="0"/>
+              </a:ext>
+            </a:extLst>
+          </a:blip>
+          <a:stretch>
+            <a:fillRect/>
+          </a:stretch>
+        </p:blipFill>
+        <p:spPr>
+          <a:xfrm>
+            <a:off x="614806" y="1512570"/>
+            <a:ext cx="4191000" cy="4221480"/>
+          </a:xfrm>
+          <a:prstGeom prst="rect">
+            <a:avLst/>
+          </a:prstGeom>
+        </p:spPr>
+      </p:pic>
+      <p:pic>
+        <p:nvPicPr>
+          <p:cNvPr id="18" name="그림 17"/>
+          <p:cNvPicPr>
+            <a:picLocks noChangeAspect="1"/>
+          </p:cNvPicPr>
+          <p:nvPr/>
+        </p:nvPicPr>
+        <p:blipFill>
+          <a:blip r:embed="rId7">
+            <a:extLst>
+              <a:ext uri="{28A0092B-C50C-407E-A947-70E740481C1C}">
+                <a14:useLocalDpi xmlns:a14="http://schemas.microsoft.com/office/drawing/2010/main" val="0"/>
+              </a:ext>
+            </a:extLst>
+          </a:blip>
+          <a:stretch>
+            <a:fillRect/>
+          </a:stretch>
+        </p:blipFill>
+        <p:spPr>
+          <a:xfrm>
+            <a:off x="603852" y="1512570"/>
+            <a:ext cx="4201954" cy="4221480"/>
+          </a:xfrm>
+          <a:prstGeom prst="rect">
+            <a:avLst/>
+          </a:prstGeom>
+        </p:spPr>
+      </p:pic>
+      <p:pic>
+        <p:nvPicPr>
+          <p:cNvPr id="16" name="그림 15"/>
+          <p:cNvPicPr>
+            <a:picLocks noChangeAspect="1"/>
+          </p:cNvPicPr>
+          <p:nvPr/>
+        </p:nvPicPr>
+        <p:blipFill>
+          <a:blip r:embed="rId8">
+            <a:extLst>
+              <a:ext uri="{28A0092B-C50C-407E-A947-70E740481C1C}">
+                <a14:useLocalDpi xmlns:a14="http://schemas.microsoft.com/office/drawing/2010/main" val="0"/>
+              </a:ext>
+            </a:extLst>
+          </a:blip>
+          <a:stretch>
+            <a:fillRect/>
+          </a:stretch>
+        </p:blipFill>
+        <p:spPr>
+          <a:xfrm>
+            <a:off x="614806" y="1512570"/>
+            <a:ext cx="4191000" cy="4221480"/>
+          </a:xfrm>
+          <a:prstGeom prst="rect">
+            <a:avLst/>
+          </a:prstGeom>
+        </p:spPr>
+      </p:pic>
+      <p:sp>
+        <p:nvSpPr>
+          <p:cNvPr id="20" name="모서리가 둥근 직사각형 19"/>
+          <p:cNvSpPr/>
+          <p:nvPr/>
+        </p:nvSpPr>
+        <p:spPr>
+          <a:xfrm>
+            <a:off x="5004048" y="1743807"/>
+            <a:ext cx="3024336" cy="3990243"/>
+          </a:xfrm>
+          <a:prstGeom prst="roundRect">
+            <a:avLst/>
+          </a:prstGeom>
+        </p:spPr>
+        <p:style>
+          <a:lnRef idx="2">
+            <a:schemeClr val="accent1">
+              <a:shade val="50000"/>
+            </a:schemeClr>
+          </a:lnRef>
+          <a:fillRef idx="1">
+            <a:schemeClr val="accent1"/>
+          </a:fillRef>
+          <a:effectRef idx="0">
+            <a:schemeClr val="accent1"/>
+          </a:effectRef>
+          <a:fontRef idx="minor">
+            <a:schemeClr val="lt1"/>
+          </a:fontRef>
+        </p:style>
+        <p:txBody>
+          <a:bodyPr rtlCol="0" anchor="ctr"/>
+          <a:lstStyle/>
+          <a:p>
+            <a:pPr algn="just"/>
+            <a:r>
+              <a:rPr lang="en-US" altLang="ko-KR" dirty="0" smtClean="0"/>
+              <a:t>1. </a:t>
+            </a:r>
+            <a:r>
+              <a:rPr lang="ko-KR" altLang="en-US" dirty="0" smtClean="0"/>
+              <a:t>시작점의 </a:t>
+            </a:r>
+            <a:r>
+              <a:rPr lang="ko-KR" altLang="en-US" dirty="0" err="1" smtClean="0"/>
+              <a:t>거리값을</a:t>
+            </a:r>
+            <a:r>
+              <a:rPr lang="ko-KR" altLang="en-US" dirty="0" smtClean="0"/>
+              <a:t> </a:t>
+            </a:r>
+            <a:r>
+              <a:rPr lang="en-US" altLang="ko-KR" dirty="0" smtClean="0"/>
+              <a:t>0 </a:t>
+            </a:r>
+            <a:r>
+              <a:rPr lang="ko-KR" altLang="en-US" dirty="0" smtClean="0"/>
+              <a:t>나머지 점의 </a:t>
+            </a:r>
+            <a:r>
+              <a:rPr lang="ko-KR" altLang="en-US" dirty="0" err="1" smtClean="0"/>
+              <a:t>거리값을</a:t>
+            </a:r>
+            <a:r>
+              <a:rPr lang="ko-KR" altLang="en-US" dirty="0" smtClean="0"/>
+              <a:t> 무한대로 설정한다</a:t>
+            </a:r>
+            <a:endParaRPr lang="ko-KR" altLang="en-US" dirty="0"/>
+          </a:p>
+        </p:txBody>
+      </p:sp>
+      <p:sp>
+        <p:nvSpPr>
+          <p:cNvPr id="22" name="모서리가 둥근 직사각형 21"/>
+          <p:cNvSpPr/>
+          <p:nvPr/>
+        </p:nvSpPr>
+        <p:spPr>
+          <a:xfrm>
+            <a:off x="5004048" y="1739750"/>
+            <a:ext cx="3024336" cy="3990243"/>
+          </a:xfrm>
+          <a:prstGeom prst="roundRect">
+            <a:avLst/>
+          </a:prstGeom>
+        </p:spPr>
+        <p:style>
+          <a:lnRef idx="2">
+            <a:schemeClr val="accent1">
+              <a:shade val="50000"/>
+            </a:schemeClr>
+          </a:lnRef>
+          <a:fillRef idx="1">
+            <a:schemeClr val="accent1"/>
+          </a:fillRef>
+          <a:effectRef idx="0">
+            <a:schemeClr val="accent1"/>
+          </a:effectRef>
+          <a:fontRef idx="minor">
+            <a:schemeClr val="lt1"/>
+          </a:fontRef>
+        </p:style>
+        <p:txBody>
+          <a:bodyPr rtlCol="0" anchor="ctr"/>
+          <a:lstStyle/>
+          <a:p>
+            <a:pPr algn="just"/>
+            <a:r>
+              <a:rPr lang="en-US" altLang="ko-KR" dirty="0" smtClean="0"/>
+              <a:t>2. </a:t>
+            </a:r>
+            <a:r>
+              <a:rPr lang="ko-KR" altLang="en-US" dirty="0" smtClean="0"/>
+              <a:t>시작점에 인접한 점들의 </a:t>
+            </a:r>
+            <a:r>
+              <a:rPr lang="ko-KR" altLang="en-US" dirty="0" err="1" smtClean="0"/>
+              <a:t>거리값을</a:t>
+            </a:r>
+            <a:r>
+              <a:rPr lang="ko-KR" altLang="en-US" dirty="0" smtClean="0"/>
+              <a:t> 갱신한다</a:t>
+            </a:r>
+            <a:endParaRPr lang="ko-KR" altLang="en-US" dirty="0"/>
+          </a:p>
+        </p:txBody>
+      </p:sp>
+      <p:sp>
+        <p:nvSpPr>
+          <p:cNvPr id="23" name="모서리가 둥근 직사각형 22"/>
+          <p:cNvSpPr/>
+          <p:nvPr/>
+        </p:nvSpPr>
+        <p:spPr>
+          <a:xfrm>
+            <a:off x="5004859" y="1748269"/>
+            <a:ext cx="3024336" cy="3990243"/>
+          </a:xfrm>
+          <a:prstGeom prst="roundRect">
+            <a:avLst/>
+          </a:prstGeom>
+        </p:spPr>
+        <p:style>
+          <a:lnRef idx="2">
+            <a:schemeClr val="accent1">
+              <a:shade val="50000"/>
+            </a:schemeClr>
+          </a:lnRef>
+          <a:fillRef idx="1">
+            <a:schemeClr val="accent1"/>
+          </a:fillRef>
+          <a:effectRef idx="0">
+            <a:schemeClr val="accent1"/>
+          </a:effectRef>
+          <a:fontRef idx="minor">
+            <a:schemeClr val="lt1"/>
+          </a:fontRef>
+        </p:style>
+        <p:txBody>
+          <a:bodyPr rtlCol="0" anchor="ctr"/>
+          <a:lstStyle/>
+          <a:p>
+            <a:pPr algn="just"/>
+            <a:r>
+              <a:rPr lang="en-US" altLang="ko-KR" dirty="0" smtClean="0"/>
+              <a:t>3. </a:t>
+            </a:r>
+            <a:r>
+              <a:rPr lang="ko-KR" altLang="en-US" dirty="0" smtClean="0"/>
+              <a:t>방문하지 않은 점들 중 </a:t>
+            </a:r>
+            <a:r>
+              <a:rPr lang="ko-KR" altLang="en-US" dirty="0" err="1" smtClean="0"/>
+              <a:t>거리값이</a:t>
+            </a:r>
+            <a:r>
+              <a:rPr lang="ko-KR" altLang="en-US" dirty="0" smtClean="0"/>
+              <a:t> 가장 짧은 점에 방문한다</a:t>
+            </a:r>
+            <a:r>
+              <a:rPr lang="en-US" altLang="ko-KR" dirty="0" smtClean="0"/>
+              <a:t>.</a:t>
+            </a:r>
+          </a:p>
+          <a:p>
+            <a:pPr algn="just"/>
+            <a:r>
+              <a:rPr lang="en-US" altLang="ko-KR" dirty="0" smtClean="0"/>
+              <a:t>4. </a:t>
+            </a:r>
+            <a:r>
+              <a:rPr lang="ko-KR" altLang="en-US" dirty="0" smtClean="0"/>
+              <a:t>해당 점에 인접한 점들 중 방문하지 않은 점의 </a:t>
+            </a:r>
+            <a:r>
+              <a:rPr lang="ko-KR" altLang="en-US" dirty="0" err="1" smtClean="0"/>
+              <a:t>거리값을</a:t>
+            </a:r>
+            <a:r>
+              <a:rPr lang="ko-KR" altLang="en-US" dirty="0" smtClean="0"/>
+              <a:t> 갱신한다</a:t>
+            </a:r>
+            <a:r>
+              <a:rPr lang="en-US" altLang="ko-KR" dirty="0" smtClean="0"/>
+              <a:t>.</a:t>
+            </a:r>
+            <a:endParaRPr lang="ko-KR" altLang="en-US" dirty="0"/>
+          </a:p>
+        </p:txBody>
+      </p:sp>
+      <p:sp>
+        <p:nvSpPr>
+          <p:cNvPr id="27" name="모서리가 둥근 직사각형 26"/>
+          <p:cNvSpPr/>
+          <p:nvPr/>
+        </p:nvSpPr>
+        <p:spPr>
+          <a:xfrm>
+            <a:off x="5004048" y="1747661"/>
+            <a:ext cx="3024336" cy="3990243"/>
+          </a:xfrm>
+          <a:prstGeom prst="roundRect">
+            <a:avLst/>
+          </a:prstGeom>
+        </p:spPr>
+        <p:style>
+          <a:lnRef idx="2">
+            <a:schemeClr val="accent1">
+              <a:shade val="50000"/>
+            </a:schemeClr>
+          </a:lnRef>
+          <a:fillRef idx="1">
+            <a:schemeClr val="accent1"/>
+          </a:fillRef>
+          <a:effectRef idx="0">
+            <a:schemeClr val="accent1"/>
+          </a:effectRef>
+          <a:fontRef idx="minor">
+            <a:schemeClr val="lt1"/>
+          </a:fontRef>
+        </p:style>
+        <p:txBody>
+          <a:bodyPr rtlCol="0" anchor="ctr"/>
+          <a:lstStyle/>
+          <a:p>
+            <a:pPr algn="just"/>
+            <a:r>
+              <a:rPr lang="en-US" altLang="ko-KR" dirty="0" smtClean="0"/>
+              <a:t>5. </a:t>
+            </a:r>
+            <a:r>
+              <a:rPr lang="ko-KR" altLang="en-US" dirty="0" smtClean="0"/>
+              <a:t>모든 </a:t>
+            </a:r>
+            <a:r>
+              <a:rPr lang="ko-KR" altLang="en-US" dirty="0" smtClean="0"/>
+              <a:t>점을 방문하거나 도착점에 </a:t>
+            </a:r>
+            <a:r>
+              <a:rPr lang="ko-KR" altLang="en-US" dirty="0" smtClean="0"/>
+              <a:t>방문</a:t>
+            </a:r>
+            <a:r>
+              <a:rPr lang="ko-KR" altLang="en-US" dirty="0" smtClean="0"/>
+              <a:t>할 때까지 해당과정을 반복한다</a:t>
+            </a:r>
+            <a:r>
+              <a:rPr lang="en-US" altLang="ko-KR" dirty="0" smtClean="0"/>
+              <a:t>.</a:t>
+            </a:r>
+            <a:r>
+              <a:rPr lang="ko-KR" altLang="en-US" dirty="0" smtClean="0"/>
+              <a:t> </a:t>
+            </a:r>
+            <a:endParaRPr lang="en-US" altLang="ko-KR" dirty="0" smtClean="0"/>
+          </a:p>
+        </p:txBody>
+      </p:sp>
+      <p:sp>
+        <p:nvSpPr>
+          <p:cNvPr id="21" name="모서리가 둥근 직사각형 20"/>
+          <p:cNvSpPr/>
+          <p:nvPr/>
+        </p:nvSpPr>
+        <p:spPr>
+          <a:xfrm>
+            <a:off x="4995123" y="1739750"/>
+            <a:ext cx="3024336" cy="3990243"/>
+          </a:xfrm>
+          <a:prstGeom prst="roundRect">
+            <a:avLst/>
+          </a:prstGeom>
+        </p:spPr>
+        <p:style>
+          <a:lnRef idx="2">
+            <a:schemeClr val="accent1">
+              <a:shade val="50000"/>
+            </a:schemeClr>
+          </a:lnRef>
+          <a:fillRef idx="1">
+            <a:schemeClr val="accent1"/>
+          </a:fillRef>
+          <a:effectRef idx="0">
+            <a:schemeClr val="accent1"/>
+          </a:effectRef>
+          <a:fontRef idx="minor">
+            <a:schemeClr val="lt1"/>
+          </a:fontRef>
+        </p:style>
+        <p:txBody>
+          <a:bodyPr rtlCol="0" anchor="ctr"/>
+          <a:lstStyle/>
+          <a:p>
+            <a:pPr algn="just"/>
+            <a:r>
+              <a:rPr lang="en-US" altLang="ko-KR" dirty="0" smtClean="0"/>
+              <a:t>6. </a:t>
+            </a:r>
+            <a:r>
+              <a:rPr lang="ko-KR" altLang="en-US" dirty="0" smtClean="0"/>
+              <a:t>얻은 정보를 바탕으로</a:t>
+            </a:r>
+            <a:r>
+              <a:rPr lang="ko-KR" altLang="en-US" dirty="0" smtClean="0"/>
+              <a:t> </a:t>
+            </a:r>
+            <a:r>
+              <a:rPr lang="ko-KR" altLang="en-US" dirty="0" smtClean="0"/>
+              <a:t>경로를 생성한다</a:t>
+            </a:r>
+            <a:r>
+              <a:rPr lang="en-US" altLang="ko-KR" dirty="0" smtClean="0"/>
+              <a:t>.</a:t>
+            </a:r>
+          </a:p>
+        </p:txBody>
+      </p:sp>
     </p:spTree>
     <p:extLst>
       <p:ext uri="{BB962C8B-B14F-4D97-AF65-F5344CB8AC3E}">
-        <p14:creationId xmlns:p14="http://schemas.microsoft.com/office/powerpoint/2010/main" val="3347908806"/>
+        <p14:creationId xmlns:p14="http://schemas.microsoft.com/office/powerpoint/2010/main" val="3961196038"/>
       </p:ext>
     </p:extLst>
   </p:cSld>
@@ -6343,9 +7204,582 @@
   <p:timing>
     <p:tnLst>
       <p:par>
-        <p:cTn id="1" dur="indefinite" restart="never" nodeType="tmRoot"/>
+        <p:cTn id="1" dur="indefinite" restart="never" nodeType="tmRoot">
+          <p:childTnLst>
+            <p:seq concurrent="1" nextAc="seek">
+              <p:cTn id="2" dur="indefinite" nodeType="mainSeq">
+                <p:childTnLst>
+                  <p:par>
+                    <p:cTn id="3" fill="hold">
+                      <p:stCondLst>
+                        <p:cond delay="indefinite"/>
+                      </p:stCondLst>
+                      <p:childTnLst>
+                        <p:par>
+                          <p:cTn id="4" fill="hold">
+                            <p:stCondLst>
+                              <p:cond delay="0"/>
+                            </p:stCondLst>
+                            <p:childTnLst>
+                              <p:par>
+                                <p:cTn id="5" presetID="1" presetClass="entr" presetSubtype="0" fill="hold" nodeType="clickEffect">
+                                  <p:stCondLst>
+                                    <p:cond delay="0"/>
+                                  </p:stCondLst>
+                                  <p:childTnLst>
+                                    <p:set>
+                                      <p:cBhvr>
+                                        <p:cTn id="6" dur="1" fill="hold">
+                                          <p:stCondLst>
+                                            <p:cond delay="0"/>
+                                          </p:stCondLst>
+                                        </p:cTn>
+                                        <p:tgtEl>
+                                          <p:spTgt spid="13"/>
+                                        </p:tgtEl>
+                                        <p:attrNameLst>
+                                          <p:attrName>style.visibility</p:attrName>
+                                        </p:attrNameLst>
+                                      </p:cBhvr>
+                                      <p:to>
+                                        <p:strVal val="visible"/>
+                                      </p:to>
+                                    </p:set>
+                                  </p:childTnLst>
+                                </p:cTn>
+                              </p:par>
+                            </p:childTnLst>
+                          </p:cTn>
+                        </p:par>
+                        <p:par>
+                          <p:cTn id="7" fill="hold">
+                            <p:stCondLst>
+                              <p:cond delay="0"/>
+                            </p:stCondLst>
+                            <p:childTnLst>
+                              <p:par>
+                                <p:cTn id="8" presetID="1" presetClass="entr" presetSubtype="0" fill="hold" grpId="0" nodeType="afterEffect">
+                                  <p:stCondLst>
+                                    <p:cond delay="0"/>
+                                  </p:stCondLst>
+                                  <p:childTnLst>
+                                    <p:set>
+                                      <p:cBhvr>
+                                        <p:cTn id="9" dur="1" fill="hold">
+                                          <p:stCondLst>
+                                            <p:cond delay="0"/>
+                                          </p:stCondLst>
+                                        </p:cTn>
+                                        <p:tgtEl>
+                                          <p:spTgt spid="20"/>
+                                        </p:tgtEl>
+                                        <p:attrNameLst>
+                                          <p:attrName>style.visibility</p:attrName>
+                                        </p:attrNameLst>
+                                      </p:cBhvr>
+                                      <p:to>
+                                        <p:strVal val="visible"/>
+                                      </p:to>
+                                    </p:set>
+                                  </p:childTnLst>
+                                </p:cTn>
+                              </p:par>
+                            </p:childTnLst>
+                          </p:cTn>
+                        </p:par>
+                      </p:childTnLst>
+                    </p:cTn>
+                  </p:par>
+                  <p:par>
+                    <p:cTn id="10" fill="hold">
+                      <p:stCondLst>
+                        <p:cond delay="indefinite"/>
+                      </p:stCondLst>
+                      <p:childTnLst>
+                        <p:par>
+                          <p:cTn id="11" fill="hold">
+                            <p:stCondLst>
+                              <p:cond delay="0"/>
+                            </p:stCondLst>
+                            <p:childTnLst>
+                              <p:par>
+                                <p:cTn id="12" presetID="10" presetClass="entr" presetSubtype="0" fill="hold" nodeType="clickEffect">
+                                  <p:stCondLst>
+                                    <p:cond delay="0"/>
+                                  </p:stCondLst>
+                                  <p:childTnLst>
+                                    <p:set>
+                                      <p:cBhvr>
+                                        <p:cTn id="13" dur="1" fill="hold">
+                                          <p:stCondLst>
+                                            <p:cond delay="0"/>
+                                          </p:stCondLst>
+                                        </p:cTn>
+                                        <p:tgtEl>
+                                          <p:spTgt spid="14"/>
+                                        </p:tgtEl>
+                                        <p:attrNameLst>
+                                          <p:attrName>style.visibility</p:attrName>
+                                        </p:attrNameLst>
+                                      </p:cBhvr>
+                                      <p:to>
+                                        <p:strVal val="visible"/>
+                                      </p:to>
+                                    </p:set>
+                                    <p:animEffect transition="in" filter="fade">
+                                      <p:cBhvr>
+                                        <p:cTn id="14" dur="500"/>
+                                        <p:tgtEl>
+                                          <p:spTgt spid="14"/>
+                                        </p:tgtEl>
+                                      </p:cBhvr>
+                                    </p:animEffect>
+                                  </p:childTnLst>
+                                </p:cTn>
+                              </p:par>
+                            </p:childTnLst>
+                          </p:cTn>
+                        </p:par>
+                        <p:par>
+                          <p:cTn id="15" fill="hold">
+                            <p:stCondLst>
+                              <p:cond delay="500"/>
+                            </p:stCondLst>
+                            <p:childTnLst>
+                              <p:par>
+                                <p:cTn id="16" presetID="1" presetClass="entr" presetSubtype="0" fill="hold" grpId="0" nodeType="afterEffect">
+                                  <p:stCondLst>
+                                    <p:cond delay="0"/>
+                                  </p:stCondLst>
+                                  <p:childTnLst>
+                                    <p:set>
+                                      <p:cBhvr>
+                                        <p:cTn id="17" dur="1" fill="hold">
+                                          <p:stCondLst>
+                                            <p:cond delay="0"/>
+                                          </p:stCondLst>
+                                        </p:cTn>
+                                        <p:tgtEl>
+                                          <p:spTgt spid="22"/>
+                                        </p:tgtEl>
+                                        <p:attrNameLst>
+                                          <p:attrName>style.visibility</p:attrName>
+                                        </p:attrNameLst>
+                                      </p:cBhvr>
+                                      <p:to>
+                                        <p:strVal val="visible"/>
+                                      </p:to>
+                                    </p:set>
+                                  </p:childTnLst>
+                                </p:cTn>
+                              </p:par>
+                            </p:childTnLst>
+                          </p:cTn>
+                        </p:par>
+                      </p:childTnLst>
+                    </p:cTn>
+                  </p:par>
+                  <p:par>
+                    <p:cTn id="18" fill="hold">
+                      <p:stCondLst>
+                        <p:cond delay="indefinite"/>
+                      </p:stCondLst>
+                      <p:childTnLst>
+                        <p:par>
+                          <p:cTn id="19" fill="hold">
+                            <p:stCondLst>
+                              <p:cond delay="0"/>
+                            </p:stCondLst>
+                            <p:childTnLst>
+                              <p:par>
+                                <p:cTn id="20" presetID="10" presetClass="entr" presetSubtype="0" fill="hold" nodeType="clickEffect">
+                                  <p:stCondLst>
+                                    <p:cond delay="0"/>
+                                  </p:stCondLst>
+                                  <p:childTnLst>
+                                    <p:set>
+                                      <p:cBhvr>
+                                        <p:cTn id="21" dur="1" fill="hold">
+                                          <p:stCondLst>
+                                            <p:cond delay="0"/>
+                                          </p:stCondLst>
+                                        </p:cTn>
+                                        <p:tgtEl>
+                                          <p:spTgt spid="15"/>
+                                        </p:tgtEl>
+                                        <p:attrNameLst>
+                                          <p:attrName>style.visibility</p:attrName>
+                                        </p:attrNameLst>
+                                      </p:cBhvr>
+                                      <p:to>
+                                        <p:strVal val="visible"/>
+                                      </p:to>
+                                    </p:set>
+                                    <p:animEffect transition="in" filter="fade">
+                                      <p:cBhvr>
+                                        <p:cTn id="22" dur="500"/>
+                                        <p:tgtEl>
+                                          <p:spTgt spid="15"/>
+                                        </p:tgtEl>
+                                      </p:cBhvr>
+                                    </p:animEffect>
+                                  </p:childTnLst>
+                                </p:cTn>
+                              </p:par>
+                            </p:childTnLst>
+                          </p:cTn>
+                        </p:par>
+                        <p:par>
+                          <p:cTn id="23" fill="hold">
+                            <p:stCondLst>
+                              <p:cond delay="500"/>
+                            </p:stCondLst>
+                            <p:childTnLst>
+                              <p:par>
+                                <p:cTn id="24" presetID="1" presetClass="entr" presetSubtype="0" fill="hold" grpId="0" nodeType="afterEffect">
+                                  <p:stCondLst>
+                                    <p:cond delay="0"/>
+                                  </p:stCondLst>
+                                  <p:childTnLst>
+                                    <p:set>
+                                      <p:cBhvr>
+                                        <p:cTn id="25" dur="1" fill="hold">
+                                          <p:stCondLst>
+                                            <p:cond delay="0"/>
+                                          </p:stCondLst>
+                                        </p:cTn>
+                                        <p:tgtEl>
+                                          <p:spTgt spid="23"/>
+                                        </p:tgtEl>
+                                        <p:attrNameLst>
+                                          <p:attrName>style.visibility</p:attrName>
+                                        </p:attrNameLst>
+                                      </p:cBhvr>
+                                      <p:to>
+                                        <p:strVal val="visible"/>
+                                      </p:to>
+                                    </p:set>
+                                  </p:childTnLst>
+                                </p:cTn>
+                              </p:par>
+                            </p:childTnLst>
+                          </p:cTn>
+                        </p:par>
+                      </p:childTnLst>
+                    </p:cTn>
+                  </p:par>
+                  <p:par>
+                    <p:cTn id="26" fill="hold">
+                      <p:stCondLst>
+                        <p:cond delay="indefinite"/>
+                      </p:stCondLst>
+                      <p:childTnLst>
+                        <p:par>
+                          <p:cTn id="27" fill="hold">
+                            <p:stCondLst>
+                              <p:cond delay="0"/>
+                            </p:stCondLst>
+                            <p:childTnLst>
+                              <p:par>
+                                <p:cTn id="28" presetID="10" presetClass="entr" presetSubtype="0" fill="hold" nodeType="clickEffect">
+                                  <p:stCondLst>
+                                    <p:cond delay="0"/>
+                                  </p:stCondLst>
+                                  <p:childTnLst>
+                                    <p:set>
+                                      <p:cBhvr>
+                                        <p:cTn id="29" dur="1" fill="hold">
+                                          <p:stCondLst>
+                                            <p:cond delay="0"/>
+                                          </p:stCondLst>
+                                        </p:cTn>
+                                        <p:tgtEl>
+                                          <p:spTgt spid="19"/>
+                                        </p:tgtEl>
+                                        <p:attrNameLst>
+                                          <p:attrName>style.visibility</p:attrName>
+                                        </p:attrNameLst>
+                                      </p:cBhvr>
+                                      <p:to>
+                                        <p:strVal val="visible"/>
+                                      </p:to>
+                                    </p:set>
+                                    <p:animEffect transition="in" filter="fade">
+                                      <p:cBhvr>
+                                        <p:cTn id="30" dur="500"/>
+                                        <p:tgtEl>
+                                          <p:spTgt spid="19"/>
+                                        </p:tgtEl>
+                                      </p:cBhvr>
+                                    </p:animEffect>
+                                  </p:childTnLst>
+                                </p:cTn>
+                              </p:par>
+                            </p:childTnLst>
+                          </p:cTn>
+                        </p:par>
+                        <p:par>
+                          <p:cTn id="31" fill="hold">
+                            <p:stCondLst>
+                              <p:cond delay="500"/>
+                            </p:stCondLst>
+                            <p:childTnLst>
+                              <p:par>
+                                <p:cTn id="32" presetID="1" presetClass="entr" presetSubtype="0" fill="hold" grpId="0" nodeType="afterEffect">
+                                  <p:stCondLst>
+                                    <p:cond delay="0"/>
+                                  </p:stCondLst>
+                                  <p:childTnLst>
+                                    <p:set>
+                                      <p:cBhvr>
+                                        <p:cTn id="33" dur="1" fill="hold">
+                                          <p:stCondLst>
+                                            <p:cond delay="0"/>
+                                          </p:stCondLst>
+                                        </p:cTn>
+                                        <p:tgtEl>
+                                          <p:spTgt spid="27"/>
+                                        </p:tgtEl>
+                                        <p:attrNameLst>
+                                          <p:attrName>style.visibility</p:attrName>
+                                        </p:attrNameLst>
+                                      </p:cBhvr>
+                                      <p:to>
+                                        <p:strVal val="visible"/>
+                                      </p:to>
+                                    </p:set>
+                                  </p:childTnLst>
+                                </p:cTn>
+                              </p:par>
+                            </p:childTnLst>
+                          </p:cTn>
+                        </p:par>
+                      </p:childTnLst>
+                    </p:cTn>
+                  </p:par>
+                  <p:par>
+                    <p:cTn id="34" fill="hold">
+                      <p:stCondLst>
+                        <p:cond delay="indefinite"/>
+                      </p:stCondLst>
+                      <p:childTnLst>
+                        <p:par>
+                          <p:cTn id="35" fill="hold">
+                            <p:stCondLst>
+                              <p:cond delay="0"/>
+                            </p:stCondLst>
+                            <p:childTnLst>
+                              <p:par>
+                                <p:cTn id="36" presetID="10" presetClass="entr" presetSubtype="0" fill="hold" nodeType="clickEffect">
+                                  <p:stCondLst>
+                                    <p:cond delay="0"/>
+                                  </p:stCondLst>
+                                  <p:childTnLst>
+                                    <p:set>
+                                      <p:cBhvr>
+                                        <p:cTn id="37" dur="1" fill="hold">
+                                          <p:stCondLst>
+                                            <p:cond delay="0"/>
+                                          </p:stCondLst>
+                                        </p:cTn>
+                                        <p:tgtEl>
+                                          <p:spTgt spid="17"/>
+                                        </p:tgtEl>
+                                        <p:attrNameLst>
+                                          <p:attrName>style.visibility</p:attrName>
+                                        </p:attrNameLst>
+                                      </p:cBhvr>
+                                      <p:to>
+                                        <p:strVal val="visible"/>
+                                      </p:to>
+                                    </p:set>
+                                    <p:animEffect transition="in" filter="fade">
+                                      <p:cBhvr>
+                                        <p:cTn id="38" dur="500"/>
+                                        <p:tgtEl>
+                                          <p:spTgt spid="17"/>
+                                        </p:tgtEl>
+                                      </p:cBhvr>
+                                    </p:animEffect>
+                                  </p:childTnLst>
+                                </p:cTn>
+                              </p:par>
+                            </p:childTnLst>
+                          </p:cTn>
+                        </p:par>
+                      </p:childTnLst>
+                    </p:cTn>
+                  </p:par>
+                  <p:par>
+                    <p:cTn id="39" fill="hold">
+                      <p:stCondLst>
+                        <p:cond delay="indefinite"/>
+                      </p:stCondLst>
+                      <p:childTnLst>
+                        <p:par>
+                          <p:cTn id="40" fill="hold">
+                            <p:stCondLst>
+                              <p:cond delay="0"/>
+                            </p:stCondLst>
+                            <p:childTnLst>
+                              <p:par>
+                                <p:cTn id="41" presetID="10" presetClass="entr" presetSubtype="0" fill="hold" nodeType="clickEffect">
+                                  <p:stCondLst>
+                                    <p:cond delay="0"/>
+                                  </p:stCondLst>
+                                  <p:childTnLst>
+                                    <p:set>
+                                      <p:cBhvr>
+                                        <p:cTn id="42" dur="1" fill="hold">
+                                          <p:stCondLst>
+                                            <p:cond delay="0"/>
+                                          </p:stCondLst>
+                                        </p:cTn>
+                                        <p:tgtEl>
+                                          <p:spTgt spid="18"/>
+                                        </p:tgtEl>
+                                        <p:attrNameLst>
+                                          <p:attrName>style.visibility</p:attrName>
+                                        </p:attrNameLst>
+                                      </p:cBhvr>
+                                      <p:to>
+                                        <p:strVal val="visible"/>
+                                      </p:to>
+                                    </p:set>
+                                    <p:animEffect transition="in" filter="fade">
+                                      <p:cBhvr>
+                                        <p:cTn id="43" dur="500"/>
+                                        <p:tgtEl>
+                                          <p:spTgt spid="18"/>
+                                        </p:tgtEl>
+                                      </p:cBhvr>
+                                    </p:animEffect>
+                                  </p:childTnLst>
+                                </p:cTn>
+                              </p:par>
+                            </p:childTnLst>
+                          </p:cTn>
+                        </p:par>
+                      </p:childTnLst>
+                    </p:cTn>
+                  </p:par>
+                  <p:par>
+                    <p:cTn id="44" fill="hold">
+                      <p:stCondLst>
+                        <p:cond delay="indefinite"/>
+                      </p:stCondLst>
+                      <p:childTnLst>
+                        <p:par>
+                          <p:cTn id="45" fill="hold">
+                            <p:stCondLst>
+                              <p:cond delay="0"/>
+                            </p:stCondLst>
+                            <p:childTnLst>
+                              <p:par>
+                                <p:cTn id="46" presetID="10" presetClass="entr" presetSubtype="0" fill="hold" nodeType="clickEffect">
+                                  <p:stCondLst>
+                                    <p:cond delay="0"/>
+                                  </p:stCondLst>
+                                  <p:childTnLst>
+                                    <p:set>
+                                      <p:cBhvr>
+                                        <p:cTn id="47" dur="1" fill="hold">
+                                          <p:stCondLst>
+                                            <p:cond delay="0"/>
+                                          </p:stCondLst>
+                                        </p:cTn>
+                                        <p:tgtEl>
+                                          <p:spTgt spid="16"/>
+                                        </p:tgtEl>
+                                        <p:attrNameLst>
+                                          <p:attrName>style.visibility</p:attrName>
+                                        </p:attrNameLst>
+                                      </p:cBhvr>
+                                      <p:to>
+                                        <p:strVal val="visible"/>
+                                      </p:to>
+                                    </p:set>
+                                    <p:animEffect transition="in" filter="fade">
+                                      <p:cBhvr>
+                                        <p:cTn id="48" dur="500"/>
+                                        <p:tgtEl>
+                                          <p:spTgt spid="16"/>
+                                        </p:tgtEl>
+                                      </p:cBhvr>
+                                    </p:animEffect>
+                                  </p:childTnLst>
+                                </p:cTn>
+                              </p:par>
+                            </p:childTnLst>
+                          </p:cTn>
+                        </p:par>
+                        <p:par>
+                          <p:cTn id="49" fill="hold">
+                            <p:stCondLst>
+                              <p:cond delay="500"/>
+                            </p:stCondLst>
+                            <p:childTnLst>
+                              <p:par>
+                                <p:cTn id="50" presetID="1" presetClass="entr" presetSubtype="0" fill="hold" grpId="0" nodeType="afterEffect">
+                                  <p:stCondLst>
+                                    <p:cond delay="0"/>
+                                  </p:stCondLst>
+                                  <p:childTnLst>
+                                    <p:set>
+                                      <p:cBhvr>
+                                        <p:cTn id="51" dur="1" fill="hold">
+                                          <p:stCondLst>
+                                            <p:cond delay="0"/>
+                                          </p:stCondLst>
+                                        </p:cTn>
+                                        <p:tgtEl>
+                                          <p:spTgt spid="21"/>
+                                        </p:tgtEl>
+                                        <p:attrNameLst>
+                                          <p:attrName>style.visibility</p:attrName>
+                                        </p:attrNameLst>
+                                      </p:cBhvr>
+                                      <p:to>
+                                        <p:strVal val="visible"/>
+                                      </p:to>
+                                    </p:set>
+                                  </p:childTnLst>
+                                </p:cTn>
+                              </p:par>
+                            </p:childTnLst>
+                          </p:cTn>
+                        </p:par>
+                      </p:childTnLst>
+                    </p:cTn>
+                  </p:par>
+                </p:childTnLst>
+              </p:cTn>
+              <p:prevCondLst>
+                <p:cond evt="onPrev" delay="0">
+                  <p:tgtEl>
+                    <p:sldTgt/>
+                  </p:tgtEl>
+                </p:cond>
+              </p:prevCondLst>
+              <p:nextCondLst>
+                <p:cond evt="onNext" delay="0">
+                  <p:tgtEl>
+                    <p:sldTgt/>
+                  </p:tgtEl>
+                </p:cond>
+              </p:nextCondLst>
+            </p:seq>
+          </p:childTnLst>
+        </p:cTn>
       </p:par>
     </p:tnLst>
+    <p:bldLst>
+      <p:bldP spid="20" grpId="0" animBg="1"/>
+      <p:bldP spid="22" grpId="0" animBg="1"/>
+      <p:bldP spid="23" grpId="0" animBg="1"/>
+      <p:bldP spid="27" grpId="0" animBg="1"/>
+      <p:bldP spid="21" grpId="0" animBg="1"/>
+    </p:bldLst>
   </p:timing>
 </p:sld>
 </file>
@@ -6369,29 +7803,6 @@
       </p:grpSpPr>
       <p:sp>
         <p:nvSpPr>
-          <p:cNvPr id="2" name="제목 1"/>
-          <p:cNvSpPr>
-            <a:spLocks noGrp="1"/>
-          </p:cNvSpPr>
-          <p:nvPr>
-            <p:ph type="title"/>
-          </p:nvPr>
-        </p:nvSpPr>
-        <p:spPr/>
-        <p:txBody>
-          <a:bodyPr/>
-          <a:lstStyle/>
-          <a:p>
-            <a:r>
-              <a:rPr lang="en-US" altLang="ko-KR" dirty="0" err="1" smtClean="0"/>
-              <a:t>PathFinding</a:t>
-            </a:r>
-            <a:endParaRPr lang="ko-KR" altLang="en-US" dirty="0"/>
-          </a:p>
-        </p:txBody>
-      </p:sp>
-      <p:sp>
-        <p:nvSpPr>
           <p:cNvPr id="3" name="내용 개체 틀 2"/>
           <p:cNvSpPr>
             <a:spLocks noGrp="1"/>
@@ -6400,12 +7811,73 @@
             <p:ph sz="quarter" idx="1"/>
           </p:nvPr>
         </p:nvSpPr>
-        <p:spPr/>
-        <p:txBody>
-          <a:bodyPr/>
-          <a:lstStyle/>
-          <a:p>
-            <a:endParaRPr lang="ko-KR" altLang="en-US"/>
+        <p:spPr>
+          <a:xfrm>
+            <a:off x="467544" y="1562562"/>
+            <a:ext cx="7467600" cy="4873752"/>
+          </a:xfrm>
+        </p:spPr>
+        <p:txBody>
+          <a:bodyPr>
+            <a:normAutofit/>
+          </a:bodyPr>
+          <a:lstStyle/>
+          <a:p>
+            <a:endParaRPr lang="en-US" altLang="ko-KR" sz="1600" dirty="0" smtClean="0"/>
+          </a:p>
+          <a:p>
+            <a:endParaRPr lang="en-US" altLang="ko-KR" sz="1600" dirty="0"/>
+          </a:p>
+          <a:p>
+            <a:endParaRPr lang="en-US" altLang="ko-KR" sz="1600" dirty="0" smtClean="0"/>
+          </a:p>
+          <a:p>
+            <a:endParaRPr lang="en-US" altLang="ko-KR" sz="1600" dirty="0"/>
+          </a:p>
+          <a:p>
+            <a:endParaRPr lang="en-US" altLang="ko-KR" sz="1600" dirty="0" smtClean="0"/>
+          </a:p>
+          <a:p>
+            <a:pPr marL="0" indent="0">
+              <a:buNone/>
+            </a:pPr>
+            <a:endParaRPr lang="en-US" altLang="ko-KR" sz="1600" dirty="0" smtClean="0"/>
+          </a:p>
+          <a:p>
+            <a:pPr marL="0" indent="0">
+              <a:buNone/>
+            </a:pPr>
+            <a:endParaRPr lang="en-US" altLang="ko-KR" sz="1600" dirty="0"/>
+          </a:p>
+          <a:p>
+            <a:pPr marL="0" indent="0">
+              <a:buNone/>
+            </a:pPr>
+            <a:endParaRPr lang="en-US" altLang="ko-KR" sz="1600" dirty="0" smtClean="0"/>
+          </a:p>
+          <a:p>
+            <a:pPr marL="0" indent="0">
+              <a:buNone/>
+            </a:pPr>
+            <a:endParaRPr lang="en-US" altLang="ko-KR" sz="1600" dirty="0"/>
+          </a:p>
+          <a:p>
+            <a:pPr marL="0" indent="0">
+              <a:buNone/>
+            </a:pPr>
+            <a:endParaRPr lang="en-US" altLang="ko-KR" sz="1600" dirty="0" smtClean="0"/>
+          </a:p>
+          <a:p>
+            <a:pPr marL="0" indent="0">
+              <a:buNone/>
+            </a:pPr>
+            <a:endParaRPr lang="en-US" altLang="ko-KR" sz="1600" dirty="0"/>
+          </a:p>
+          <a:p>
+            <a:pPr marL="0" indent="0">
+              <a:buNone/>
+            </a:pPr>
+            <a:endParaRPr lang="en-US" altLang="ko-KR" sz="1600" dirty="0" smtClean="0"/>
           </a:p>
         </p:txBody>
       </p:sp>
@@ -6432,16 +7904,1153 @@
           </a:p>
         </p:txBody>
       </p:sp>
+      <p:pic>
+        <p:nvPicPr>
+          <p:cNvPr id="5" name="그림 4"/>
+          <p:cNvPicPr>
+            <a:picLocks noChangeAspect="1"/>
+          </p:cNvPicPr>
+          <p:nvPr/>
+        </p:nvPicPr>
+        <p:blipFill>
+          <a:blip r:embed="rId2" cstate="print">
+            <a:extLst>
+              <a:ext uri="{28A0092B-C50C-407E-A947-70E740481C1C}">
+                <a14:useLocalDpi xmlns:a14="http://schemas.microsoft.com/office/drawing/2010/main" val="0"/>
+              </a:ext>
+            </a:extLst>
+          </a:blip>
+          <a:stretch>
+            <a:fillRect/>
+          </a:stretch>
+        </p:blipFill>
+        <p:spPr>
+          <a:xfrm>
+            <a:off x="683568" y="1484784"/>
+            <a:ext cx="2943199" cy="1600717"/>
+          </a:xfrm>
+          <a:prstGeom prst="rect">
+            <a:avLst/>
+          </a:prstGeom>
+        </p:spPr>
+      </p:pic>
+      <p:pic>
+        <p:nvPicPr>
+          <p:cNvPr id="6" name="그림 5"/>
+          <p:cNvPicPr>
+            <a:picLocks noChangeAspect="1"/>
+          </p:cNvPicPr>
+          <p:nvPr/>
+        </p:nvPicPr>
+        <p:blipFill>
+          <a:blip r:embed="rId3" cstate="print">
+            <a:extLst>
+              <a:ext uri="{28A0092B-C50C-407E-A947-70E740481C1C}">
+                <a14:useLocalDpi xmlns:a14="http://schemas.microsoft.com/office/drawing/2010/main" val="0"/>
+              </a:ext>
+            </a:extLst>
+          </a:blip>
+          <a:stretch>
+            <a:fillRect/>
+          </a:stretch>
+        </p:blipFill>
+        <p:spPr>
+          <a:xfrm>
+            <a:off x="4716016" y="1490463"/>
+            <a:ext cx="2767129" cy="1600717"/>
+          </a:xfrm>
+          <a:prstGeom prst="rect">
+            <a:avLst/>
+          </a:prstGeom>
+        </p:spPr>
+      </p:pic>
+      <p:pic>
+        <p:nvPicPr>
+          <p:cNvPr id="7" name="그림 6"/>
+          <p:cNvPicPr>
+            <a:picLocks noChangeAspect="1"/>
+          </p:cNvPicPr>
+          <p:nvPr/>
+        </p:nvPicPr>
+        <p:blipFill>
+          <a:blip r:embed="rId4">
+            <a:extLst>
+              <a:ext uri="{28A0092B-C50C-407E-A947-70E740481C1C}">
+                <a14:useLocalDpi xmlns:a14="http://schemas.microsoft.com/office/drawing/2010/main" val="0"/>
+              </a:ext>
+            </a:extLst>
+          </a:blip>
+          <a:stretch>
+            <a:fillRect/>
+          </a:stretch>
+        </p:blipFill>
+        <p:spPr>
+          <a:xfrm>
+            <a:off x="683568" y="4149081"/>
+            <a:ext cx="2951718" cy="1696289"/>
+          </a:xfrm>
+          <a:prstGeom prst="rect">
+            <a:avLst/>
+          </a:prstGeom>
+        </p:spPr>
+      </p:pic>
+      <p:pic>
+        <p:nvPicPr>
+          <p:cNvPr id="8" name="그림 7"/>
+          <p:cNvPicPr>
+            <a:picLocks noChangeAspect="1"/>
+          </p:cNvPicPr>
+          <p:nvPr/>
+        </p:nvPicPr>
+        <p:blipFill>
+          <a:blip r:embed="rId5">
+            <a:extLst>
+              <a:ext uri="{28A0092B-C50C-407E-A947-70E740481C1C}">
+                <a14:useLocalDpi xmlns:a14="http://schemas.microsoft.com/office/drawing/2010/main" val="0"/>
+              </a:ext>
+            </a:extLst>
+          </a:blip>
+          <a:stretch>
+            <a:fillRect/>
+          </a:stretch>
+        </p:blipFill>
+        <p:spPr>
+          <a:xfrm>
+            <a:off x="4709154" y="4149081"/>
+            <a:ext cx="2784010" cy="1696287"/>
+          </a:xfrm>
+          <a:prstGeom prst="rect">
+            <a:avLst/>
+          </a:prstGeom>
+        </p:spPr>
+      </p:pic>
+      <p:sp>
+        <p:nvSpPr>
+          <p:cNvPr id="9" name="직사각형 8"/>
+          <p:cNvSpPr/>
+          <p:nvPr/>
+        </p:nvSpPr>
+        <p:spPr>
+          <a:xfrm>
+            <a:off x="692087" y="3085501"/>
+            <a:ext cx="2943199" cy="968596"/>
+          </a:xfrm>
+          <a:prstGeom prst="rect">
+            <a:avLst/>
+          </a:prstGeom>
+          <a:solidFill>
+            <a:schemeClr val="accent1"/>
+          </a:solidFill>
+          <a:ln>
+            <a:solidFill>
+              <a:schemeClr val="accent1"/>
+            </a:solidFill>
+          </a:ln>
+        </p:spPr>
+        <p:style>
+          <a:lnRef idx="2">
+            <a:schemeClr val="accent1">
+              <a:shade val="50000"/>
+            </a:schemeClr>
+          </a:lnRef>
+          <a:fillRef idx="1">
+            <a:schemeClr val="accent1"/>
+          </a:fillRef>
+          <a:effectRef idx="0">
+            <a:schemeClr val="accent1"/>
+          </a:effectRef>
+          <a:fontRef idx="minor">
+            <a:schemeClr val="lt1"/>
+          </a:fontRef>
+        </p:style>
+        <p:txBody>
+          <a:bodyPr rtlCol="0" anchor="ctr"/>
+          <a:lstStyle/>
+          <a:p>
+            <a:pPr algn="ctr"/>
+            <a:r>
+              <a:rPr lang="ko-KR" altLang="en-US" sz="1500" dirty="0" smtClean="0"/>
+              <a:t>시작점 주변의 </a:t>
+            </a:r>
+            <a:r>
+              <a:rPr lang="en-US" altLang="ko-KR" sz="1500" dirty="0" smtClean="0"/>
+              <a:t>F,G,H </a:t>
+            </a:r>
+            <a:r>
+              <a:rPr lang="ko-KR" altLang="en-US" sz="1500" dirty="0" smtClean="0"/>
+              <a:t>값 </a:t>
+            </a:r>
+            <a:r>
+              <a:rPr lang="ko-KR" altLang="en-US" sz="1500" dirty="0" smtClean="0"/>
+              <a:t>계산 후 </a:t>
+            </a:r>
+            <a:r>
+              <a:rPr lang="en-US" altLang="ko-KR" sz="1500" dirty="0" smtClean="0"/>
+              <a:t>F</a:t>
+            </a:r>
+            <a:r>
+              <a:rPr lang="ko-KR" altLang="en-US" sz="1500" dirty="0" smtClean="0"/>
+              <a:t>값이 가장 </a:t>
+            </a:r>
+            <a:r>
+              <a:rPr lang="ko-KR" altLang="en-US" sz="1500" dirty="0" err="1" smtClean="0"/>
+              <a:t>작은점을</a:t>
+            </a:r>
+            <a:r>
+              <a:rPr lang="ko-KR" altLang="en-US" sz="1500" dirty="0" smtClean="0"/>
+              <a:t> 선택한다</a:t>
+            </a:r>
+            <a:r>
+              <a:rPr lang="en-US" altLang="ko-KR" sz="1500" dirty="0" smtClean="0"/>
+              <a:t>.</a:t>
+            </a:r>
+            <a:endParaRPr lang="ko-KR" altLang="en-US" sz="1500" dirty="0"/>
+          </a:p>
+        </p:txBody>
+      </p:sp>
+      <p:sp>
+        <p:nvSpPr>
+          <p:cNvPr id="10" name="직사각형 9"/>
+          <p:cNvSpPr/>
+          <p:nvPr/>
+        </p:nvSpPr>
+        <p:spPr>
+          <a:xfrm>
+            <a:off x="4716016" y="3099256"/>
+            <a:ext cx="2767129" cy="968596"/>
+          </a:xfrm>
+          <a:prstGeom prst="rect">
+            <a:avLst/>
+          </a:prstGeom>
+          <a:ln>
+            <a:solidFill>
+              <a:schemeClr val="accent1"/>
+            </a:solidFill>
+          </a:ln>
+        </p:spPr>
+        <p:style>
+          <a:lnRef idx="2">
+            <a:schemeClr val="accent1">
+              <a:shade val="50000"/>
+            </a:schemeClr>
+          </a:lnRef>
+          <a:fillRef idx="1">
+            <a:schemeClr val="accent1"/>
+          </a:fillRef>
+          <a:effectRef idx="0">
+            <a:schemeClr val="accent1"/>
+          </a:effectRef>
+          <a:fontRef idx="minor">
+            <a:schemeClr val="lt1"/>
+          </a:fontRef>
+        </p:style>
+        <p:txBody>
+          <a:bodyPr rtlCol="0" anchor="ctr"/>
+          <a:lstStyle/>
+          <a:p>
+            <a:pPr algn="ctr"/>
+            <a:r>
+              <a:rPr lang="ko-KR" altLang="en-US" sz="1500" dirty="0" smtClean="0"/>
+              <a:t>선택된 점 주변에 더 이상 계산할 점이 없으므로 </a:t>
+            </a:r>
+            <a:r>
+              <a:rPr lang="en-US" altLang="ko-KR" sz="1500" dirty="0" smtClean="0"/>
+              <a:t>G</a:t>
+            </a:r>
+            <a:r>
+              <a:rPr lang="ko-KR" altLang="en-US" sz="1500" dirty="0" smtClean="0"/>
+              <a:t>값을 비교해 </a:t>
+            </a:r>
+            <a:r>
+              <a:rPr lang="ko-KR" altLang="en-US" sz="1500" dirty="0" err="1" smtClean="0"/>
+              <a:t>다음점을</a:t>
+            </a:r>
+            <a:r>
+              <a:rPr lang="ko-KR" altLang="en-US" sz="1500" dirty="0" smtClean="0"/>
+              <a:t> 선택하고 주변의 </a:t>
+            </a:r>
+            <a:r>
+              <a:rPr lang="en-US" altLang="ko-KR" sz="1500" dirty="0" smtClean="0"/>
+              <a:t>G,H,F</a:t>
+            </a:r>
+            <a:r>
+              <a:rPr lang="ko-KR" altLang="en-US" sz="1500" dirty="0" smtClean="0"/>
+              <a:t>값을 계산한다</a:t>
+            </a:r>
+            <a:r>
+              <a:rPr lang="en-US" altLang="ko-KR" sz="1500" dirty="0" smtClean="0"/>
+              <a:t>.</a:t>
+            </a:r>
+            <a:endParaRPr lang="ko-KR" altLang="en-US" sz="1500" dirty="0"/>
+          </a:p>
+        </p:txBody>
+      </p:sp>
+      <p:sp>
+        <p:nvSpPr>
+          <p:cNvPr id="11" name="직사각형 10"/>
+          <p:cNvSpPr/>
+          <p:nvPr/>
+        </p:nvSpPr>
+        <p:spPr>
+          <a:xfrm>
+            <a:off x="680118" y="5838450"/>
+            <a:ext cx="2951717" cy="607966"/>
+          </a:xfrm>
+          <a:prstGeom prst="rect">
+            <a:avLst/>
+          </a:prstGeom>
+          <a:ln>
+            <a:solidFill>
+              <a:schemeClr val="accent1"/>
+            </a:solidFill>
+          </a:ln>
+        </p:spPr>
+        <p:style>
+          <a:lnRef idx="2">
+            <a:schemeClr val="accent1">
+              <a:shade val="50000"/>
+            </a:schemeClr>
+          </a:lnRef>
+          <a:fillRef idx="1">
+            <a:schemeClr val="accent1"/>
+          </a:fillRef>
+          <a:effectRef idx="0">
+            <a:schemeClr val="accent1"/>
+          </a:effectRef>
+          <a:fontRef idx="minor">
+            <a:schemeClr val="lt1"/>
+          </a:fontRef>
+        </p:style>
+        <p:txBody>
+          <a:bodyPr rtlCol="0" anchor="ctr"/>
+          <a:lstStyle/>
+          <a:p>
+            <a:pPr algn="ctr"/>
+            <a:r>
+              <a:rPr lang="ko-KR" altLang="en-US" sz="1600" dirty="0" smtClean="0"/>
+              <a:t>위 과정을 도착점에 도착할 </a:t>
+            </a:r>
+            <a:r>
+              <a:rPr lang="ko-KR" altLang="en-US" sz="1600" smtClean="0"/>
+              <a:t>때까지 반복 실행한다</a:t>
+            </a:r>
+            <a:r>
+              <a:rPr lang="en-US" altLang="ko-KR" sz="1600" dirty="0" smtClean="0"/>
+              <a:t>.</a:t>
+            </a:r>
+            <a:endParaRPr lang="ko-KR" altLang="en-US" sz="1600" dirty="0"/>
+          </a:p>
+        </p:txBody>
+      </p:sp>
+      <p:sp>
+        <p:nvSpPr>
+          <p:cNvPr id="16" name="제목 1"/>
+          <p:cNvSpPr txBox="1">
+            <a:spLocks/>
+          </p:cNvSpPr>
+          <p:nvPr/>
+        </p:nvSpPr>
+        <p:spPr>
+          <a:xfrm>
+            <a:off x="467544" y="188640"/>
+            <a:ext cx="7467600" cy="648072"/>
+          </a:xfrm>
+          <a:prstGeom prst="rect">
+            <a:avLst/>
+          </a:prstGeom>
+        </p:spPr>
+        <p:txBody>
+          <a:bodyPr vert="horz" anchor="b">
+            <a:normAutofit/>
+          </a:bodyPr>
+          <a:lstStyle>
+            <a:lvl1pPr algn="l" rtl="0" eaLnBrk="1" latinLnBrk="1" hangingPunct="1">
+              <a:spcBef>
+                <a:spcPct val="0"/>
+              </a:spcBef>
+              <a:buNone/>
+              <a:defRPr kumimoji="0" sz="3000" b="0" kern="1200" cap="small" baseline="0">
+                <a:solidFill>
+                  <a:schemeClr val="tx2"/>
+                </a:solidFill>
+                <a:latin typeface="+mj-lt"/>
+                <a:ea typeface="+mj-ea"/>
+                <a:cs typeface="+mj-cs"/>
+              </a:defRPr>
+            </a:lvl1pPr>
+          </a:lstStyle>
+          <a:p>
+            <a:r>
+              <a:rPr lang="en-US" altLang="ko-KR" smtClean="0"/>
+              <a:t>2-2) A* </a:t>
+            </a:r>
+            <a:r>
+              <a:rPr lang="ko-KR" altLang="en-US" smtClean="0"/>
+              <a:t>알고리즘</a:t>
+            </a:r>
+            <a:endParaRPr lang="ko-KR" altLang="en-US" dirty="0"/>
+          </a:p>
+        </p:txBody>
+      </p:sp>
+      <p:sp>
+        <p:nvSpPr>
+          <p:cNvPr id="17" name="직사각형 16"/>
+          <p:cNvSpPr/>
+          <p:nvPr/>
+        </p:nvSpPr>
+        <p:spPr>
+          <a:xfrm>
+            <a:off x="4716016" y="5838450"/>
+            <a:ext cx="2767129" cy="607966"/>
+          </a:xfrm>
+          <a:prstGeom prst="rect">
+            <a:avLst/>
+          </a:prstGeom>
+          <a:ln>
+            <a:solidFill>
+              <a:schemeClr val="accent1"/>
+            </a:solidFill>
+          </a:ln>
+        </p:spPr>
+        <p:style>
+          <a:lnRef idx="2">
+            <a:schemeClr val="accent1">
+              <a:shade val="50000"/>
+            </a:schemeClr>
+          </a:lnRef>
+          <a:fillRef idx="1">
+            <a:schemeClr val="accent1"/>
+          </a:fillRef>
+          <a:effectRef idx="0">
+            <a:schemeClr val="accent1"/>
+          </a:effectRef>
+          <a:fontRef idx="minor">
+            <a:schemeClr val="lt1"/>
+          </a:fontRef>
+        </p:style>
+        <p:txBody>
+          <a:bodyPr rtlCol="0" anchor="ctr"/>
+          <a:lstStyle/>
+          <a:p>
+            <a:pPr algn="ctr"/>
+            <a:r>
+              <a:rPr lang="ko-KR" altLang="en-US" sz="1600"/>
+              <a:t>도착점부터 선택된 점들을 따라가며 시작점까지 경로를 생성한다</a:t>
+            </a:r>
+            <a:r>
+              <a:rPr lang="en-US" altLang="ko-KR" sz="1600"/>
+              <a:t>.</a:t>
+            </a:r>
+            <a:r>
+              <a:rPr lang="ko-KR" altLang="en-US" sz="1600"/>
+              <a:t> </a:t>
+            </a:r>
+            <a:endParaRPr lang="ko-KR" altLang="en-US" sz="1600" dirty="0"/>
+          </a:p>
+        </p:txBody>
+      </p:sp>
+      <p:sp>
+        <p:nvSpPr>
+          <p:cNvPr id="18" name="TextBox 17"/>
+          <p:cNvSpPr txBox="1"/>
+          <p:nvPr/>
+        </p:nvSpPr>
+        <p:spPr>
+          <a:xfrm>
+            <a:off x="5680744" y="509771"/>
+            <a:ext cx="2448272" cy="830997"/>
+          </a:xfrm>
+          <a:prstGeom prst="rect">
+            <a:avLst/>
+          </a:prstGeom>
+          <a:solidFill>
+            <a:schemeClr val="bg1"/>
+          </a:solidFill>
+          <a:ln w="76200">
+            <a:solidFill>
+              <a:schemeClr val="tx1"/>
+            </a:solidFill>
+            <a:prstDash val="solid"/>
+          </a:ln>
+        </p:spPr>
+        <p:txBody>
+          <a:bodyPr wrap="square" rtlCol="0">
+            <a:spAutoFit/>
+          </a:bodyPr>
+          <a:lstStyle/>
+          <a:p>
+            <a:r>
+              <a:rPr lang="en-US" altLang="ko-KR" sz="1600" dirty="0" smtClean="0"/>
+              <a:t>G : </a:t>
+            </a:r>
+            <a:r>
+              <a:rPr lang="ko-KR" altLang="en-US" sz="1600" dirty="0" smtClean="0"/>
+              <a:t>시작점 </a:t>
+            </a:r>
+            <a:r>
+              <a:rPr lang="en-US" altLang="ko-KR" sz="1600" dirty="0" smtClean="0"/>
+              <a:t>~ </a:t>
+            </a:r>
+            <a:r>
+              <a:rPr lang="ko-KR" altLang="en-US" sz="1600" dirty="0" err="1" smtClean="0"/>
+              <a:t>선택점</a:t>
+            </a:r>
+            <a:r>
+              <a:rPr lang="ko-KR" altLang="en-US" sz="1600" dirty="0" smtClean="0"/>
+              <a:t> 거리</a:t>
+            </a:r>
+            <a:endParaRPr lang="en-US" altLang="ko-KR" sz="1600" dirty="0" smtClean="0"/>
+          </a:p>
+          <a:p>
+            <a:r>
+              <a:rPr lang="en-US" altLang="ko-KR" sz="1600" dirty="0" smtClean="0"/>
+              <a:t>H : </a:t>
+            </a:r>
+            <a:r>
+              <a:rPr lang="ko-KR" altLang="en-US" sz="1600" dirty="0" err="1" smtClean="0"/>
+              <a:t>선택점</a:t>
+            </a:r>
+            <a:r>
+              <a:rPr lang="ko-KR" altLang="en-US" sz="1600" dirty="0" smtClean="0"/>
+              <a:t> </a:t>
+            </a:r>
+            <a:r>
+              <a:rPr lang="en-US" altLang="ko-KR" sz="1600" dirty="0" smtClean="0"/>
+              <a:t>~ </a:t>
+            </a:r>
+            <a:r>
+              <a:rPr lang="ko-KR" altLang="en-US" sz="1600" dirty="0" smtClean="0"/>
+              <a:t>도착점 거리</a:t>
+            </a:r>
+            <a:endParaRPr lang="en-US" altLang="ko-KR" sz="1600" dirty="0" smtClean="0"/>
+          </a:p>
+          <a:p>
+            <a:r>
+              <a:rPr lang="en-US" altLang="ko-KR" sz="1600" dirty="0" smtClean="0"/>
+              <a:t>F = G + H</a:t>
+            </a:r>
+            <a:endParaRPr lang="en-US" altLang="ko-KR" sz="1600" dirty="0" smtClean="0"/>
+          </a:p>
+        </p:txBody>
+      </p:sp>
     </p:spTree>
     <p:extLst>
       <p:ext uri="{BB962C8B-B14F-4D97-AF65-F5344CB8AC3E}">
-        <p14:creationId xmlns:p14="http://schemas.microsoft.com/office/powerpoint/2010/main" val="1458980295"/>
+        <p14:creationId xmlns:p14="http://schemas.microsoft.com/office/powerpoint/2010/main" val="2433164394"/>
       </p:ext>
     </p:extLst>
   </p:cSld>
   <p:clrMapOvr>
     <a:masterClrMapping/>
   </p:clrMapOvr>
+  <p:timing>
+    <p:tnLst>
+      <p:par>
+        <p:cTn id="1" dur="indefinite" restart="never" nodeType="tmRoot">
+          <p:childTnLst>
+            <p:seq concurrent="1" nextAc="seek">
+              <p:cTn id="2" dur="indefinite" nodeType="mainSeq">
+                <p:childTnLst>
+                  <p:par>
+                    <p:cTn id="3" fill="hold">
+                      <p:stCondLst>
+                        <p:cond delay="indefinite"/>
+                      </p:stCondLst>
+                      <p:childTnLst>
+                        <p:par>
+                          <p:cTn id="4" fill="hold">
+                            <p:stCondLst>
+                              <p:cond delay="0"/>
+                            </p:stCondLst>
+                            <p:childTnLst>
+                              <p:par>
+                                <p:cTn id="5" presetID="22" presetClass="entr" presetSubtype="4" fill="hold" nodeType="clickEffect">
+                                  <p:stCondLst>
+                                    <p:cond delay="0"/>
+                                  </p:stCondLst>
+                                  <p:childTnLst>
+                                    <p:set>
+                                      <p:cBhvr>
+                                        <p:cTn id="6" dur="1" fill="hold">
+                                          <p:stCondLst>
+                                            <p:cond delay="0"/>
+                                          </p:stCondLst>
+                                        </p:cTn>
+                                        <p:tgtEl>
+                                          <p:spTgt spid="5"/>
+                                        </p:tgtEl>
+                                        <p:attrNameLst>
+                                          <p:attrName>style.visibility</p:attrName>
+                                        </p:attrNameLst>
+                                      </p:cBhvr>
+                                      <p:to>
+                                        <p:strVal val="visible"/>
+                                      </p:to>
+                                    </p:set>
+                                    <p:animEffect transition="in" filter="wipe(down)">
+                                      <p:cBhvr>
+                                        <p:cTn id="7" dur="500"/>
+                                        <p:tgtEl>
+                                          <p:spTgt spid="5"/>
+                                        </p:tgtEl>
+                                      </p:cBhvr>
+                                    </p:animEffect>
+                                  </p:childTnLst>
+                                </p:cTn>
+                              </p:par>
+                            </p:childTnLst>
+                          </p:cTn>
+                        </p:par>
+                        <p:par>
+                          <p:cTn id="8" fill="hold">
+                            <p:stCondLst>
+                              <p:cond delay="500"/>
+                            </p:stCondLst>
+                            <p:childTnLst>
+                              <p:par>
+                                <p:cTn id="9" presetID="42" presetClass="entr" presetSubtype="0" fill="hold" grpId="0" nodeType="afterEffect">
+                                  <p:stCondLst>
+                                    <p:cond delay="0"/>
+                                  </p:stCondLst>
+                                  <p:childTnLst>
+                                    <p:set>
+                                      <p:cBhvr>
+                                        <p:cTn id="10" dur="1" fill="hold">
+                                          <p:stCondLst>
+                                            <p:cond delay="0"/>
+                                          </p:stCondLst>
+                                        </p:cTn>
+                                        <p:tgtEl>
+                                          <p:spTgt spid="9"/>
+                                        </p:tgtEl>
+                                        <p:attrNameLst>
+                                          <p:attrName>style.visibility</p:attrName>
+                                        </p:attrNameLst>
+                                      </p:cBhvr>
+                                      <p:to>
+                                        <p:strVal val="visible"/>
+                                      </p:to>
+                                    </p:set>
+                                    <p:animEffect transition="in" filter="fade">
+                                      <p:cBhvr>
+                                        <p:cTn id="11" dur="500"/>
+                                        <p:tgtEl>
+                                          <p:spTgt spid="9"/>
+                                        </p:tgtEl>
+                                      </p:cBhvr>
+                                    </p:animEffect>
+                                    <p:anim calcmode="lin" valueType="num">
+                                      <p:cBhvr>
+                                        <p:cTn id="12" dur="500" fill="hold"/>
+                                        <p:tgtEl>
+                                          <p:spTgt spid="9"/>
+                                        </p:tgtEl>
+                                        <p:attrNameLst>
+                                          <p:attrName>ppt_x</p:attrName>
+                                        </p:attrNameLst>
+                                      </p:cBhvr>
+                                      <p:tavLst>
+                                        <p:tav tm="0">
+                                          <p:val>
+                                            <p:strVal val="#ppt_x"/>
+                                          </p:val>
+                                        </p:tav>
+                                        <p:tav tm="100000">
+                                          <p:val>
+                                            <p:strVal val="#ppt_x"/>
+                                          </p:val>
+                                        </p:tav>
+                                      </p:tavLst>
+                                    </p:anim>
+                                    <p:anim calcmode="lin" valueType="num">
+                                      <p:cBhvr>
+                                        <p:cTn id="13" dur="500" fill="hold"/>
+                                        <p:tgtEl>
+                                          <p:spTgt spid="9"/>
+                                        </p:tgtEl>
+                                        <p:attrNameLst>
+                                          <p:attrName>ppt_y</p:attrName>
+                                        </p:attrNameLst>
+                                      </p:cBhvr>
+                                      <p:tavLst>
+                                        <p:tav tm="0">
+                                          <p:val>
+                                            <p:strVal val="#ppt_y+.1"/>
+                                          </p:val>
+                                        </p:tav>
+                                        <p:tav tm="100000">
+                                          <p:val>
+                                            <p:strVal val="#ppt_y"/>
+                                          </p:val>
+                                        </p:tav>
+                                      </p:tavLst>
+                                    </p:anim>
+                                  </p:childTnLst>
+                                </p:cTn>
+                              </p:par>
+                            </p:childTnLst>
+                          </p:cTn>
+                        </p:par>
+                      </p:childTnLst>
+                    </p:cTn>
+                  </p:par>
+                  <p:par>
+                    <p:cTn id="14" fill="hold">
+                      <p:stCondLst>
+                        <p:cond delay="indefinite"/>
+                      </p:stCondLst>
+                      <p:childTnLst>
+                        <p:par>
+                          <p:cTn id="15" fill="hold">
+                            <p:stCondLst>
+                              <p:cond delay="0"/>
+                            </p:stCondLst>
+                            <p:childTnLst>
+                              <p:par>
+                                <p:cTn id="16" presetID="22" presetClass="entr" presetSubtype="4" fill="hold" nodeType="clickEffect">
+                                  <p:stCondLst>
+                                    <p:cond delay="0"/>
+                                  </p:stCondLst>
+                                  <p:childTnLst>
+                                    <p:set>
+                                      <p:cBhvr>
+                                        <p:cTn id="17" dur="1" fill="hold">
+                                          <p:stCondLst>
+                                            <p:cond delay="0"/>
+                                          </p:stCondLst>
+                                        </p:cTn>
+                                        <p:tgtEl>
+                                          <p:spTgt spid="6"/>
+                                        </p:tgtEl>
+                                        <p:attrNameLst>
+                                          <p:attrName>style.visibility</p:attrName>
+                                        </p:attrNameLst>
+                                      </p:cBhvr>
+                                      <p:to>
+                                        <p:strVal val="visible"/>
+                                      </p:to>
+                                    </p:set>
+                                    <p:animEffect transition="in" filter="wipe(down)">
+                                      <p:cBhvr>
+                                        <p:cTn id="18" dur="500"/>
+                                        <p:tgtEl>
+                                          <p:spTgt spid="6"/>
+                                        </p:tgtEl>
+                                      </p:cBhvr>
+                                    </p:animEffect>
+                                  </p:childTnLst>
+                                </p:cTn>
+                              </p:par>
+                            </p:childTnLst>
+                          </p:cTn>
+                        </p:par>
+                        <p:par>
+                          <p:cTn id="19" fill="hold">
+                            <p:stCondLst>
+                              <p:cond delay="500"/>
+                            </p:stCondLst>
+                            <p:childTnLst>
+                              <p:par>
+                                <p:cTn id="20" presetID="42" presetClass="entr" presetSubtype="0" fill="hold" grpId="0" nodeType="afterEffect">
+                                  <p:stCondLst>
+                                    <p:cond delay="0"/>
+                                  </p:stCondLst>
+                                  <p:childTnLst>
+                                    <p:set>
+                                      <p:cBhvr>
+                                        <p:cTn id="21" dur="1" fill="hold">
+                                          <p:stCondLst>
+                                            <p:cond delay="0"/>
+                                          </p:stCondLst>
+                                        </p:cTn>
+                                        <p:tgtEl>
+                                          <p:spTgt spid="10"/>
+                                        </p:tgtEl>
+                                        <p:attrNameLst>
+                                          <p:attrName>style.visibility</p:attrName>
+                                        </p:attrNameLst>
+                                      </p:cBhvr>
+                                      <p:to>
+                                        <p:strVal val="visible"/>
+                                      </p:to>
+                                    </p:set>
+                                    <p:animEffect transition="in" filter="fade">
+                                      <p:cBhvr>
+                                        <p:cTn id="22" dur="500"/>
+                                        <p:tgtEl>
+                                          <p:spTgt spid="10"/>
+                                        </p:tgtEl>
+                                      </p:cBhvr>
+                                    </p:animEffect>
+                                    <p:anim calcmode="lin" valueType="num">
+                                      <p:cBhvr>
+                                        <p:cTn id="23" dur="500" fill="hold"/>
+                                        <p:tgtEl>
+                                          <p:spTgt spid="10"/>
+                                        </p:tgtEl>
+                                        <p:attrNameLst>
+                                          <p:attrName>ppt_x</p:attrName>
+                                        </p:attrNameLst>
+                                      </p:cBhvr>
+                                      <p:tavLst>
+                                        <p:tav tm="0">
+                                          <p:val>
+                                            <p:strVal val="#ppt_x"/>
+                                          </p:val>
+                                        </p:tav>
+                                        <p:tav tm="100000">
+                                          <p:val>
+                                            <p:strVal val="#ppt_x"/>
+                                          </p:val>
+                                        </p:tav>
+                                      </p:tavLst>
+                                    </p:anim>
+                                    <p:anim calcmode="lin" valueType="num">
+                                      <p:cBhvr>
+                                        <p:cTn id="24" dur="500" fill="hold"/>
+                                        <p:tgtEl>
+                                          <p:spTgt spid="10"/>
+                                        </p:tgtEl>
+                                        <p:attrNameLst>
+                                          <p:attrName>ppt_y</p:attrName>
+                                        </p:attrNameLst>
+                                      </p:cBhvr>
+                                      <p:tavLst>
+                                        <p:tav tm="0">
+                                          <p:val>
+                                            <p:strVal val="#ppt_y+.1"/>
+                                          </p:val>
+                                        </p:tav>
+                                        <p:tav tm="100000">
+                                          <p:val>
+                                            <p:strVal val="#ppt_y"/>
+                                          </p:val>
+                                        </p:tav>
+                                      </p:tavLst>
+                                    </p:anim>
+                                  </p:childTnLst>
+                                </p:cTn>
+                              </p:par>
+                            </p:childTnLst>
+                          </p:cTn>
+                        </p:par>
+                      </p:childTnLst>
+                    </p:cTn>
+                  </p:par>
+                  <p:par>
+                    <p:cTn id="25" fill="hold">
+                      <p:stCondLst>
+                        <p:cond delay="indefinite"/>
+                      </p:stCondLst>
+                      <p:childTnLst>
+                        <p:par>
+                          <p:cTn id="26" fill="hold">
+                            <p:stCondLst>
+                              <p:cond delay="0"/>
+                            </p:stCondLst>
+                            <p:childTnLst>
+                              <p:par>
+                                <p:cTn id="27" presetID="22" presetClass="entr" presetSubtype="4" fill="hold" nodeType="clickEffect">
+                                  <p:stCondLst>
+                                    <p:cond delay="0"/>
+                                  </p:stCondLst>
+                                  <p:childTnLst>
+                                    <p:set>
+                                      <p:cBhvr>
+                                        <p:cTn id="28" dur="1" fill="hold">
+                                          <p:stCondLst>
+                                            <p:cond delay="0"/>
+                                          </p:stCondLst>
+                                        </p:cTn>
+                                        <p:tgtEl>
+                                          <p:spTgt spid="7"/>
+                                        </p:tgtEl>
+                                        <p:attrNameLst>
+                                          <p:attrName>style.visibility</p:attrName>
+                                        </p:attrNameLst>
+                                      </p:cBhvr>
+                                      <p:to>
+                                        <p:strVal val="visible"/>
+                                      </p:to>
+                                    </p:set>
+                                    <p:animEffect transition="in" filter="wipe(down)">
+                                      <p:cBhvr>
+                                        <p:cTn id="29" dur="500"/>
+                                        <p:tgtEl>
+                                          <p:spTgt spid="7"/>
+                                        </p:tgtEl>
+                                      </p:cBhvr>
+                                    </p:animEffect>
+                                  </p:childTnLst>
+                                </p:cTn>
+                              </p:par>
+                            </p:childTnLst>
+                          </p:cTn>
+                        </p:par>
+                        <p:par>
+                          <p:cTn id="30" fill="hold">
+                            <p:stCondLst>
+                              <p:cond delay="500"/>
+                            </p:stCondLst>
+                            <p:childTnLst>
+                              <p:par>
+                                <p:cTn id="31" presetID="42" presetClass="entr" presetSubtype="0" fill="hold" grpId="0" nodeType="afterEffect">
+                                  <p:stCondLst>
+                                    <p:cond delay="0"/>
+                                  </p:stCondLst>
+                                  <p:childTnLst>
+                                    <p:set>
+                                      <p:cBhvr>
+                                        <p:cTn id="32" dur="1" fill="hold">
+                                          <p:stCondLst>
+                                            <p:cond delay="0"/>
+                                          </p:stCondLst>
+                                        </p:cTn>
+                                        <p:tgtEl>
+                                          <p:spTgt spid="11"/>
+                                        </p:tgtEl>
+                                        <p:attrNameLst>
+                                          <p:attrName>style.visibility</p:attrName>
+                                        </p:attrNameLst>
+                                      </p:cBhvr>
+                                      <p:to>
+                                        <p:strVal val="visible"/>
+                                      </p:to>
+                                    </p:set>
+                                    <p:animEffect transition="in" filter="fade">
+                                      <p:cBhvr>
+                                        <p:cTn id="33" dur="500"/>
+                                        <p:tgtEl>
+                                          <p:spTgt spid="11"/>
+                                        </p:tgtEl>
+                                      </p:cBhvr>
+                                    </p:animEffect>
+                                    <p:anim calcmode="lin" valueType="num">
+                                      <p:cBhvr>
+                                        <p:cTn id="34" dur="500" fill="hold"/>
+                                        <p:tgtEl>
+                                          <p:spTgt spid="11"/>
+                                        </p:tgtEl>
+                                        <p:attrNameLst>
+                                          <p:attrName>ppt_x</p:attrName>
+                                        </p:attrNameLst>
+                                      </p:cBhvr>
+                                      <p:tavLst>
+                                        <p:tav tm="0">
+                                          <p:val>
+                                            <p:strVal val="#ppt_x"/>
+                                          </p:val>
+                                        </p:tav>
+                                        <p:tav tm="100000">
+                                          <p:val>
+                                            <p:strVal val="#ppt_x"/>
+                                          </p:val>
+                                        </p:tav>
+                                      </p:tavLst>
+                                    </p:anim>
+                                    <p:anim calcmode="lin" valueType="num">
+                                      <p:cBhvr>
+                                        <p:cTn id="35" dur="500" fill="hold"/>
+                                        <p:tgtEl>
+                                          <p:spTgt spid="11"/>
+                                        </p:tgtEl>
+                                        <p:attrNameLst>
+                                          <p:attrName>ppt_y</p:attrName>
+                                        </p:attrNameLst>
+                                      </p:cBhvr>
+                                      <p:tavLst>
+                                        <p:tav tm="0">
+                                          <p:val>
+                                            <p:strVal val="#ppt_y+.1"/>
+                                          </p:val>
+                                        </p:tav>
+                                        <p:tav tm="100000">
+                                          <p:val>
+                                            <p:strVal val="#ppt_y"/>
+                                          </p:val>
+                                        </p:tav>
+                                      </p:tavLst>
+                                    </p:anim>
+                                  </p:childTnLst>
+                                </p:cTn>
+                              </p:par>
+                            </p:childTnLst>
+                          </p:cTn>
+                        </p:par>
+                      </p:childTnLst>
+                    </p:cTn>
+                  </p:par>
+                  <p:par>
+                    <p:cTn id="36" fill="hold">
+                      <p:stCondLst>
+                        <p:cond delay="indefinite"/>
+                      </p:stCondLst>
+                      <p:childTnLst>
+                        <p:par>
+                          <p:cTn id="37" fill="hold">
+                            <p:stCondLst>
+                              <p:cond delay="0"/>
+                            </p:stCondLst>
+                            <p:childTnLst>
+                              <p:par>
+                                <p:cTn id="38" presetID="22" presetClass="entr" presetSubtype="4" fill="hold" nodeType="clickEffect">
+                                  <p:stCondLst>
+                                    <p:cond delay="0"/>
+                                  </p:stCondLst>
+                                  <p:childTnLst>
+                                    <p:set>
+                                      <p:cBhvr>
+                                        <p:cTn id="39" dur="1" fill="hold">
+                                          <p:stCondLst>
+                                            <p:cond delay="0"/>
+                                          </p:stCondLst>
+                                        </p:cTn>
+                                        <p:tgtEl>
+                                          <p:spTgt spid="8"/>
+                                        </p:tgtEl>
+                                        <p:attrNameLst>
+                                          <p:attrName>style.visibility</p:attrName>
+                                        </p:attrNameLst>
+                                      </p:cBhvr>
+                                      <p:to>
+                                        <p:strVal val="visible"/>
+                                      </p:to>
+                                    </p:set>
+                                    <p:animEffect transition="in" filter="wipe(down)">
+                                      <p:cBhvr>
+                                        <p:cTn id="40" dur="500"/>
+                                        <p:tgtEl>
+                                          <p:spTgt spid="8"/>
+                                        </p:tgtEl>
+                                      </p:cBhvr>
+                                    </p:animEffect>
+                                  </p:childTnLst>
+                                </p:cTn>
+                              </p:par>
+                            </p:childTnLst>
+                          </p:cTn>
+                        </p:par>
+                        <p:par>
+                          <p:cTn id="41" fill="hold">
+                            <p:stCondLst>
+                              <p:cond delay="500"/>
+                            </p:stCondLst>
+                            <p:childTnLst>
+                              <p:par>
+                                <p:cTn id="42" presetID="42" presetClass="entr" presetSubtype="0" fill="hold" grpId="0" nodeType="afterEffect">
+                                  <p:stCondLst>
+                                    <p:cond delay="0"/>
+                                  </p:stCondLst>
+                                  <p:childTnLst>
+                                    <p:set>
+                                      <p:cBhvr>
+                                        <p:cTn id="43" dur="1" fill="hold">
+                                          <p:stCondLst>
+                                            <p:cond delay="0"/>
+                                          </p:stCondLst>
+                                        </p:cTn>
+                                        <p:tgtEl>
+                                          <p:spTgt spid="17"/>
+                                        </p:tgtEl>
+                                        <p:attrNameLst>
+                                          <p:attrName>style.visibility</p:attrName>
+                                        </p:attrNameLst>
+                                      </p:cBhvr>
+                                      <p:to>
+                                        <p:strVal val="visible"/>
+                                      </p:to>
+                                    </p:set>
+                                    <p:animEffect transition="in" filter="fade">
+                                      <p:cBhvr>
+                                        <p:cTn id="44" dur="500"/>
+                                        <p:tgtEl>
+                                          <p:spTgt spid="17"/>
+                                        </p:tgtEl>
+                                      </p:cBhvr>
+                                    </p:animEffect>
+                                    <p:anim calcmode="lin" valueType="num">
+                                      <p:cBhvr>
+                                        <p:cTn id="45" dur="500" fill="hold"/>
+                                        <p:tgtEl>
+                                          <p:spTgt spid="17"/>
+                                        </p:tgtEl>
+                                        <p:attrNameLst>
+                                          <p:attrName>ppt_x</p:attrName>
+                                        </p:attrNameLst>
+                                      </p:cBhvr>
+                                      <p:tavLst>
+                                        <p:tav tm="0">
+                                          <p:val>
+                                            <p:strVal val="#ppt_x"/>
+                                          </p:val>
+                                        </p:tav>
+                                        <p:tav tm="100000">
+                                          <p:val>
+                                            <p:strVal val="#ppt_x"/>
+                                          </p:val>
+                                        </p:tav>
+                                      </p:tavLst>
+                                    </p:anim>
+                                    <p:anim calcmode="lin" valueType="num">
+                                      <p:cBhvr>
+                                        <p:cTn id="46" dur="500" fill="hold"/>
+                                        <p:tgtEl>
+                                          <p:spTgt spid="17"/>
+                                        </p:tgtEl>
+                                        <p:attrNameLst>
+                                          <p:attrName>ppt_y</p:attrName>
+                                        </p:attrNameLst>
+                                      </p:cBhvr>
+                                      <p:tavLst>
+                                        <p:tav tm="0">
+                                          <p:val>
+                                            <p:strVal val="#ppt_y+.1"/>
+                                          </p:val>
+                                        </p:tav>
+                                        <p:tav tm="100000">
+                                          <p:val>
+                                            <p:strVal val="#ppt_y"/>
+                                          </p:val>
+                                        </p:tav>
+                                      </p:tavLst>
+                                    </p:anim>
+                                  </p:childTnLst>
+                                </p:cTn>
+                              </p:par>
+                            </p:childTnLst>
+                          </p:cTn>
+                        </p:par>
+                      </p:childTnLst>
+                    </p:cTn>
+                  </p:par>
+                </p:childTnLst>
+              </p:cTn>
+              <p:prevCondLst>
+                <p:cond evt="onPrev" delay="0">
+                  <p:tgtEl>
+                    <p:sldTgt/>
+                  </p:tgtEl>
+                </p:cond>
+              </p:prevCondLst>
+              <p:nextCondLst>
+                <p:cond evt="onNext" delay="0">
+                  <p:tgtEl>
+                    <p:sldTgt/>
+                  </p:tgtEl>
+                </p:cond>
+              </p:nextCondLst>
+            </p:seq>
+          </p:childTnLst>
+        </p:cTn>
+      </p:par>
+    </p:tnLst>
+    <p:bldLst>
+      <p:bldP spid="9" grpId="0" animBg="1"/>
+      <p:bldP spid="10" grpId="0" animBg="1"/>
+      <p:bldP spid="11" grpId="0" animBg="1"/>
+      <p:bldP spid="17" grpId="0" animBg="1"/>
+    </p:bldLst>
+  </p:timing>
 </p:sld>
 </file>
 
@@ -6462,52 +9071,81 @@
           <a:chExt cx="0" cy="0"/>
         </a:xfrm>
       </p:grpSpPr>
-      <p:sp>
-        <p:nvSpPr>
-          <p:cNvPr id="2" name="제목 1"/>
-          <p:cNvSpPr>
-            <a:spLocks noGrp="1"/>
-          </p:cNvSpPr>
-          <p:nvPr>
-            <p:ph type="title"/>
-          </p:nvPr>
-        </p:nvSpPr>
-        <p:spPr/>
-        <p:txBody>
-          <a:bodyPr/>
-          <a:lstStyle/>
-          <a:p>
-            <a:r>
-              <a:rPr lang="en-US" altLang="ko-KR" dirty="0" smtClean="0"/>
-              <a:t>UI </a:t>
-            </a:r>
-            <a:r>
-              <a:rPr lang="ko-KR" altLang="en-US" dirty="0" smtClean="0"/>
-              <a:t>사진을 이용해 작동 방법 소개</a:t>
-            </a:r>
-            <a:endParaRPr lang="ko-KR" altLang="en-US" dirty="0"/>
-          </a:p>
-        </p:txBody>
-      </p:sp>
-      <p:sp>
-        <p:nvSpPr>
-          <p:cNvPr id="3" name="내용 개체 틀 2"/>
-          <p:cNvSpPr>
-            <a:spLocks noGrp="1"/>
-          </p:cNvSpPr>
-          <p:nvPr>
-            <p:ph sz="quarter" idx="1"/>
-          </p:nvPr>
-        </p:nvSpPr>
-        <p:spPr/>
-        <p:txBody>
-          <a:bodyPr/>
-          <a:lstStyle/>
-          <a:p>
-            <a:endParaRPr lang="ko-KR" altLang="en-US" dirty="0"/>
-          </a:p>
-        </p:txBody>
-      </p:sp>
+      <p:pic>
+        <p:nvPicPr>
+          <p:cNvPr id="27" name="그림 26"/>
+          <p:cNvPicPr>
+            <a:picLocks noChangeAspect="1"/>
+          </p:cNvPicPr>
+          <p:nvPr/>
+        </p:nvPicPr>
+        <p:blipFill rotWithShape="1">
+          <a:blip r:embed="rId2"/>
+          <a:srcRect l="2187" t="1117" r="4156" b="3223"/>
+          <a:stretch/>
+        </p:blipFill>
+        <p:spPr>
+          <a:xfrm>
+            <a:off x="629866" y="1295812"/>
+            <a:ext cx="7983228" cy="4439106"/>
+          </a:xfrm>
+          <a:prstGeom prst="rect">
+            <a:avLst/>
+          </a:prstGeom>
+        </p:spPr>
+      </p:pic>
+      <p:pic>
+        <p:nvPicPr>
+          <p:cNvPr id="3" name="그림 2"/>
+          <p:cNvPicPr>
+            <a:picLocks noChangeAspect="1"/>
+          </p:cNvPicPr>
+          <p:nvPr/>
+        </p:nvPicPr>
+        <p:blipFill rotWithShape="1">
+          <a:blip r:embed="rId2"/>
+          <a:srcRect l="1962" t="976" r="45170" b="3778"/>
+          <a:stretch/>
+        </p:blipFill>
+        <p:spPr>
+          <a:xfrm>
+            <a:off x="5400388" y="1233503"/>
+            <a:ext cx="3780124" cy="3828900"/>
+          </a:xfrm>
+          <a:prstGeom prst="rect">
+            <a:avLst/>
+          </a:prstGeom>
+        </p:spPr>
+      </p:pic>
+      <p:pic>
+        <p:nvPicPr>
+          <p:cNvPr id="31" name="그림 30"/>
+          <p:cNvPicPr>
+            <a:picLocks noChangeAspect="1"/>
+          </p:cNvPicPr>
+          <p:nvPr/>
+        </p:nvPicPr>
+        <p:blipFill rotWithShape="1">
+          <a:blip r:embed="rId3">
+            <a:extLst>
+              <a:ext uri="{28A0092B-C50C-407E-A947-70E740481C1C}">
+                <a14:useLocalDpi xmlns:a14="http://schemas.microsoft.com/office/drawing/2010/main" val="0"/>
+              </a:ext>
+            </a:extLst>
+          </a:blip>
+          <a:srcRect t="9615" r="45692" b="9615"/>
+          <a:stretch/>
+        </p:blipFill>
+        <p:spPr>
+          <a:xfrm>
+            <a:off x="4572000" y="428678"/>
+            <a:ext cx="4595529" cy="6029745"/>
+          </a:xfrm>
+          <a:prstGeom prst="rect">
+            <a:avLst/>
+          </a:prstGeom>
+        </p:spPr>
+      </p:pic>
       <p:sp>
         <p:nvSpPr>
           <p:cNvPr id="4" name="슬라이드 번호 개체 틀 3"/>
@@ -6527,6 +9165,638 @@
               <a:rPr lang="ko-KR" altLang="en-US" smtClean="0"/>
               <a:t>6</a:t>
             </a:fld>
+            <a:endParaRPr lang="ko-KR" altLang="en-US"/>
+          </a:p>
+        </p:txBody>
+      </p:sp>
+      <p:grpSp>
+        <p:nvGrpSpPr>
+          <p:cNvPr id="5" name="그룹 4"/>
+          <p:cNvGrpSpPr/>
+          <p:nvPr/>
+        </p:nvGrpSpPr>
+        <p:grpSpPr>
+          <a:xfrm>
+            <a:off x="360105" y="1328505"/>
+            <a:ext cx="3685311" cy="1472041"/>
+            <a:chOff x="360105" y="731082"/>
+            <a:chExt cx="3685311" cy="1472041"/>
+          </a:xfrm>
+        </p:grpSpPr>
+        <p:sp>
+          <p:nvSpPr>
+            <p:cNvPr id="44" name="TextBox 43"/>
+            <p:cNvSpPr txBox="1"/>
+            <p:nvPr/>
+          </p:nvSpPr>
+          <p:spPr>
+            <a:xfrm>
+              <a:off x="360105" y="731082"/>
+              <a:ext cx="3685311" cy="584775"/>
+            </a:xfrm>
+            <a:prstGeom prst="rect">
+              <a:avLst/>
+            </a:prstGeom>
+            <a:noFill/>
+          </p:spPr>
+          <p:txBody>
+            <a:bodyPr wrap="square" rtlCol="0">
+              <a:spAutoFit/>
+            </a:bodyPr>
+            <a:lstStyle/>
+            <a:p>
+              <a:r>
+                <a:rPr lang="ko-KR" altLang="en-US" sz="3200" smtClean="0">
+                  <a:solidFill>
+                    <a:srgbClr val="FFFF00"/>
+                  </a:solidFill>
+                  <a:latin typeface="08서울한강체 M" panose="02020603020101020101" pitchFamily="18" charset="-127"/>
+                  <a:ea typeface="08서울한강체 M" panose="02020603020101020101" pitchFamily="18" charset="-127"/>
+                </a:rPr>
+                <a:t>유형</a:t>
+              </a:r>
+              <a:r>
+                <a:rPr lang="ko-KR" altLang="en-US" sz="3200" smtClean="0">
+                  <a:solidFill>
+                    <a:schemeClr val="bg1"/>
+                  </a:solidFill>
+                  <a:latin typeface="08서울한강체 M" panose="02020603020101020101" pitchFamily="18" charset="-127"/>
+                  <a:ea typeface="08서울한강체 M" panose="02020603020101020101" pitchFamily="18" charset="-127"/>
+                </a:rPr>
+                <a:t>별 알고리즘 선택</a:t>
+              </a:r>
+              <a:endParaRPr lang="ko-KR" altLang="en-US" sz="3200">
+                <a:solidFill>
+                  <a:schemeClr val="bg1"/>
+                </a:solidFill>
+                <a:latin typeface="08서울한강체 M" panose="02020603020101020101" pitchFamily="18" charset="-127"/>
+                <a:ea typeface="08서울한강체 M" panose="02020603020101020101" pitchFamily="18" charset="-127"/>
+              </a:endParaRPr>
+            </a:p>
+          </p:txBody>
+        </p:sp>
+        <p:sp>
+          <p:nvSpPr>
+            <p:cNvPr id="2" name="TextBox 1"/>
+            <p:cNvSpPr txBox="1"/>
+            <p:nvPr/>
+          </p:nvSpPr>
+          <p:spPr>
+            <a:xfrm>
+              <a:off x="467544" y="1556792"/>
+              <a:ext cx="2952328" cy="646331"/>
+            </a:xfrm>
+            <a:prstGeom prst="rect">
+              <a:avLst/>
+            </a:prstGeom>
+            <a:noFill/>
+          </p:spPr>
+          <p:txBody>
+            <a:bodyPr wrap="square" rtlCol="0">
+              <a:spAutoFit/>
+            </a:bodyPr>
+            <a:lstStyle/>
+            <a:p>
+              <a:r>
+                <a:rPr lang="ko-KR" altLang="en-US" smtClean="0"/>
+                <a:t>사용자는 학습하고 싶은 알고리즘을 선택할 수 있습니다</a:t>
+              </a:r>
+              <a:r>
+                <a:rPr lang="en-US" altLang="ko-KR" smtClean="0"/>
+                <a:t>.</a:t>
+              </a:r>
+              <a:endParaRPr lang="ko-KR" altLang="en-US"/>
+            </a:p>
+          </p:txBody>
+        </p:sp>
+      </p:grpSp>
+      <p:grpSp>
+        <p:nvGrpSpPr>
+          <p:cNvPr id="6" name="그룹 5"/>
+          <p:cNvGrpSpPr/>
+          <p:nvPr/>
+        </p:nvGrpSpPr>
+        <p:grpSpPr>
+          <a:xfrm>
+            <a:off x="360105" y="3932390"/>
+            <a:ext cx="3685311" cy="1650427"/>
+            <a:chOff x="360105" y="3545317"/>
+            <a:chExt cx="3685311" cy="1650427"/>
+          </a:xfrm>
+        </p:grpSpPr>
+        <p:sp>
+          <p:nvSpPr>
+            <p:cNvPr id="17" name="TextBox 16"/>
+            <p:cNvSpPr txBox="1"/>
+            <p:nvPr/>
+          </p:nvSpPr>
+          <p:spPr>
+            <a:xfrm>
+              <a:off x="360105" y="3545317"/>
+              <a:ext cx="3685311" cy="584775"/>
+            </a:xfrm>
+            <a:prstGeom prst="rect">
+              <a:avLst/>
+            </a:prstGeom>
+            <a:noFill/>
+          </p:spPr>
+          <p:txBody>
+            <a:bodyPr wrap="square" rtlCol="0">
+              <a:spAutoFit/>
+            </a:bodyPr>
+            <a:lstStyle/>
+            <a:p>
+              <a:r>
+                <a:rPr lang="ko-KR" altLang="en-US" sz="3200" smtClean="0">
+                  <a:solidFill>
+                    <a:srgbClr val="FFFF00"/>
+                  </a:solidFill>
+                  <a:latin typeface="08서울한강체 M" panose="02020603020101020101" pitchFamily="18" charset="-127"/>
+                  <a:ea typeface="08서울한강체 M" panose="02020603020101020101" pitchFamily="18" charset="-127"/>
+                </a:rPr>
+                <a:t>결과</a:t>
+              </a:r>
+              <a:r>
+                <a:rPr lang="ko-KR" altLang="en-US" sz="3200" smtClean="0">
+                  <a:solidFill>
+                    <a:schemeClr val="bg1"/>
+                  </a:solidFill>
+                  <a:latin typeface="08서울한강체 M" panose="02020603020101020101" pitchFamily="18" charset="-127"/>
+                  <a:ea typeface="08서울한강체 M" panose="02020603020101020101" pitchFamily="18" charset="-127"/>
+                </a:rPr>
+                <a:t>갱신주기 입력</a:t>
+              </a:r>
+              <a:endParaRPr lang="ko-KR" altLang="en-US" sz="3200">
+                <a:solidFill>
+                  <a:schemeClr val="bg1"/>
+                </a:solidFill>
+                <a:latin typeface="08서울한강체 M" panose="02020603020101020101" pitchFamily="18" charset="-127"/>
+                <a:ea typeface="08서울한강체 M" panose="02020603020101020101" pitchFamily="18" charset="-127"/>
+              </a:endParaRPr>
+            </a:p>
+          </p:txBody>
+        </p:sp>
+        <p:sp>
+          <p:nvSpPr>
+            <p:cNvPr id="18" name="TextBox 17"/>
+            <p:cNvSpPr txBox="1"/>
+            <p:nvPr/>
+          </p:nvSpPr>
+          <p:spPr>
+            <a:xfrm>
+              <a:off x="467544" y="4272414"/>
+              <a:ext cx="2952328" cy="923330"/>
+            </a:xfrm>
+            <a:prstGeom prst="rect">
+              <a:avLst/>
+            </a:prstGeom>
+            <a:noFill/>
+          </p:spPr>
+          <p:txBody>
+            <a:bodyPr wrap="square" rtlCol="0">
+              <a:spAutoFit/>
+            </a:bodyPr>
+            <a:lstStyle/>
+            <a:p>
+              <a:r>
+                <a:rPr lang="ko-KR" altLang="en-US" smtClean="0"/>
+                <a:t>알고리즘별로 경로를 찾기 위해 탐색하는 블럭을 입력된 시간마다 갱신합니다</a:t>
+              </a:r>
+              <a:r>
+                <a:rPr lang="en-US" altLang="ko-KR" smtClean="0"/>
+                <a:t>. </a:t>
+              </a:r>
+              <a:endParaRPr lang="ko-KR" altLang="en-US"/>
+            </a:p>
+          </p:txBody>
+        </p:sp>
+      </p:grpSp>
+      <p:sp>
+        <p:nvSpPr>
+          <p:cNvPr id="24" name="제목 1"/>
+          <p:cNvSpPr txBox="1">
+            <a:spLocks/>
+          </p:cNvSpPr>
+          <p:nvPr/>
+        </p:nvSpPr>
+        <p:spPr>
+          <a:xfrm>
+            <a:off x="467544" y="188640"/>
+            <a:ext cx="7467600" cy="648072"/>
+          </a:xfrm>
+          <a:prstGeom prst="rect">
+            <a:avLst/>
+          </a:prstGeom>
+        </p:spPr>
+        <p:txBody>
+          <a:bodyPr vert="horz" anchor="b">
+            <a:normAutofit/>
+          </a:bodyPr>
+          <a:lstStyle>
+            <a:lvl1pPr algn="l" rtl="0" eaLnBrk="1" latinLnBrk="1" hangingPunct="1">
+              <a:spcBef>
+                <a:spcPct val="0"/>
+              </a:spcBef>
+              <a:buNone/>
+              <a:defRPr kumimoji="0" sz="3000" b="0" kern="1200" cap="small" baseline="0">
+                <a:solidFill>
+                  <a:schemeClr val="tx2"/>
+                </a:solidFill>
+                <a:latin typeface="+mj-lt"/>
+                <a:ea typeface="+mj-ea"/>
+                <a:cs typeface="+mj-cs"/>
+              </a:defRPr>
+            </a:lvl1pPr>
+          </a:lstStyle>
+          <a:p>
+            <a:r>
+              <a:rPr lang="en-US" altLang="ko-KR" smtClean="0"/>
+              <a:t>3) UI </a:t>
+            </a:r>
+            <a:r>
+              <a:rPr lang="ko-KR" altLang="en-US" smtClean="0"/>
+              <a:t>소개</a:t>
+            </a:r>
+            <a:endParaRPr lang="ko-KR" altLang="en-US" dirty="0"/>
+          </a:p>
+        </p:txBody>
+      </p:sp>
+      <p:grpSp>
+        <p:nvGrpSpPr>
+          <p:cNvPr id="43" name="그룹 42"/>
+          <p:cNvGrpSpPr/>
+          <p:nvPr/>
+        </p:nvGrpSpPr>
+        <p:grpSpPr>
+          <a:xfrm>
+            <a:off x="4045417" y="1616523"/>
+            <a:ext cx="1455498" cy="834450"/>
+            <a:chOff x="3321268" y="1052737"/>
+            <a:chExt cx="2179647" cy="1249611"/>
+          </a:xfrm>
+        </p:grpSpPr>
+        <p:sp>
+          <p:nvSpPr>
+            <p:cNvPr id="40" name="자유형 39"/>
+            <p:cNvSpPr/>
+            <p:nvPr/>
+          </p:nvSpPr>
+          <p:spPr>
+            <a:xfrm>
+              <a:off x="3321268" y="1052737"/>
+              <a:ext cx="2179647" cy="1182464"/>
+            </a:xfrm>
+            <a:custGeom>
+              <a:avLst/>
+              <a:gdLst>
+                <a:gd name="connsiteX0" fmla="*/ 2801257 w 2801257"/>
+                <a:gd name="connsiteY0" fmla="*/ 754743 h 754743"/>
+                <a:gd name="connsiteX1" fmla="*/ 754743 w 2801257"/>
+                <a:gd name="connsiteY1" fmla="*/ 754743 h 754743"/>
+                <a:gd name="connsiteX2" fmla="*/ 0 w 2801257"/>
+                <a:gd name="connsiteY2" fmla="*/ 0 h 754743"/>
+              </a:gdLst>
+              <a:ahLst/>
+              <a:cxnLst>
+                <a:cxn ang="0">
+                  <a:pos x="connsiteX0" y="connsiteY0"/>
+                </a:cxn>
+                <a:cxn ang="0">
+                  <a:pos x="connsiteX1" y="connsiteY1"/>
+                </a:cxn>
+                <a:cxn ang="0">
+                  <a:pos x="connsiteX2" y="connsiteY2"/>
+                </a:cxn>
+              </a:cxnLst>
+              <a:rect l="l" t="t" r="r" b="b"/>
+              <a:pathLst>
+                <a:path w="2801257" h="754743">
+                  <a:moveTo>
+                    <a:pt x="2801257" y="754743"/>
+                  </a:moveTo>
+                  <a:lnTo>
+                    <a:pt x="754743" y="754743"/>
+                  </a:lnTo>
+                  <a:lnTo>
+                    <a:pt x="0" y="0"/>
+                  </a:lnTo>
+                </a:path>
+              </a:pathLst>
+            </a:custGeom>
+            <a:noFill/>
+            <a:ln w="38100">
+              <a:solidFill>
+                <a:schemeClr val="bg1"/>
+              </a:solidFill>
+            </a:ln>
+          </p:spPr>
+          <p:style>
+            <a:lnRef idx="2">
+              <a:schemeClr val="accent1">
+                <a:shade val="50000"/>
+              </a:schemeClr>
+            </a:lnRef>
+            <a:fillRef idx="1">
+              <a:schemeClr val="accent1"/>
+            </a:fillRef>
+            <a:effectRef idx="0">
+              <a:schemeClr val="accent1"/>
+            </a:effectRef>
+            <a:fontRef idx="minor">
+              <a:schemeClr val="lt1"/>
+            </a:fontRef>
+          </p:style>
+          <p:txBody>
+            <a:bodyPr rtlCol="0" anchor="ctr"/>
+            <a:lstStyle/>
+            <a:p>
+              <a:pPr algn="ctr"/>
+              <a:endParaRPr lang="ko-KR" altLang="en-US"/>
+            </a:p>
+          </p:txBody>
+        </p:sp>
+        <p:sp>
+          <p:nvSpPr>
+            <p:cNvPr id="41" name="타원 40"/>
+            <p:cNvSpPr/>
+            <p:nvPr/>
+          </p:nvSpPr>
+          <p:spPr>
+            <a:xfrm>
+              <a:off x="3841247" y="2168053"/>
+              <a:ext cx="134297" cy="134295"/>
+            </a:xfrm>
+            <a:prstGeom prst="ellipse">
+              <a:avLst/>
+            </a:prstGeom>
+            <a:solidFill>
+              <a:schemeClr val="bg1"/>
+            </a:solidFill>
+            <a:ln>
+              <a:solidFill>
+                <a:schemeClr val="bg1"/>
+              </a:solidFill>
+            </a:ln>
+          </p:spPr>
+          <p:style>
+            <a:lnRef idx="2">
+              <a:schemeClr val="accent1">
+                <a:shade val="50000"/>
+              </a:schemeClr>
+            </a:lnRef>
+            <a:fillRef idx="1">
+              <a:schemeClr val="accent1"/>
+            </a:fillRef>
+            <a:effectRef idx="0">
+              <a:schemeClr val="accent1"/>
+            </a:effectRef>
+            <a:fontRef idx="minor">
+              <a:schemeClr val="lt1"/>
+            </a:fontRef>
+          </p:style>
+          <p:txBody>
+            <a:bodyPr rtlCol="0" anchor="ctr"/>
+            <a:lstStyle/>
+            <a:p>
+              <a:pPr algn="ctr"/>
+              <a:endParaRPr lang="ko-KR" altLang="en-US"/>
+            </a:p>
+          </p:txBody>
+        </p:sp>
+      </p:grpSp>
+      <p:grpSp>
+        <p:nvGrpSpPr>
+          <p:cNvPr id="14" name="그룹 13"/>
+          <p:cNvGrpSpPr/>
+          <p:nvPr/>
+        </p:nvGrpSpPr>
+        <p:grpSpPr>
+          <a:xfrm flipV="1">
+            <a:off x="2709539" y="2968516"/>
+            <a:ext cx="2791376" cy="834449"/>
+            <a:chOff x="1320756" y="1052738"/>
+            <a:chExt cx="4180161" cy="1249611"/>
+          </a:xfrm>
+        </p:grpSpPr>
+        <p:sp>
+          <p:nvSpPr>
+            <p:cNvPr id="15" name="자유형 14"/>
+            <p:cNvSpPr/>
+            <p:nvPr/>
+          </p:nvSpPr>
+          <p:spPr>
+            <a:xfrm>
+              <a:off x="1320756" y="1052738"/>
+              <a:ext cx="4180161" cy="1182464"/>
+            </a:xfrm>
+            <a:custGeom>
+              <a:avLst/>
+              <a:gdLst>
+                <a:gd name="connsiteX0" fmla="*/ 2801257 w 2801257"/>
+                <a:gd name="connsiteY0" fmla="*/ 754743 h 754743"/>
+                <a:gd name="connsiteX1" fmla="*/ 754743 w 2801257"/>
+                <a:gd name="connsiteY1" fmla="*/ 754743 h 754743"/>
+                <a:gd name="connsiteX2" fmla="*/ 0 w 2801257"/>
+                <a:gd name="connsiteY2" fmla="*/ 0 h 754743"/>
+              </a:gdLst>
+              <a:ahLst/>
+              <a:cxnLst>
+                <a:cxn ang="0">
+                  <a:pos x="connsiteX0" y="connsiteY0"/>
+                </a:cxn>
+                <a:cxn ang="0">
+                  <a:pos x="connsiteX1" y="connsiteY1"/>
+                </a:cxn>
+                <a:cxn ang="0">
+                  <a:pos x="connsiteX2" y="connsiteY2"/>
+                </a:cxn>
+              </a:cxnLst>
+              <a:rect l="l" t="t" r="r" b="b"/>
+              <a:pathLst>
+                <a:path w="2801257" h="754743">
+                  <a:moveTo>
+                    <a:pt x="2801257" y="754743"/>
+                  </a:moveTo>
+                  <a:lnTo>
+                    <a:pt x="754743" y="754743"/>
+                  </a:lnTo>
+                  <a:lnTo>
+                    <a:pt x="0" y="0"/>
+                  </a:lnTo>
+                </a:path>
+              </a:pathLst>
+            </a:custGeom>
+            <a:noFill/>
+            <a:ln w="38100">
+              <a:solidFill>
+                <a:schemeClr val="bg1"/>
+              </a:solidFill>
+            </a:ln>
+          </p:spPr>
+          <p:style>
+            <a:lnRef idx="2">
+              <a:schemeClr val="accent1">
+                <a:shade val="50000"/>
+              </a:schemeClr>
+            </a:lnRef>
+            <a:fillRef idx="1">
+              <a:schemeClr val="accent1"/>
+            </a:fillRef>
+            <a:effectRef idx="0">
+              <a:schemeClr val="accent1"/>
+            </a:effectRef>
+            <a:fontRef idx="minor">
+              <a:schemeClr val="lt1"/>
+            </a:fontRef>
+          </p:style>
+          <p:txBody>
+            <a:bodyPr rtlCol="0" anchor="ctr"/>
+            <a:lstStyle/>
+            <a:p>
+              <a:pPr algn="ctr"/>
+              <a:endParaRPr lang="ko-KR" altLang="en-US"/>
+            </a:p>
+          </p:txBody>
+        </p:sp>
+        <p:sp>
+          <p:nvSpPr>
+            <p:cNvPr id="16" name="타원 15"/>
+            <p:cNvSpPr/>
+            <p:nvPr/>
+          </p:nvSpPr>
+          <p:spPr>
+            <a:xfrm>
+              <a:off x="2384499" y="2168054"/>
+              <a:ext cx="134297" cy="134295"/>
+            </a:xfrm>
+            <a:prstGeom prst="ellipse">
+              <a:avLst/>
+            </a:prstGeom>
+            <a:solidFill>
+              <a:schemeClr val="bg1"/>
+            </a:solidFill>
+            <a:ln>
+              <a:solidFill>
+                <a:schemeClr val="bg1"/>
+              </a:solidFill>
+            </a:ln>
+          </p:spPr>
+          <p:style>
+            <a:lnRef idx="2">
+              <a:schemeClr val="accent1">
+                <a:shade val="50000"/>
+              </a:schemeClr>
+            </a:lnRef>
+            <a:fillRef idx="1">
+              <a:schemeClr val="accent1"/>
+            </a:fillRef>
+            <a:effectRef idx="0">
+              <a:schemeClr val="accent1"/>
+            </a:effectRef>
+            <a:fontRef idx="minor">
+              <a:schemeClr val="lt1"/>
+            </a:fontRef>
+          </p:style>
+          <p:txBody>
+            <a:bodyPr rtlCol="0" anchor="ctr"/>
+            <a:lstStyle/>
+            <a:p>
+              <a:pPr algn="ctr"/>
+              <a:endParaRPr lang="ko-KR" altLang="en-US"/>
+            </a:p>
+          </p:txBody>
+        </p:sp>
+      </p:grpSp>
+      <p:sp>
+        <p:nvSpPr>
+          <p:cNvPr id="33" name="직사각형 32"/>
+          <p:cNvSpPr/>
+          <p:nvPr/>
+        </p:nvSpPr>
+        <p:spPr>
+          <a:xfrm>
+            <a:off x="5499745" y="1516575"/>
+            <a:ext cx="757956" cy="1003250"/>
+          </a:xfrm>
+          <a:prstGeom prst="rect">
+            <a:avLst/>
+          </a:prstGeom>
+          <a:noFill/>
+          <a:ln w="38100">
+            <a:solidFill>
+              <a:srgbClr val="FF0000"/>
+            </a:solidFill>
+            <a:prstDash val="solid"/>
+          </a:ln>
+        </p:spPr>
+        <p:style>
+          <a:lnRef idx="2">
+            <a:schemeClr val="accent1">
+              <a:shade val="50000"/>
+            </a:schemeClr>
+          </a:lnRef>
+          <a:fillRef idx="1">
+            <a:schemeClr val="accent1"/>
+          </a:fillRef>
+          <a:effectRef idx="0">
+            <a:schemeClr val="accent1"/>
+          </a:effectRef>
+          <a:fontRef idx="minor">
+            <a:schemeClr val="lt1"/>
+          </a:fontRef>
+        </p:style>
+        <p:txBody>
+          <a:bodyPr rtlCol="0" anchor="ctr"/>
+          <a:lstStyle/>
+          <a:p>
+            <a:pPr algn="ctr"/>
+            <a:endParaRPr lang="ko-KR" altLang="en-US"/>
+          </a:p>
+        </p:txBody>
+      </p:sp>
+      <p:sp>
+        <p:nvSpPr>
+          <p:cNvPr id="13" name="직사각형 12"/>
+          <p:cNvSpPr/>
+          <p:nvPr/>
+        </p:nvSpPr>
+        <p:spPr>
+          <a:xfrm>
+            <a:off x="5504868" y="2718220"/>
+            <a:ext cx="939340" cy="400677"/>
+          </a:xfrm>
+          <a:prstGeom prst="rect">
+            <a:avLst/>
+          </a:prstGeom>
+          <a:noFill/>
+          <a:ln w="38100">
+            <a:solidFill>
+              <a:srgbClr val="FF0000"/>
+            </a:solidFill>
+            <a:prstDash val="solid"/>
+          </a:ln>
+        </p:spPr>
+        <p:style>
+          <a:lnRef idx="2">
+            <a:schemeClr val="accent1">
+              <a:shade val="50000"/>
+            </a:schemeClr>
+          </a:lnRef>
+          <a:fillRef idx="1">
+            <a:schemeClr val="accent1"/>
+          </a:fillRef>
+          <a:effectRef idx="0">
+            <a:schemeClr val="accent1"/>
+          </a:effectRef>
+          <a:fontRef idx="minor">
+            <a:schemeClr val="lt1"/>
+          </a:fontRef>
+        </p:style>
+        <p:txBody>
+          <a:bodyPr rtlCol="0" anchor="ctr"/>
+          <a:lstStyle/>
+          <a:p>
+            <a:pPr algn="ctr"/>
             <a:endParaRPr lang="ko-KR" altLang="en-US"/>
           </a:p>
         </p:txBody>
@@ -6541,6 +9811,557 @@
   <p:clrMapOvr>
     <a:masterClrMapping/>
   </p:clrMapOvr>
+  <mc:AlternateContent xmlns:mc="http://schemas.openxmlformats.org/markup-compatibility/2006" xmlns:p14="http://schemas.microsoft.com/office/powerpoint/2010/main">
+    <mc:Choice Requires="p14">
+      <p:transition spd="slow" p14:dur="2000"/>
+    </mc:Choice>
+    <mc:Fallback xmlns="">
+      <p:transition spd="slow"/>
+    </mc:Fallback>
+  </mc:AlternateContent>
+  <p:timing>
+    <p:tnLst>
+      <p:par>
+        <p:cTn id="1" dur="indefinite" restart="never" nodeType="tmRoot">
+          <p:childTnLst>
+            <p:seq concurrent="1" nextAc="seek">
+              <p:cTn id="2" dur="indefinite" nodeType="mainSeq">
+                <p:childTnLst>
+                  <p:par>
+                    <p:cTn id="3" fill="hold">
+                      <p:stCondLst>
+                        <p:cond delay="indefinite"/>
+                      </p:stCondLst>
+                      <p:childTnLst>
+                        <p:par>
+                          <p:cTn id="4" fill="hold">
+                            <p:stCondLst>
+                              <p:cond delay="0"/>
+                            </p:stCondLst>
+                            <p:childTnLst>
+                              <p:par>
+                                <p:cTn id="5" presetID="10" presetClass="entr" presetSubtype="0" fill="hold" nodeType="clickEffect">
+                                  <p:stCondLst>
+                                    <p:cond delay="0"/>
+                                  </p:stCondLst>
+                                  <p:childTnLst>
+                                    <p:set>
+                                      <p:cBhvr>
+                                        <p:cTn id="6" dur="1" fill="hold">
+                                          <p:stCondLst>
+                                            <p:cond delay="0"/>
+                                          </p:stCondLst>
+                                        </p:cTn>
+                                        <p:tgtEl>
+                                          <p:spTgt spid="27"/>
+                                        </p:tgtEl>
+                                        <p:attrNameLst>
+                                          <p:attrName>style.visibility</p:attrName>
+                                        </p:attrNameLst>
+                                      </p:cBhvr>
+                                      <p:to>
+                                        <p:strVal val="visible"/>
+                                      </p:to>
+                                    </p:set>
+                                    <p:animEffect transition="in" filter="fade">
+                                      <p:cBhvr>
+                                        <p:cTn id="7" dur="500"/>
+                                        <p:tgtEl>
+                                          <p:spTgt spid="27"/>
+                                        </p:tgtEl>
+                                      </p:cBhvr>
+                                    </p:animEffect>
+                                  </p:childTnLst>
+                                </p:cTn>
+                              </p:par>
+                            </p:childTnLst>
+                          </p:cTn>
+                        </p:par>
+                      </p:childTnLst>
+                    </p:cTn>
+                  </p:par>
+                  <p:par>
+                    <p:cTn id="8" fill="hold">
+                      <p:stCondLst>
+                        <p:cond delay="indefinite"/>
+                      </p:stCondLst>
+                      <p:childTnLst>
+                        <p:par>
+                          <p:cTn id="9" fill="hold">
+                            <p:stCondLst>
+                              <p:cond delay="0"/>
+                            </p:stCondLst>
+                            <p:childTnLst>
+                              <p:par>
+                                <p:cTn id="10" presetID="31" presetClass="exit" presetSubtype="0" fill="hold" nodeType="clickEffect">
+                                  <p:stCondLst>
+                                    <p:cond delay="0"/>
+                                  </p:stCondLst>
+                                  <p:childTnLst>
+                                    <p:anim calcmode="lin" valueType="num">
+                                      <p:cBhvr>
+                                        <p:cTn id="11" dur="1000"/>
+                                        <p:tgtEl>
+                                          <p:spTgt spid="27"/>
+                                        </p:tgtEl>
+                                        <p:attrNameLst>
+                                          <p:attrName>ppt_w</p:attrName>
+                                        </p:attrNameLst>
+                                      </p:cBhvr>
+                                      <p:tavLst>
+                                        <p:tav tm="0">
+                                          <p:val>
+                                            <p:strVal val="ppt_w"/>
+                                          </p:val>
+                                        </p:tav>
+                                        <p:tav tm="100000">
+                                          <p:val>
+                                            <p:fltVal val="0"/>
+                                          </p:val>
+                                        </p:tav>
+                                      </p:tavLst>
+                                    </p:anim>
+                                    <p:anim calcmode="lin" valueType="num">
+                                      <p:cBhvr>
+                                        <p:cTn id="12" dur="1000"/>
+                                        <p:tgtEl>
+                                          <p:spTgt spid="27"/>
+                                        </p:tgtEl>
+                                        <p:attrNameLst>
+                                          <p:attrName>ppt_h</p:attrName>
+                                        </p:attrNameLst>
+                                      </p:cBhvr>
+                                      <p:tavLst>
+                                        <p:tav tm="0">
+                                          <p:val>
+                                            <p:strVal val="ppt_h"/>
+                                          </p:val>
+                                        </p:tav>
+                                        <p:tav tm="100000">
+                                          <p:val>
+                                            <p:fltVal val="0"/>
+                                          </p:val>
+                                        </p:tav>
+                                      </p:tavLst>
+                                    </p:anim>
+                                    <p:anim calcmode="lin" valueType="num">
+                                      <p:cBhvr>
+                                        <p:cTn id="13" dur="1000"/>
+                                        <p:tgtEl>
+                                          <p:spTgt spid="27"/>
+                                        </p:tgtEl>
+                                        <p:attrNameLst>
+                                          <p:attrName>style.rotation</p:attrName>
+                                        </p:attrNameLst>
+                                      </p:cBhvr>
+                                      <p:tavLst>
+                                        <p:tav tm="0">
+                                          <p:val>
+                                            <p:fltVal val="0"/>
+                                          </p:val>
+                                        </p:tav>
+                                        <p:tav tm="100000">
+                                          <p:val>
+                                            <p:fltVal val="90"/>
+                                          </p:val>
+                                        </p:tav>
+                                      </p:tavLst>
+                                    </p:anim>
+                                    <p:animEffect transition="out" filter="fade">
+                                      <p:cBhvr>
+                                        <p:cTn id="14" dur="1000"/>
+                                        <p:tgtEl>
+                                          <p:spTgt spid="27"/>
+                                        </p:tgtEl>
+                                      </p:cBhvr>
+                                    </p:animEffect>
+                                    <p:set>
+                                      <p:cBhvr>
+                                        <p:cTn id="15" dur="1" fill="hold">
+                                          <p:stCondLst>
+                                            <p:cond delay="999"/>
+                                          </p:stCondLst>
+                                        </p:cTn>
+                                        <p:tgtEl>
+                                          <p:spTgt spid="27"/>
+                                        </p:tgtEl>
+                                        <p:attrNameLst>
+                                          <p:attrName>style.visibility</p:attrName>
+                                        </p:attrNameLst>
+                                      </p:cBhvr>
+                                      <p:to>
+                                        <p:strVal val="hidden"/>
+                                      </p:to>
+                                    </p:set>
+                                  </p:childTnLst>
+                                </p:cTn>
+                              </p:par>
+                            </p:childTnLst>
+                          </p:cTn>
+                        </p:par>
+                      </p:childTnLst>
+                    </p:cTn>
+                  </p:par>
+                  <p:par>
+                    <p:cTn id="16" fill="hold">
+                      <p:stCondLst>
+                        <p:cond delay="indefinite"/>
+                      </p:stCondLst>
+                      <p:childTnLst>
+                        <p:par>
+                          <p:cTn id="17" fill="hold">
+                            <p:stCondLst>
+                              <p:cond delay="0"/>
+                            </p:stCondLst>
+                            <p:childTnLst>
+                              <p:par>
+                                <p:cTn id="18" presetID="10" presetClass="entr" presetSubtype="0" fill="hold" nodeType="clickEffect">
+                                  <p:stCondLst>
+                                    <p:cond delay="0"/>
+                                  </p:stCondLst>
+                                  <p:childTnLst>
+                                    <p:set>
+                                      <p:cBhvr>
+                                        <p:cTn id="19" dur="1" fill="hold">
+                                          <p:stCondLst>
+                                            <p:cond delay="0"/>
+                                          </p:stCondLst>
+                                        </p:cTn>
+                                        <p:tgtEl>
+                                          <p:spTgt spid="31"/>
+                                        </p:tgtEl>
+                                        <p:attrNameLst>
+                                          <p:attrName>style.visibility</p:attrName>
+                                        </p:attrNameLst>
+                                      </p:cBhvr>
+                                      <p:to>
+                                        <p:strVal val="visible"/>
+                                      </p:to>
+                                    </p:set>
+                                    <p:animEffect transition="in" filter="fade">
+                                      <p:cBhvr>
+                                        <p:cTn id="20" dur="500"/>
+                                        <p:tgtEl>
+                                          <p:spTgt spid="31"/>
+                                        </p:tgtEl>
+                                      </p:cBhvr>
+                                    </p:animEffect>
+                                  </p:childTnLst>
+                                </p:cTn>
+                              </p:par>
+                              <p:par>
+                                <p:cTn id="21" presetID="10" presetClass="entr" presetSubtype="0" fill="hold" nodeType="withEffect">
+                                  <p:stCondLst>
+                                    <p:cond delay="0"/>
+                                  </p:stCondLst>
+                                  <p:childTnLst>
+                                    <p:set>
+                                      <p:cBhvr>
+                                        <p:cTn id="22" dur="1" fill="hold">
+                                          <p:stCondLst>
+                                            <p:cond delay="0"/>
+                                          </p:stCondLst>
+                                        </p:cTn>
+                                        <p:tgtEl>
+                                          <p:spTgt spid="3"/>
+                                        </p:tgtEl>
+                                        <p:attrNameLst>
+                                          <p:attrName>style.visibility</p:attrName>
+                                        </p:attrNameLst>
+                                      </p:cBhvr>
+                                      <p:to>
+                                        <p:strVal val="visible"/>
+                                      </p:to>
+                                    </p:set>
+                                    <p:animEffect transition="in" filter="fade">
+                                      <p:cBhvr>
+                                        <p:cTn id="23" dur="500"/>
+                                        <p:tgtEl>
+                                          <p:spTgt spid="3"/>
+                                        </p:tgtEl>
+                                      </p:cBhvr>
+                                    </p:animEffect>
+                                  </p:childTnLst>
+                                </p:cTn>
+                              </p:par>
+                            </p:childTnLst>
+                          </p:cTn>
+                        </p:par>
+                      </p:childTnLst>
+                    </p:cTn>
+                  </p:par>
+                  <p:par>
+                    <p:cTn id="24" fill="hold">
+                      <p:stCondLst>
+                        <p:cond delay="indefinite"/>
+                      </p:stCondLst>
+                      <p:childTnLst>
+                        <p:par>
+                          <p:cTn id="25" fill="hold">
+                            <p:stCondLst>
+                              <p:cond delay="0"/>
+                            </p:stCondLst>
+                            <p:childTnLst>
+                              <p:par>
+                                <p:cTn id="26" presetID="10" presetClass="entr" presetSubtype="0" fill="hold" grpId="0" nodeType="clickEffect">
+                                  <p:stCondLst>
+                                    <p:cond delay="0"/>
+                                  </p:stCondLst>
+                                  <p:childTnLst>
+                                    <p:set>
+                                      <p:cBhvr>
+                                        <p:cTn id="27" dur="1" fill="hold">
+                                          <p:stCondLst>
+                                            <p:cond delay="0"/>
+                                          </p:stCondLst>
+                                        </p:cTn>
+                                        <p:tgtEl>
+                                          <p:spTgt spid="33"/>
+                                        </p:tgtEl>
+                                        <p:attrNameLst>
+                                          <p:attrName>style.visibility</p:attrName>
+                                        </p:attrNameLst>
+                                      </p:cBhvr>
+                                      <p:to>
+                                        <p:strVal val="visible"/>
+                                      </p:to>
+                                    </p:set>
+                                    <p:animEffect transition="in" filter="fade">
+                                      <p:cBhvr>
+                                        <p:cTn id="28" dur="500"/>
+                                        <p:tgtEl>
+                                          <p:spTgt spid="33"/>
+                                        </p:tgtEl>
+                                      </p:cBhvr>
+                                    </p:animEffect>
+                                  </p:childTnLst>
+                                </p:cTn>
+                              </p:par>
+                              <p:par>
+                                <p:cTn id="29" presetID="10" presetClass="entr" presetSubtype="0" fill="hold" nodeType="withEffect">
+                                  <p:stCondLst>
+                                    <p:cond delay="0"/>
+                                  </p:stCondLst>
+                                  <p:childTnLst>
+                                    <p:set>
+                                      <p:cBhvr>
+                                        <p:cTn id="30" dur="1" fill="hold">
+                                          <p:stCondLst>
+                                            <p:cond delay="0"/>
+                                          </p:stCondLst>
+                                        </p:cTn>
+                                        <p:tgtEl>
+                                          <p:spTgt spid="43"/>
+                                        </p:tgtEl>
+                                        <p:attrNameLst>
+                                          <p:attrName>style.visibility</p:attrName>
+                                        </p:attrNameLst>
+                                      </p:cBhvr>
+                                      <p:to>
+                                        <p:strVal val="visible"/>
+                                      </p:to>
+                                    </p:set>
+                                    <p:animEffect transition="in" filter="fade">
+                                      <p:cBhvr>
+                                        <p:cTn id="31" dur="500"/>
+                                        <p:tgtEl>
+                                          <p:spTgt spid="43"/>
+                                        </p:tgtEl>
+                                      </p:cBhvr>
+                                    </p:animEffect>
+                                  </p:childTnLst>
+                                </p:cTn>
+                              </p:par>
+                              <p:par>
+                                <p:cTn id="32" presetID="10" presetClass="entr" presetSubtype="0" fill="hold" nodeType="withEffect">
+                                  <p:stCondLst>
+                                    <p:cond delay="0"/>
+                                  </p:stCondLst>
+                                  <p:childTnLst>
+                                    <p:set>
+                                      <p:cBhvr>
+                                        <p:cTn id="33" dur="1" fill="hold">
+                                          <p:stCondLst>
+                                            <p:cond delay="0"/>
+                                          </p:stCondLst>
+                                        </p:cTn>
+                                        <p:tgtEl>
+                                          <p:spTgt spid="5"/>
+                                        </p:tgtEl>
+                                        <p:attrNameLst>
+                                          <p:attrName>style.visibility</p:attrName>
+                                        </p:attrNameLst>
+                                      </p:cBhvr>
+                                      <p:to>
+                                        <p:strVal val="visible"/>
+                                      </p:to>
+                                    </p:set>
+                                    <p:animEffect transition="in" filter="fade">
+                                      <p:cBhvr>
+                                        <p:cTn id="34" dur="500"/>
+                                        <p:tgtEl>
+                                          <p:spTgt spid="5"/>
+                                        </p:tgtEl>
+                                      </p:cBhvr>
+                                    </p:animEffect>
+                                  </p:childTnLst>
+                                </p:cTn>
+                              </p:par>
+                            </p:childTnLst>
+                          </p:cTn>
+                        </p:par>
+                      </p:childTnLst>
+                    </p:cTn>
+                  </p:par>
+                  <p:par>
+                    <p:cTn id="35" fill="hold">
+                      <p:stCondLst>
+                        <p:cond delay="indefinite"/>
+                      </p:stCondLst>
+                      <p:childTnLst>
+                        <p:par>
+                          <p:cTn id="36" fill="hold">
+                            <p:stCondLst>
+                              <p:cond delay="0"/>
+                            </p:stCondLst>
+                            <p:childTnLst>
+                              <p:par>
+                                <p:cTn id="37" presetID="10" presetClass="entr" presetSubtype="0" fill="hold" grpId="0" nodeType="clickEffect">
+                                  <p:stCondLst>
+                                    <p:cond delay="0"/>
+                                  </p:stCondLst>
+                                  <p:childTnLst>
+                                    <p:set>
+                                      <p:cBhvr>
+                                        <p:cTn id="38" dur="1" fill="hold">
+                                          <p:stCondLst>
+                                            <p:cond delay="0"/>
+                                          </p:stCondLst>
+                                        </p:cTn>
+                                        <p:tgtEl>
+                                          <p:spTgt spid="13"/>
+                                        </p:tgtEl>
+                                        <p:attrNameLst>
+                                          <p:attrName>style.visibility</p:attrName>
+                                        </p:attrNameLst>
+                                      </p:cBhvr>
+                                      <p:to>
+                                        <p:strVal val="visible"/>
+                                      </p:to>
+                                    </p:set>
+                                    <p:animEffect transition="in" filter="fade">
+                                      <p:cBhvr>
+                                        <p:cTn id="39" dur="500"/>
+                                        <p:tgtEl>
+                                          <p:spTgt spid="13"/>
+                                        </p:tgtEl>
+                                      </p:cBhvr>
+                                    </p:animEffect>
+                                  </p:childTnLst>
+                                </p:cTn>
+                              </p:par>
+                              <p:par>
+                                <p:cTn id="40" presetID="10" presetClass="entr" presetSubtype="0" fill="hold" nodeType="withEffect">
+                                  <p:stCondLst>
+                                    <p:cond delay="0"/>
+                                  </p:stCondLst>
+                                  <p:childTnLst>
+                                    <p:set>
+                                      <p:cBhvr>
+                                        <p:cTn id="41" dur="1" fill="hold">
+                                          <p:stCondLst>
+                                            <p:cond delay="0"/>
+                                          </p:stCondLst>
+                                        </p:cTn>
+                                        <p:tgtEl>
+                                          <p:spTgt spid="14"/>
+                                        </p:tgtEl>
+                                        <p:attrNameLst>
+                                          <p:attrName>style.visibility</p:attrName>
+                                        </p:attrNameLst>
+                                      </p:cBhvr>
+                                      <p:to>
+                                        <p:strVal val="visible"/>
+                                      </p:to>
+                                    </p:set>
+                                    <p:animEffect transition="in" filter="fade">
+                                      <p:cBhvr>
+                                        <p:cTn id="42" dur="500"/>
+                                        <p:tgtEl>
+                                          <p:spTgt spid="14"/>
+                                        </p:tgtEl>
+                                      </p:cBhvr>
+                                    </p:animEffect>
+                                  </p:childTnLst>
+                                </p:cTn>
+                              </p:par>
+                              <p:par>
+                                <p:cTn id="43" presetID="10" presetClass="entr" presetSubtype="0" fill="hold" nodeType="withEffect">
+                                  <p:stCondLst>
+                                    <p:cond delay="0"/>
+                                  </p:stCondLst>
+                                  <p:childTnLst>
+                                    <p:set>
+                                      <p:cBhvr>
+                                        <p:cTn id="44" dur="1" fill="hold">
+                                          <p:stCondLst>
+                                            <p:cond delay="0"/>
+                                          </p:stCondLst>
+                                        </p:cTn>
+                                        <p:tgtEl>
+                                          <p:spTgt spid="6"/>
+                                        </p:tgtEl>
+                                        <p:attrNameLst>
+                                          <p:attrName>style.visibility</p:attrName>
+                                        </p:attrNameLst>
+                                      </p:cBhvr>
+                                      <p:to>
+                                        <p:strVal val="visible"/>
+                                      </p:to>
+                                    </p:set>
+                                    <p:animEffect transition="in" filter="fade">
+                                      <p:cBhvr>
+                                        <p:cTn id="45" dur="500"/>
+                                        <p:tgtEl>
+                                          <p:spTgt spid="6"/>
+                                        </p:tgtEl>
+                                      </p:cBhvr>
+                                    </p:animEffect>
+                                  </p:childTnLst>
+                                </p:cTn>
+                              </p:par>
+                            </p:childTnLst>
+                          </p:cTn>
+                        </p:par>
+                      </p:childTnLst>
+                    </p:cTn>
+                  </p:par>
+                </p:childTnLst>
+              </p:cTn>
+              <p:prevCondLst>
+                <p:cond evt="onPrev" delay="0">
+                  <p:tgtEl>
+                    <p:sldTgt/>
+                  </p:tgtEl>
+                </p:cond>
+              </p:prevCondLst>
+              <p:nextCondLst>
+                <p:cond evt="onNext" delay="0">
+                  <p:tgtEl>
+                    <p:sldTgt/>
+                  </p:tgtEl>
+                </p:cond>
+              </p:nextCondLst>
+            </p:seq>
+          </p:childTnLst>
+        </p:cTn>
+      </p:par>
+    </p:tnLst>
+    <p:bldLst>
+      <p:bldP spid="33" grpId="0" animBg="1"/>
+      <p:bldP spid="13" grpId="0" animBg="1"/>
+    </p:bldLst>
+  </p:timing>
 </p:sld>
 </file>
 
@@ -6563,97 +10384,6 @@
       </p:grpSpPr>
       <p:sp>
         <p:nvSpPr>
-          <p:cNvPr id="2" name="제목 1"/>
-          <p:cNvSpPr>
-            <a:spLocks noGrp="1"/>
-          </p:cNvSpPr>
-          <p:nvPr>
-            <p:ph type="title"/>
-          </p:nvPr>
-        </p:nvSpPr>
-        <p:spPr/>
-        <p:txBody>
-          <a:bodyPr/>
-          <a:lstStyle/>
-          <a:p>
-            <a:endParaRPr lang="ko-KR" altLang="en-US" dirty="0"/>
-          </a:p>
-        </p:txBody>
-      </p:sp>
-      <p:sp>
-        <p:nvSpPr>
-          <p:cNvPr id="3" name="내용 개체 틀 2"/>
-          <p:cNvSpPr>
-            <a:spLocks noGrp="1"/>
-          </p:cNvSpPr>
-          <p:nvPr>
-            <p:ph sz="quarter" idx="1"/>
-          </p:nvPr>
-        </p:nvSpPr>
-        <p:spPr/>
-        <p:txBody>
-          <a:bodyPr/>
-          <a:lstStyle/>
-          <a:p>
-            <a:r>
-              <a:rPr lang="en-US" altLang="ko-KR" dirty="0" smtClean="0"/>
-              <a:t>Map </a:t>
-            </a:r>
-            <a:r>
-              <a:rPr lang="en-US" altLang="ko-KR" dirty="0" err="1" smtClean="0"/>
-              <a:t>Struct</a:t>
-            </a:r>
-            <a:endParaRPr lang="en-US" altLang="ko-KR" dirty="0" smtClean="0"/>
-          </a:p>
-          <a:p>
-            <a:r>
-              <a:rPr lang="en-US" altLang="ko-KR" dirty="0" err="1" smtClean="0"/>
-              <a:t>Dijkstra</a:t>
-            </a:r>
-            <a:endParaRPr lang="en-US" altLang="ko-KR" dirty="0" smtClean="0"/>
-          </a:p>
-          <a:p>
-            <a:r>
-              <a:rPr lang="ko-KR" altLang="en-US" dirty="0" err="1" smtClean="0"/>
-              <a:t>그리드</a:t>
-            </a:r>
-            <a:r>
-              <a:rPr lang="ko-KR" altLang="en-US" dirty="0" smtClean="0"/>
-              <a:t> </a:t>
-            </a:r>
-            <a:r>
-              <a:rPr lang="ko-KR" altLang="en-US" dirty="0" err="1" smtClean="0"/>
-              <a:t>맵</a:t>
-            </a:r>
-            <a:r>
-              <a:rPr lang="ko-KR" altLang="en-US" dirty="0" smtClean="0"/>
-              <a:t> 그리기</a:t>
-            </a:r>
-            <a:endParaRPr lang="en-US" altLang="ko-KR" dirty="0" smtClean="0"/>
-          </a:p>
-          <a:p>
-            <a:r>
-              <a:rPr lang="en-US" altLang="ko-KR" dirty="0" smtClean="0"/>
-              <a:t>UWP</a:t>
-            </a:r>
-            <a:r>
-              <a:rPr lang="ko-KR" altLang="en-US" dirty="0" smtClean="0"/>
-              <a:t>를 이용한 </a:t>
-            </a:r>
-            <a:r>
-              <a:rPr lang="en-US" altLang="ko-KR" dirty="0" smtClean="0"/>
-              <a:t>UI </a:t>
-            </a:r>
-            <a:r>
-              <a:rPr lang="ko-KR" altLang="en-US" dirty="0" smtClean="0"/>
-              <a:t>설계</a:t>
-            </a:r>
-            <a:endParaRPr lang="en-US" altLang="ko-KR" dirty="0" smtClean="0"/>
-          </a:p>
-        </p:txBody>
-      </p:sp>
-      <p:sp>
-        <p:nvSpPr>
           <p:cNvPr id="4" name="슬라이드 번호 개체 틀 3"/>
           <p:cNvSpPr>
             <a:spLocks noGrp="1"/>
@@ -6672,6 +10402,377 @@
               <a:t>7</a:t>
             </a:fld>
             <a:endParaRPr lang="ko-KR" altLang="en-US"/>
+          </a:p>
+        </p:txBody>
+      </p:sp>
+      <p:sp>
+        <p:nvSpPr>
+          <p:cNvPr id="12" name="TextBox 11"/>
+          <p:cNvSpPr txBox="1"/>
+          <p:nvPr/>
+        </p:nvSpPr>
+        <p:spPr>
+          <a:xfrm>
+            <a:off x="5641846" y="1767339"/>
+            <a:ext cx="3685311" cy="584775"/>
+          </a:xfrm>
+          <a:prstGeom prst="rect">
+            <a:avLst/>
+          </a:prstGeom>
+          <a:noFill/>
+        </p:spPr>
+        <p:txBody>
+          <a:bodyPr wrap="square" rtlCol="0">
+            <a:spAutoFit/>
+          </a:bodyPr>
+          <a:lstStyle/>
+          <a:p>
+            <a:r>
+              <a:rPr lang="ko-KR" altLang="en-US" sz="3200" smtClean="0">
+                <a:solidFill>
+                  <a:srgbClr val="FFFF00"/>
+                </a:solidFill>
+                <a:latin typeface="08서울한강체 M" panose="02020603020101020101" pitchFamily="18" charset="-127"/>
+                <a:ea typeface="08서울한강체 M" panose="02020603020101020101" pitchFamily="18" charset="-127"/>
+              </a:rPr>
+              <a:t>결과 </a:t>
+            </a:r>
+            <a:r>
+              <a:rPr lang="ko-KR" altLang="en-US" sz="3200" smtClean="0">
+                <a:solidFill>
+                  <a:schemeClr val="bg1"/>
+                </a:solidFill>
+                <a:latin typeface="08서울한강체 M" panose="02020603020101020101" pitchFamily="18" charset="-127"/>
+                <a:ea typeface="08서울한강체 M" panose="02020603020101020101" pitchFamily="18" charset="-127"/>
+              </a:rPr>
+              <a:t>확인 </a:t>
+            </a:r>
+            <a:endParaRPr lang="ko-KR" altLang="en-US" sz="3200">
+              <a:solidFill>
+                <a:schemeClr val="bg1"/>
+              </a:solidFill>
+              <a:latin typeface="08서울한강체 M" panose="02020603020101020101" pitchFamily="18" charset="-127"/>
+              <a:ea typeface="08서울한강체 M" panose="02020603020101020101" pitchFamily="18" charset="-127"/>
+            </a:endParaRPr>
+          </a:p>
+        </p:txBody>
+      </p:sp>
+      <p:sp>
+        <p:nvSpPr>
+          <p:cNvPr id="13" name="TextBox 12"/>
+          <p:cNvSpPr txBox="1"/>
+          <p:nvPr/>
+        </p:nvSpPr>
+        <p:spPr>
+          <a:xfrm>
+            <a:off x="5641846" y="2432511"/>
+            <a:ext cx="2952328" cy="1754326"/>
+          </a:xfrm>
+          <a:prstGeom prst="rect">
+            <a:avLst/>
+          </a:prstGeom>
+          <a:noFill/>
+        </p:spPr>
+        <p:txBody>
+          <a:bodyPr wrap="square" rtlCol="0">
+            <a:spAutoFit/>
+          </a:bodyPr>
+          <a:lstStyle/>
+          <a:p>
+            <a:r>
+              <a:rPr lang="ko-KR" altLang="en-US" smtClean="0"/>
+              <a:t>결과 확인 방법</a:t>
+            </a:r>
+            <a:r>
+              <a:rPr lang="en-US" altLang="ko-KR" smtClean="0"/>
+              <a:t>, </a:t>
+            </a:r>
+            <a:r>
+              <a:rPr lang="ko-KR" altLang="en-US" smtClean="0"/>
+              <a:t>선택한 알고리즘 등 사용자의 세팅에 따라 탐색 결과를 보여줍니다</a:t>
+            </a:r>
+            <a:r>
+              <a:rPr lang="en-US" altLang="ko-KR" smtClean="0"/>
+              <a:t>. </a:t>
+            </a:r>
+            <a:r>
+              <a:rPr lang="ko-KR" altLang="en-US" smtClean="0"/>
+              <a:t>탐색 도중 </a:t>
+            </a:r>
+            <a:r>
+              <a:rPr lang="en-US" altLang="ko-KR" smtClean="0"/>
+              <a:t>Finish</a:t>
+            </a:r>
+            <a:r>
+              <a:rPr lang="ko-KR" altLang="en-US" smtClean="0"/>
+              <a:t>블럭에 도착하게 되면 탐색을 중단하고 최단경로를 보여줍니다</a:t>
+            </a:r>
+            <a:r>
+              <a:rPr lang="en-US" altLang="ko-KR" smtClean="0"/>
+              <a:t>.</a:t>
+            </a:r>
+            <a:endParaRPr lang="ko-KR" altLang="en-US"/>
+          </a:p>
+        </p:txBody>
+      </p:sp>
+      <p:grpSp>
+        <p:nvGrpSpPr>
+          <p:cNvPr id="15" name="그룹 14"/>
+          <p:cNvGrpSpPr/>
+          <p:nvPr/>
+        </p:nvGrpSpPr>
+        <p:grpSpPr>
+          <a:xfrm>
+            <a:off x="-13544" y="428677"/>
+            <a:ext cx="3630783" cy="6029746"/>
+            <a:chOff x="-596" y="428678"/>
+            <a:chExt cx="3630783" cy="6029746"/>
+          </a:xfrm>
+        </p:grpSpPr>
+        <p:pic>
+          <p:nvPicPr>
+            <p:cNvPr id="16" name="그림 15"/>
+            <p:cNvPicPr>
+              <a:picLocks noChangeAspect="1"/>
+            </p:cNvPicPr>
+            <p:nvPr/>
+          </p:nvPicPr>
+          <p:blipFill rotWithShape="1">
+            <a:blip r:embed="rId2">
+              <a:extLst>
+                <a:ext uri="{28A0092B-C50C-407E-A947-70E740481C1C}">
+                  <a14:useLocalDpi xmlns:a14="http://schemas.microsoft.com/office/drawing/2010/main" val="0"/>
+                </a:ext>
+              </a:extLst>
+            </a:blip>
+            <a:srcRect l="54955" t="9615" b="9615"/>
+            <a:stretch/>
+          </p:blipFill>
+          <p:spPr>
+            <a:xfrm>
+              <a:off x="0" y="428678"/>
+              <a:ext cx="3630187" cy="6029746"/>
+            </a:xfrm>
+            <a:prstGeom prst="rect">
+              <a:avLst/>
+            </a:prstGeom>
+          </p:spPr>
+        </p:pic>
+        <p:pic>
+          <p:nvPicPr>
+            <p:cNvPr id="17" name="그림 16"/>
+            <p:cNvPicPr>
+              <a:picLocks noChangeAspect="1"/>
+            </p:cNvPicPr>
+            <p:nvPr/>
+          </p:nvPicPr>
+          <p:blipFill rotWithShape="1">
+            <a:blip r:embed="rId3"/>
+            <a:srcRect l="54830" t="976" r="4326" b="3778"/>
+            <a:stretch/>
+          </p:blipFill>
+          <p:spPr>
+            <a:xfrm>
+              <a:off x="-596" y="1233502"/>
+              <a:ext cx="2920450" cy="3707667"/>
+            </a:xfrm>
+            <a:prstGeom prst="rect">
+              <a:avLst/>
+            </a:prstGeom>
+          </p:spPr>
+        </p:pic>
+      </p:grpSp>
+      <p:grpSp>
+        <p:nvGrpSpPr>
+          <p:cNvPr id="6" name="그룹 5"/>
+          <p:cNvGrpSpPr/>
+          <p:nvPr/>
+        </p:nvGrpSpPr>
+        <p:grpSpPr>
+          <a:xfrm flipV="1">
+            <a:off x="2699792" y="2059727"/>
+            <a:ext cx="2791376" cy="834449"/>
+            <a:chOff x="1320756" y="1052738"/>
+            <a:chExt cx="4180161" cy="1249611"/>
+          </a:xfrm>
+        </p:grpSpPr>
+        <p:sp>
+          <p:nvSpPr>
+            <p:cNvPr id="7" name="자유형 6"/>
+            <p:cNvSpPr/>
+            <p:nvPr/>
+          </p:nvSpPr>
+          <p:spPr>
+            <a:xfrm>
+              <a:off x="1320756" y="1052738"/>
+              <a:ext cx="4180161" cy="1182464"/>
+            </a:xfrm>
+            <a:custGeom>
+              <a:avLst/>
+              <a:gdLst>
+                <a:gd name="connsiteX0" fmla="*/ 2801257 w 2801257"/>
+                <a:gd name="connsiteY0" fmla="*/ 754743 h 754743"/>
+                <a:gd name="connsiteX1" fmla="*/ 754743 w 2801257"/>
+                <a:gd name="connsiteY1" fmla="*/ 754743 h 754743"/>
+                <a:gd name="connsiteX2" fmla="*/ 0 w 2801257"/>
+                <a:gd name="connsiteY2" fmla="*/ 0 h 754743"/>
+              </a:gdLst>
+              <a:ahLst/>
+              <a:cxnLst>
+                <a:cxn ang="0">
+                  <a:pos x="connsiteX0" y="connsiteY0"/>
+                </a:cxn>
+                <a:cxn ang="0">
+                  <a:pos x="connsiteX1" y="connsiteY1"/>
+                </a:cxn>
+                <a:cxn ang="0">
+                  <a:pos x="connsiteX2" y="connsiteY2"/>
+                </a:cxn>
+              </a:cxnLst>
+              <a:rect l="l" t="t" r="r" b="b"/>
+              <a:pathLst>
+                <a:path w="2801257" h="754743">
+                  <a:moveTo>
+                    <a:pt x="2801257" y="754743"/>
+                  </a:moveTo>
+                  <a:lnTo>
+                    <a:pt x="754743" y="754743"/>
+                  </a:lnTo>
+                  <a:lnTo>
+                    <a:pt x="0" y="0"/>
+                  </a:lnTo>
+                </a:path>
+              </a:pathLst>
+            </a:custGeom>
+            <a:noFill/>
+            <a:ln w="38100">
+              <a:solidFill>
+                <a:schemeClr val="bg1"/>
+              </a:solidFill>
+            </a:ln>
+          </p:spPr>
+          <p:style>
+            <a:lnRef idx="2">
+              <a:schemeClr val="accent1">
+                <a:shade val="50000"/>
+              </a:schemeClr>
+            </a:lnRef>
+            <a:fillRef idx="1">
+              <a:schemeClr val="accent1"/>
+            </a:fillRef>
+            <a:effectRef idx="0">
+              <a:schemeClr val="accent1"/>
+            </a:effectRef>
+            <a:fontRef idx="minor">
+              <a:schemeClr val="lt1"/>
+            </a:fontRef>
+          </p:style>
+          <p:txBody>
+            <a:bodyPr rtlCol="0" anchor="ctr"/>
+            <a:lstStyle/>
+            <a:p>
+              <a:pPr algn="ctr"/>
+              <a:endParaRPr lang="ko-KR" altLang="en-US"/>
+            </a:p>
+          </p:txBody>
+        </p:sp>
+        <p:sp>
+          <p:nvSpPr>
+            <p:cNvPr id="11" name="타원 10"/>
+            <p:cNvSpPr/>
+            <p:nvPr/>
+          </p:nvSpPr>
+          <p:spPr>
+            <a:xfrm>
+              <a:off x="2384499" y="2168054"/>
+              <a:ext cx="134297" cy="134295"/>
+            </a:xfrm>
+            <a:prstGeom prst="ellipse">
+              <a:avLst/>
+            </a:prstGeom>
+            <a:solidFill>
+              <a:schemeClr val="bg1"/>
+            </a:solidFill>
+            <a:ln>
+              <a:solidFill>
+                <a:schemeClr val="bg1"/>
+              </a:solidFill>
+            </a:ln>
+          </p:spPr>
+          <p:style>
+            <a:lnRef idx="2">
+              <a:schemeClr val="accent1">
+                <a:shade val="50000"/>
+              </a:schemeClr>
+            </a:lnRef>
+            <a:fillRef idx="1">
+              <a:schemeClr val="accent1"/>
+            </a:fillRef>
+            <a:effectRef idx="0">
+              <a:schemeClr val="accent1"/>
+            </a:effectRef>
+            <a:fontRef idx="minor">
+              <a:schemeClr val="lt1"/>
+            </a:fontRef>
+          </p:style>
+          <p:txBody>
+            <a:bodyPr rtlCol="0" anchor="ctr"/>
+            <a:lstStyle/>
+            <a:p>
+              <a:pPr algn="ctr"/>
+              <a:endParaRPr lang="ko-KR" altLang="en-US"/>
+            </a:p>
+          </p:txBody>
+        </p:sp>
+      </p:grpSp>
+      <p:sp>
+        <p:nvSpPr>
+          <p:cNvPr id="18" name="제목 1"/>
+          <p:cNvSpPr txBox="1">
+            <a:spLocks/>
+          </p:cNvSpPr>
+          <p:nvPr/>
+        </p:nvSpPr>
+        <p:spPr>
+          <a:xfrm>
+            <a:off x="467544" y="188640"/>
+            <a:ext cx="7467600" cy="648072"/>
+          </a:xfrm>
+          <a:prstGeom prst="rect">
+            <a:avLst/>
+          </a:prstGeom>
+        </p:spPr>
+        <p:txBody>
+          <a:bodyPr vert="horz" anchor="b">
+            <a:normAutofit/>
+          </a:bodyPr>
+          <a:lstStyle>
+            <a:lvl1pPr algn="l" rtl="0" eaLnBrk="1" latinLnBrk="1" hangingPunct="1">
+              <a:spcBef>
+                <a:spcPct val="0"/>
+              </a:spcBef>
+              <a:buNone/>
+              <a:defRPr kumimoji="0" sz="3000" b="0" kern="1200" cap="small" baseline="0">
+                <a:solidFill>
+                  <a:schemeClr val="tx2"/>
+                </a:solidFill>
+                <a:latin typeface="+mj-lt"/>
+                <a:ea typeface="+mj-ea"/>
+                <a:cs typeface="+mj-cs"/>
+              </a:defRPr>
+            </a:lvl1pPr>
+          </a:lstStyle>
+          <a:p>
+            <a:pPr algn="r"/>
+            <a:r>
+              <a:rPr lang="en-US" altLang="ko-KR" smtClean="0"/>
+              <a:t>3) UI </a:t>
+            </a:r>
+            <a:r>
+              <a:rPr lang="ko-KR" altLang="en-US" smtClean="0"/>
+              <a:t>소개</a:t>
+            </a:r>
+            <a:endParaRPr lang="ko-KR" altLang="en-US" dirty="0"/>
           </a:p>
         </p:txBody>
       </p:sp>
@@ -6685,6 +10786,166 @@
   <p:clrMapOvr>
     <a:masterClrMapping/>
   </p:clrMapOvr>
+  <p:transition spd="slow">
+    <p:push/>
+  </p:transition>
+  <p:timing>
+    <p:tnLst>
+      <p:par>
+        <p:cTn id="1" dur="indefinite" restart="never" nodeType="tmRoot">
+          <p:childTnLst>
+            <p:seq concurrent="1" nextAc="seek">
+              <p:cTn id="2" dur="indefinite" nodeType="mainSeq">
+                <p:childTnLst>
+                  <p:par>
+                    <p:cTn id="3" fill="hold">
+                      <p:stCondLst>
+                        <p:cond delay="indefinite"/>
+                      </p:stCondLst>
+                      <p:childTnLst>
+                        <p:par>
+                          <p:cTn id="4" fill="hold">
+                            <p:stCondLst>
+                              <p:cond delay="0"/>
+                            </p:stCondLst>
+                            <p:childTnLst>
+                              <p:par>
+                                <p:cTn id="5" presetID="10" presetClass="entr" presetSubtype="0" fill="hold" grpId="0" nodeType="clickEffect">
+                                  <p:stCondLst>
+                                    <p:cond delay="0"/>
+                                  </p:stCondLst>
+                                  <p:childTnLst>
+                                    <p:set>
+                                      <p:cBhvr>
+                                        <p:cTn id="6" dur="1" fill="hold">
+                                          <p:stCondLst>
+                                            <p:cond delay="0"/>
+                                          </p:stCondLst>
+                                        </p:cTn>
+                                        <p:tgtEl>
+                                          <p:spTgt spid="13"/>
+                                        </p:tgtEl>
+                                        <p:attrNameLst>
+                                          <p:attrName>style.visibility</p:attrName>
+                                        </p:attrNameLst>
+                                      </p:cBhvr>
+                                      <p:to>
+                                        <p:strVal val="visible"/>
+                                      </p:to>
+                                    </p:set>
+                                    <p:animEffect transition="in" filter="fade">
+                                      <p:cBhvr>
+                                        <p:cTn id="7" dur="500"/>
+                                        <p:tgtEl>
+                                          <p:spTgt spid="13"/>
+                                        </p:tgtEl>
+                                      </p:cBhvr>
+                                    </p:animEffect>
+                                  </p:childTnLst>
+                                </p:cTn>
+                              </p:par>
+                              <p:par>
+                                <p:cTn id="8" presetID="10" presetClass="entr" presetSubtype="0" fill="hold" grpId="0" nodeType="withEffect">
+                                  <p:stCondLst>
+                                    <p:cond delay="0"/>
+                                  </p:stCondLst>
+                                  <p:childTnLst>
+                                    <p:set>
+                                      <p:cBhvr>
+                                        <p:cTn id="9" dur="1" fill="hold">
+                                          <p:stCondLst>
+                                            <p:cond delay="0"/>
+                                          </p:stCondLst>
+                                        </p:cTn>
+                                        <p:tgtEl>
+                                          <p:spTgt spid="12"/>
+                                        </p:tgtEl>
+                                        <p:attrNameLst>
+                                          <p:attrName>style.visibility</p:attrName>
+                                        </p:attrNameLst>
+                                      </p:cBhvr>
+                                      <p:to>
+                                        <p:strVal val="visible"/>
+                                      </p:to>
+                                    </p:set>
+                                    <p:animEffect transition="in" filter="fade">
+                                      <p:cBhvr>
+                                        <p:cTn id="10" dur="500"/>
+                                        <p:tgtEl>
+                                          <p:spTgt spid="12"/>
+                                        </p:tgtEl>
+                                      </p:cBhvr>
+                                    </p:animEffect>
+                                  </p:childTnLst>
+                                </p:cTn>
+                              </p:par>
+                              <p:par>
+                                <p:cTn id="11" presetID="10" presetClass="entr" presetSubtype="0" fill="hold" nodeType="withEffect">
+                                  <p:stCondLst>
+                                    <p:cond delay="0"/>
+                                  </p:stCondLst>
+                                  <p:childTnLst>
+                                    <p:set>
+                                      <p:cBhvr>
+                                        <p:cTn id="12" dur="1" fill="hold">
+                                          <p:stCondLst>
+                                            <p:cond delay="0"/>
+                                          </p:stCondLst>
+                                        </p:cTn>
+                                        <p:tgtEl>
+                                          <p:spTgt spid="6"/>
+                                        </p:tgtEl>
+                                        <p:attrNameLst>
+                                          <p:attrName>style.visibility</p:attrName>
+                                        </p:attrNameLst>
+                                      </p:cBhvr>
+                                      <p:to>
+                                        <p:strVal val="visible"/>
+                                      </p:to>
+                                    </p:set>
+                                    <p:animEffect transition="in" filter="fade">
+                                      <p:cBhvr>
+                                        <p:cTn id="13" dur="500"/>
+                                        <p:tgtEl>
+                                          <p:spTgt spid="6"/>
+                                        </p:tgtEl>
+                                      </p:cBhvr>
+                                    </p:animEffect>
+                                  </p:childTnLst>
+                                </p:cTn>
+                              </p:par>
+                            </p:childTnLst>
+                          </p:cTn>
+                        </p:par>
+                      </p:childTnLst>
+                    </p:cTn>
+                  </p:par>
+                </p:childTnLst>
+              </p:cTn>
+              <p:prevCondLst>
+                <p:cond evt="onPrev" delay="0">
+                  <p:tgtEl>
+                    <p:sldTgt/>
+                  </p:tgtEl>
+                </p:cond>
+              </p:prevCondLst>
+              <p:nextCondLst>
+                <p:cond evt="onNext" delay="0">
+                  <p:tgtEl>
+                    <p:sldTgt/>
+                  </p:tgtEl>
+                </p:cond>
+              </p:nextCondLst>
+            </p:seq>
+          </p:childTnLst>
+        </p:cTn>
+      </p:par>
+    </p:tnLst>
+    <p:bldLst>
+      <p:bldP spid="12" grpId="0"/>
+      <p:bldP spid="13" grpId="0"/>
+    </p:bldLst>
+  </p:timing>
 </p:sld>
 </file>
 
@@ -6705,48 +10966,35 @@
           <a:chExt cx="0" cy="0"/>
         </a:xfrm>
       </p:grpSpPr>
-      <p:sp>
-        <p:nvSpPr>
-          <p:cNvPr id="2" name="제목 1"/>
-          <p:cNvSpPr>
-            <a:spLocks noGrp="1"/>
-          </p:cNvSpPr>
-          <p:nvPr>
-            <p:ph type="title"/>
-          </p:nvPr>
-        </p:nvSpPr>
-        <p:spPr/>
-        <p:txBody>
-          <a:bodyPr/>
-          <a:lstStyle/>
-          <a:p>
-            <a:r>
-              <a:rPr lang="ko-KR" altLang="en-US" dirty="0" smtClean="0"/>
-              <a:t>개발 현황</a:t>
-            </a:r>
-            <a:endParaRPr lang="ko-KR" altLang="en-US" dirty="0"/>
-          </a:p>
-        </p:txBody>
-      </p:sp>
-      <p:sp>
-        <p:nvSpPr>
-          <p:cNvPr id="3" name="내용 개체 틀 2"/>
-          <p:cNvSpPr>
-            <a:spLocks noGrp="1"/>
-          </p:cNvSpPr>
+      <p:pic>
+        <p:nvPicPr>
+          <p:cNvPr id="5" name="내용 개체 틀 4"/>
+          <p:cNvPicPr>
+            <a:picLocks noGrp="1" noChangeAspect="1"/>
+          </p:cNvPicPr>
           <p:nvPr>
             <p:ph sz="quarter" idx="1"/>
           </p:nvPr>
-        </p:nvSpPr>
-        <p:spPr/>
-        <p:txBody>
-          <a:bodyPr/>
-          <a:lstStyle/>
-          <a:p>
-            <a:endParaRPr lang="ko-KR" altLang="en-US"/>
-          </a:p>
-        </p:txBody>
-      </p:sp>
+        </p:nvPicPr>
+        <p:blipFill>
+          <a:blip r:embed="rId2">
+            <a:extLst>
+              <a:ext uri="{28A0092B-C50C-407E-A947-70E740481C1C}">
+                <a14:useLocalDpi xmlns:a14="http://schemas.microsoft.com/office/drawing/2010/main" val="0"/>
+              </a:ext>
+            </a:extLst>
+          </a:blip>
+          <a:stretch>
+            <a:fillRect/>
+          </a:stretch>
+        </p:blipFill>
+        <p:spPr>
+          <a:xfrm>
+            <a:off x="1062735" y="1381633"/>
+            <a:ext cx="6256529" cy="4873625"/>
+          </a:xfrm>
+        </p:spPr>
+      </p:pic>
       <p:sp>
         <p:nvSpPr>
           <p:cNvPr id="4" name="슬라이드 번호 개체 틀 3"/>
@@ -6770,16 +11018,73 @@
           </a:p>
         </p:txBody>
       </p:sp>
+      <p:sp>
+        <p:nvSpPr>
+          <p:cNvPr id="7" name="제목 1"/>
+          <p:cNvSpPr txBox="1">
+            <a:spLocks/>
+          </p:cNvSpPr>
+          <p:nvPr/>
+        </p:nvSpPr>
+        <p:spPr>
+          <a:xfrm>
+            <a:off x="467544" y="188640"/>
+            <a:ext cx="7467600" cy="648072"/>
+          </a:xfrm>
+          <a:prstGeom prst="rect">
+            <a:avLst/>
+          </a:prstGeom>
+        </p:spPr>
+        <p:txBody>
+          <a:bodyPr vert="horz" anchor="b">
+            <a:normAutofit/>
+          </a:bodyPr>
+          <a:lstStyle>
+            <a:lvl1pPr algn="l" rtl="0" eaLnBrk="1" latinLnBrk="1" hangingPunct="1">
+              <a:spcBef>
+                <a:spcPct val="0"/>
+              </a:spcBef>
+              <a:buNone/>
+              <a:defRPr kumimoji="0" sz="3000" b="0" kern="1200" cap="small" baseline="0">
+                <a:solidFill>
+                  <a:schemeClr val="tx2"/>
+                </a:solidFill>
+                <a:latin typeface="+mj-lt"/>
+                <a:ea typeface="+mj-ea"/>
+                <a:cs typeface="+mj-cs"/>
+              </a:defRPr>
+            </a:lvl1pPr>
+          </a:lstStyle>
+          <a:p>
+            <a:r>
+              <a:rPr lang="en-US" altLang="ko-KR" smtClean="0"/>
+              <a:t>3-1) Github</a:t>
+            </a:r>
+            <a:r>
+              <a:rPr lang="ko-KR" altLang="en-US" smtClean="0"/>
+              <a:t>를 이용한 공동 작업</a:t>
+            </a:r>
+            <a:endParaRPr lang="ko-KR" altLang="en-US" dirty="0"/>
+          </a:p>
+        </p:txBody>
+      </p:sp>
     </p:spTree>
     <p:extLst>
       <p:ext uri="{BB962C8B-B14F-4D97-AF65-F5344CB8AC3E}">
-        <p14:creationId xmlns:p14="http://schemas.microsoft.com/office/powerpoint/2010/main" val="3593165138"/>
+        <p14:creationId xmlns:p14="http://schemas.microsoft.com/office/powerpoint/2010/main" val="2754389876"/>
       </p:ext>
     </p:extLst>
   </p:cSld>
   <p:clrMapOvr>
     <a:masterClrMapping/>
   </p:clrMapOvr>
+  <p:timing>
+    <p:tnLst>
+      <p:par>
+        <p:cTn id="1" dur="indefinite" restart="never" nodeType="tmRoot"/>
+      </p:par>
+    </p:tnLst>
+  </p:timing>
 </p:sld>
 </file>
 
@@ -6816,29 +11121,10 @@
           <a:lstStyle/>
           <a:p>
             <a:r>
-              <a:rPr lang="ko-KR" altLang="en-US" dirty="0" smtClean="0"/>
-              <a:t>개발 현황</a:t>
+              <a:rPr lang="ko-KR" altLang="en-US" smtClean="0"/>
+              <a:t>앞으로의 개발 방향</a:t>
             </a:r>
             <a:endParaRPr lang="ko-KR" altLang="en-US" dirty="0"/>
-          </a:p>
-        </p:txBody>
-      </p:sp>
-      <p:sp>
-        <p:nvSpPr>
-          <p:cNvPr id="3" name="내용 개체 틀 2"/>
-          <p:cNvSpPr>
-            <a:spLocks noGrp="1"/>
-          </p:cNvSpPr>
-          <p:nvPr>
-            <p:ph sz="quarter" idx="1"/>
-          </p:nvPr>
-        </p:nvSpPr>
-        <p:spPr/>
-        <p:txBody>
-          <a:bodyPr/>
-          <a:lstStyle/>
-          <a:p>
-            <a:endParaRPr lang="ko-KR" altLang="en-US"/>
           </a:p>
         </p:txBody>
       </p:sp>
@@ -6865,23 +11151,183 @@
           </a:p>
         </p:txBody>
       </p:sp>
+      <p:sp>
+        <p:nvSpPr>
+          <p:cNvPr id="5" name="내용 개체 틀 2"/>
+          <p:cNvSpPr>
+            <a:spLocks noGrp="1"/>
+          </p:cNvSpPr>
+          <p:nvPr>
+            <p:ph sz="quarter" idx="1"/>
+          </p:nvPr>
+        </p:nvSpPr>
+        <p:spPr>
+          <a:xfrm>
+            <a:off x="457200" y="1600200"/>
+            <a:ext cx="7467600" cy="4133850"/>
+          </a:xfrm>
+        </p:spPr>
+        <p:txBody>
+          <a:bodyPr/>
+          <a:lstStyle/>
+          <a:p>
+            <a:r>
+              <a:rPr lang="ko-KR" altLang="en-US" smtClean="0"/>
+              <a:t>경로를 찾기 위한 탐색점을 시각적으로 그려주는 애니메이션 구현</a:t>
+            </a:r>
+            <a:endParaRPr lang="en-US" altLang="ko-KR"/>
+          </a:p>
+          <a:p>
+            <a:r>
+              <a:rPr lang="ko-KR" altLang="en-US" smtClean="0"/>
+              <a:t>탐색 객체의 부피 증가 기능</a:t>
+            </a:r>
+            <a:endParaRPr lang="en-US" altLang="ko-KR" smtClean="0"/>
+          </a:p>
+          <a:p>
+            <a:r>
+              <a:rPr lang="ko-KR" altLang="en-US" smtClean="0">
+                <a:sym typeface="Wingdings" panose="05000000000000000000" pitchFamily="2" charset="2"/>
+              </a:rPr>
+              <a:t>소개된 알고리즘 외 다른 알고리즘을 쉽게 추가할 수 있도록 라이브러리 제공</a:t>
+            </a:r>
+            <a:endParaRPr lang="en-US" altLang="ko-KR" smtClean="0">
+              <a:sym typeface="Wingdings" panose="05000000000000000000" pitchFamily="2" charset="2"/>
+            </a:endParaRPr>
+          </a:p>
+          <a:p>
+            <a:r>
+              <a:rPr lang="ko-KR" altLang="en-US" smtClean="0">
+                <a:sym typeface="Wingdings" panose="05000000000000000000" pitchFamily="2" charset="2"/>
+              </a:rPr>
+              <a:t>각 타일에 높이를 추가해 </a:t>
+            </a:r>
+            <a:r>
+              <a:rPr lang="en-US" altLang="ko-KR" smtClean="0">
+                <a:sym typeface="Wingdings" panose="05000000000000000000" pitchFamily="2" charset="2"/>
+              </a:rPr>
+              <a:t>3Dmap</a:t>
+            </a:r>
+            <a:r>
+              <a:rPr lang="ko-KR" altLang="en-US" smtClean="0">
+                <a:sym typeface="Wingdings" panose="05000000000000000000" pitchFamily="2" charset="2"/>
+              </a:rPr>
+              <a:t>처럼 보이도록 구성</a:t>
+            </a:r>
+            <a:endParaRPr lang="en-US" altLang="ko-KR" smtClean="0">
+              <a:sym typeface="Wingdings" panose="05000000000000000000" pitchFamily="2" charset="2"/>
+            </a:endParaRPr>
+          </a:p>
+          <a:p>
+            <a:r>
+              <a:rPr lang="ko-KR" altLang="en-US" smtClean="0">
+                <a:sym typeface="Wingdings" panose="05000000000000000000" pitchFamily="2" charset="2"/>
+              </a:rPr>
+              <a:t>샘플 맵 뿐 아니라 사용자가 직접 맵을 그리는 기능 </a:t>
+            </a:r>
+            <a:endParaRPr lang="en-US" altLang="ko-KR" smtClean="0">
+              <a:sym typeface="Wingdings" panose="05000000000000000000" pitchFamily="2" charset="2"/>
+            </a:endParaRPr>
+          </a:p>
+          <a:p>
+            <a:r>
+              <a:rPr lang="en-US" altLang="ko-KR">
+                <a:sym typeface="Wingdings" panose="05000000000000000000" pitchFamily="2" charset="2"/>
+              </a:rPr>
+              <a:t>U</a:t>
+            </a:r>
+            <a:r>
+              <a:rPr lang="en-US" altLang="ko-KR" smtClean="0">
+                <a:sym typeface="Wingdings" panose="05000000000000000000" pitchFamily="2" charset="2"/>
+              </a:rPr>
+              <a:t>I</a:t>
+            </a:r>
+            <a:r>
+              <a:rPr lang="ko-KR" altLang="en-US" smtClean="0">
+                <a:sym typeface="Wingdings" panose="05000000000000000000" pitchFamily="2" charset="2"/>
+              </a:rPr>
+              <a:t>의 배치를 </a:t>
+            </a:r>
+            <a:r>
+              <a:rPr lang="ko-KR" altLang="en-US">
+                <a:sym typeface="Wingdings" panose="05000000000000000000" pitchFamily="2" charset="2"/>
+              </a:rPr>
+              <a:t>사용자가 </a:t>
+            </a:r>
+            <a:r>
+              <a:rPr lang="ko-KR" altLang="en-US" smtClean="0">
+                <a:sym typeface="Wingdings" panose="05000000000000000000" pitchFamily="2" charset="2"/>
+              </a:rPr>
+              <a:t>바꾸는 기능</a:t>
+            </a:r>
+            <a:endParaRPr lang="en-US" altLang="ko-KR" smtClean="0">
+              <a:sym typeface="Wingdings" panose="05000000000000000000" pitchFamily="2" charset="2"/>
+            </a:endParaRPr>
+          </a:p>
+          <a:p>
+            <a:r>
+              <a:rPr lang="ko-KR" altLang="en-US" smtClean="0">
+                <a:sym typeface="Wingdings" panose="05000000000000000000" pitchFamily="2" charset="2"/>
+              </a:rPr>
+              <a:t>사용자가 시작점</a:t>
+            </a:r>
+            <a:r>
+              <a:rPr lang="en-US" altLang="ko-KR" smtClean="0">
+                <a:sym typeface="Wingdings" panose="05000000000000000000" pitchFamily="2" charset="2"/>
+              </a:rPr>
+              <a:t>/</a:t>
+            </a:r>
+            <a:r>
+              <a:rPr lang="ko-KR" altLang="en-US" smtClean="0">
+                <a:sym typeface="Wingdings" panose="05000000000000000000" pitchFamily="2" charset="2"/>
+              </a:rPr>
+              <a:t>도착점</a:t>
+            </a:r>
+            <a:r>
+              <a:rPr lang="en-US" altLang="ko-KR" smtClean="0">
+                <a:sym typeface="Wingdings" panose="05000000000000000000" pitchFamily="2" charset="2"/>
+              </a:rPr>
+              <a:t>/</a:t>
+            </a:r>
+            <a:r>
+              <a:rPr lang="ko-KR" altLang="en-US" smtClean="0">
+                <a:sym typeface="Wingdings" panose="05000000000000000000" pitchFamily="2" charset="2"/>
+              </a:rPr>
+              <a:t>벽 등의 색을 정할 수 있는 기능 추가 등등</a:t>
+            </a:r>
+            <a:r>
+              <a:rPr lang="en-US" altLang="ko-KR" smtClean="0">
+                <a:sym typeface="Wingdings" panose="05000000000000000000" pitchFamily="2" charset="2"/>
+              </a:rPr>
+              <a:t>...</a:t>
+            </a:r>
+          </a:p>
+        </p:txBody>
+      </p:sp>
     </p:spTree>
     <p:extLst>
       <p:ext uri="{BB962C8B-B14F-4D97-AF65-F5344CB8AC3E}">
-        <p14:creationId xmlns:p14="http://schemas.microsoft.com/office/powerpoint/2010/main" val="1039904927"/>
+        <p14:creationId xmlns:p14="http://schemas.microsoft.com/office/powerpoint/2010/main" val="3593165138"/>
       </p:ext>
     </p:extLst>
   </p:cSld>
   <p:clrMapOvr>
     <a:masterClrMapping/>
   </p:clrMapOvr>
+  <p:timing>
+    <p:tnLst>
+      <p:par>
+        <p:cTn id="1" dur="indefinite" restart="never" nodeType="tmRoot"/>
+      </p:par>
+    </p:tnLst>
+  </p:timing>
 </p:sld>
 </file>
 
 <file path=ppt/theme/theme1.xml><?xml version="1.0" encoding="utf-8"?>
 <a:theme xmlns:a="http://schemas.openxmlformats.org/drawingml/2006/main" name="오렌지">
   <a:themeElements>
-    <a:clrScheme name="광장">
+    <a:clrScheme name="기류">
       <a:dk1>
         <a:sysClr val="windowText" lastClr="000000"/>
       </a:dk1>
@@ -6889,34 +11335,34 @@
         <a:sysClr val="window" lastClr="FFFFFF"/>
       </a:lt1>
       <a:dk2>
-        <a:srgbClr val="464646"/>
+        <a:srgbClr val="212745"/>
       </a:dk2>
       <a:lt2>
-        <a:srgbClr val="DEF5FA"/>
+        <a:srgbClr val="B4DCFA"/>
       </a:lt2>
       <a:accent1>
-        <a:srgbClr val="2DA2BF"/>
+        <a:srgbClr val="4E67C8"/>
       </a:accent1>
       <a:accent2>
-        <a:srgbClr val="DA1F28"/>
+        <a:srgbClr val="5ECCF3"/>
       </a:accent2>
       <a:accent3>
-        <a:srgbClr val="EB641B"/>
+        <a:srgbClr val="A7EA52"/>
       </a:accent3>
       <a:accent4>
-        <a:srgbClr val="39639D"/>
+        <a:srgbClr val="5DCEAF"/>
       </a:accent4>
       <a:accent5>
-        <a:srgbClr val="474B78"/>
+        <a:srgbClr val="FF8021"/>
       </a:accent5>
       <a:accent6>
-        <a:srgbClr val="7D3C4A"/>
+        <a:srgbClr val="F14124"/>
       </a:accent6>
       <a:hlink>
-        <a:srgbClr val="FF8119"/>
+        <a:srgbClr val="56C7AA"/>
       </a:hlink>
       <a:folHlink>
-        <a:srgbClr val="44B9E8"/>
+        <a:srgbClr val="59A8D1"/>
       </a:folHlink>
     </a:clrScheme>
     <a:fontScheme name="오렌지">
